--- a/Offensive Security Tactics for Linux Professionals - Linux Network Defence Evasion.pptx
+++ b/Offensive Security Tactics for Linux Professionals - Linux Network Defence Evasion.pptx
@@ -6265,7 +6265,7 @@
 <dgm:dataModel xmlns:dgm="http://schemas.openxmlformats.org/drawingml/2006/diagram" xmlns:a="http://schemas.openxmlformats.org/drawingml/2006/main">
   <dgm:ptLst>
     <dgm:pt modelId="{43BB908E-B491-416F-8669-16402B9ED1BE}" type="doc">
-      <dgm:prSet loTypeId="urn:microsoft.com/office/officeart/2005/8/layout/vList2" loCatId="list" qsTypeId="urn:microsoft.com/office/officeart/2005/8/quickstyle/simple1" qsCatId="simple" csTypeId="urn:microsoft.com/office/officeart/2005/8/colors/accent1_2" csCatId="accent1"/>
+      <dgm:prSet loTypeId="urn:microsoft.com/office/officeart/2008/layout/LinedList" loCatId="list" qsTypeId="urn:microsoft.com/office/officeart/2005/8/quickstyle/simple1" qsCatId="simple" csTypeId="urn:microsoft.com/office/officeart/2005/8/colors/accent1_2" csCatId="accent1"/>
       <dgm:spPr/>
       <dgm:t>
         <a:bodyPr/>
@@ -6349,47 +6349,63 @@
         </a:p>
       </dgm:t>
     </dgm:pt>
-    <dgm:pt modelId="{9CCE5602-753B-43C4-BF89-8B04A0CCC541}" type="pres">
-      <dgm:prSet presAssocID="{43BB908E-B491-416F-8669-16402B9ED1BE}" presName="linear" presStyleCnt="0">
+    <dgm:pt modelId="{8AEE67F6-7F12-4A4B-B185-C8ADA374A6A9}" type="pres">
+      <dgm:prSet presAssocID="{43BB908E-B491-416F-8669-16402B9ED1BE}" presName="vert0" presStyleCnt="0">
         <dgm:presLayoutVars>
+          <dgm:dir/>
+          <dgm:animOne val="branch"/>
           <dgm:animLvl val="lvl"/>
-          <dgm:resizeHandles val="exact"/>
         </dgm:presLayoutVars>
       </dgm:prSet>
       <dgm:spPr/>
     </dgm:pt>
-    <dgm:pt modelId="{29444537-9CD6-4E96-879E-219A96EB3302}" type="pres">
-      <dgm:prSet presAssocID="{604FC1AA-AD5A-4288-853E-C132C57293E0}" presName="parentText" presStyleLbl="node1" presStyleIdx="0" presStyleCnt="2">
-        <dgm:presLayoutVars>
-          <dgm:chMax val="0"/>
-          <dgm:bulletEnabled val="1"/>
-        </dgm:presLayoutVars>
-      </dgm:prSet>
+    <dgm:pt modelId="{DC65AF0E-7F06-4891-B8F9-86C0A20FC91B}" type="pres">
+      <dgm:prSet presAssocID="{604FC1AA-AD5A-4288-853E-C132C57293E0}" presName="thickLine" presStyleLbl="alignNode1" presStyleIdx="0" presStyleCnt="2"/>
       <dgm:spPr/>
     </dgm:pt>
-    <dgm:pt modelId="{3613FBA3-8377-49F4-9D07-515480F12339}" type="pres">
-      <dgm:prSet presAssocID="{08B8C734-4AC7-43A0-A8D0-D7A3FC501B96}" presName="spacer" presStyleCnt="0"/>
+    <dgm:pt modelId="{E4A2886F-483E-413E-B389-CEFE0561B06B}" type="pres">
+      <dgm:prSet presAssocID="{604FC1AA-AD5A-4288-853E-C132C57293E0}" presName="horz1" presStyleCnt="0"/>
       <dgm:spPr/>
     </dgm:pt>
-    <dgm:pt modelId="{F56C4BE5-803E-4529-A29A-23D424547976}" type="pres">
-      <dgm:prSet presAssocID="{1C1D306A-BEB1-4D03-8AB3-EB5C68BDD8F0}" presName="parentText" presStyleLbl="node1" presStyleIdx="1" presStyleCnt="2">
-        <dgm:presLayoutVars>
-          <dgm:chMax val="0"/>
-          <dgm:bulletEnabled val="1"/>
-        </dgm:presLayoutVars>
-      </dgm:prSet>
+    <dgm:pt modelId="{272B3883-221D-439D-B431-380B6A0EA494}" type="pres">
+      <dgm:prSet presAssocID="{604FC1AA-AD5A-4288-853E-C132C57293E0}" presName="tx1" presStyleLbl="revTx" presStyleIdx="0" presStyleCnt="2"/>
+      <dgm:spPr/>
+    </dgm:pt>
+    <dgm:pt modelId="{B1676AC4-484E-4CF6-915B-2779E0898346}" type="pres">
+      <dgm:prSet presAssocID="{604FC1AA-AD5A-4288-853E-C132C57293E0}" presName="vert1" presStyleCnt="0"/>
+      <dgm:spPr/>
+    </dgm:pt>
+    <dgm:pt modelId="{A21AE7B1-99AF-4B44-B39F-5C90B104E0B6}" type="pres">
+      <dgm:prSet presAssocID="{1C1D306A-BEB1-4D03-8AB3-EB5C68BDD8F0}" presName="thickLine" presStyleLbl="alignNode1" presStyleIdx="1" presStyleCnt="2"/>
+      <dgm:spPr/>
+    </dgm:pt>
+    <dgm:pt modelId="{C8916380-B552-4716-98ED-869120C650CA}" type="pres">
+      <dgm:prSet presAssocID="{1C1D306A-BEB1-4D03-8AB3-EB5C68BDD8F0}" presName="horz1" presStyleCnt="0"/>
+      <dgm:spPr/>
+    </dgm:pt>
+    <dgm:pt modelId="{7C0BE9D8-8B45-49EF-A9F1-ADB16DCE41EF}" type="pres">
+      <dgm:prSet presAssocID="{1C1D306A-BEB1-4D03-8AB3-EB5C68BDD8F0}" presName="tx1" presStyleLbl="revTx" presStyleIdx="1" presStyleCnt="2"/>
+      <dgm:spPr/>
+    </dgm:pt>
+    <dgm:pt modelId="{562CF999-7F56-4428-9684-FB5CBD7085A4}" type="pres">
+      <dgm:prSet presAssocID="{1C1D306A-BEB1-4D03-8AB3-EB5C68BDD8F0}" presName="vert1" presStyleCnt="0"/>
       <dgm:spPr/>
     </dgm:pt>
   </dgm:ptLst>
   <dgm:cxnLst>
-    <dgm:cxn modelId="{83EB1242-6F77-4705-862B-F760256F7E80}" type="presOf" srcId="{1C1D306A-BEB1-4D03-8AB3-EB5C68BDD8F0}" destId="{F56C4BE5-803E-4529-A29A-23D424547976}" srcOrd="0" destOrd="0" presId="urn:microsoft.com/office/officeart/2005/8/layout/vList2"/>
     <dgm:cxn modelId="{84ADE073-80D7-4234-B0AD-B8E0254FCC13}" srcId="{43BB908E-B491-416F-8669-16402B9ED1BE}" destId="{604FC1AA-AD5A-4288-853E-C132C57293E0}" srcOrd="0" destOrd="0" parTransId="{80340E01-D7AF-452C-90B8-E2C302EB5D31}" sibTransId="{08B8C734-4AC7-43A0-A8D0-D7A3FC501B96}"/>
-    <dgm:cxn modelId="{952C5790-01AB-4FB8-BCED-6C0AB7CAE956}" type="presOf" srcId="{43BB908E-B491-416F-8669-16402B9ED1BE}" destId="{9CCE5602-753B-43C4-BF89-8B04A0CCC541}" srcOrd="0" destOrd="0" presId="urn:microsoft.com/office/officeart/2005/8/layout/vList2"/>
-    <dgm:cxn modelId="{22602EA8-3B75-4FF4-918D-73C48A14E1DB}" type="presOf" srcId="{604FC1AA-AD5A-4288-853E-C132C57293E0}" destId="{29444537-9CD6-4E96-879E-219A96EB3302}" srcOrd="0" destOrd="0" presId="urn:microsoft.com/office/officeart/2005/8/layout/vList2"/>
+    <dgm:cxn modelId="{B66E3880-7DD1-4DD8-A531-1F9883148E98}" type="presOf" srcId="{43BB908E-B491-416F-8669-16402B9ED1BE}" destId="{8AEE67F6-7F12-4A4B-B185-C8ADA374A6A9}" srcOrd="0" destOrd="0" presId="urn:microsoft.com/office/officeart/2008/layout/LinedList"/>
     <dgm:cxn modelId="{A34749B3-2C58-4922-8C09-FC871B15DACB}" srcId="{43BB908E-B491-416F-8669-16402B9ED1BE}" destId="{1C1D306A-BEB1-4D03-8AB3-EB5C68BDD8F0}" srcOrd="1" destOrd="0" parTransId="{6B62D106-5845-4909-9118-AB2F1CA6488B}" sibTransId="{F4D64BFC-8A96-4730-8E9E-B60267922B7F}"/>
-    <dgm:cxn modelId="{FC8DDFAA-2E17-44C7-BBEE-3D8A7CA00FDA}" type="presParOf" srcId="{9CCE5602-753B-43C4-BF89-8B04A0CCC541}" destId="{29444537-9CD6-4E96-879E-219A96EB3302}" srcOrd="0" destOrd="0" presId="urn:microsoft.com/office/officeart/2005/8/layout/vList2"/>
-    <dgm:cxn modelId="{00C587A4-2731-490F-A257-7ECB306D92E2}" type="presParOf" srcId="{9CCE5602-753B-43C4-BF89-8B04A0CCC541}" destId="{3613FBA3-8377-49F4-9D07-515480F12339}" srcOrd="1" destOrd="0" presId="urn:microsoft.com/office/officeart/2005/8/layout/vList2"/>
-    <dgm:cxn modelId="{10B85095-92C7-4C1F-9241-6AD458EE260E}" type="presParOf" srcId="{9CCE5602-753B-43C4-BF89-8B04A0CCC541}" destId="{F56C4BE5-803E-4529-A29A-23D424547976}" srcOrd="2" destOrd="0" presId="urn:microsoft.com/office/officeart/2005/8/layout/vList2"/>
+    <dgm:cxn modelId="{A5D5F7CE-03D4-4BCF-BE05-1E00C47D45F9}" type="presOf" srcId="{1C1D306A-BEB1-4D03-8AB3-EB5C68BDD8F0}" destId="{7C0BE9D8-8B45-49EF-A9F1-ADB16DCE41EF}" srcOrd="0" destOrd="0" presId="urn:microsoft.com/office/officeart/2008/layout/LinedList"/>
+    <dgm:cxn modelId="{629663FB-8442-43D0-A9D1-A1ABB519B01E}" type="presOf" srcId="{604FC1AA-AD5A-4288-853E-C132C57293E0}" destId="{272B3883-221D-439D-B431-380B6A0EA494}" srcOrd="0" destOrd="0" presId="urn:microsoft.com/office/officeart/2008/layout/LinedList"/>
+    <dgm:cxn modelId="{9E123B22-7DE5-4318-8A95-EA1F94C655AA}" type="presParOf" srcId="{8AEE67F6-7F12-4A4B-B185-C8ADA374A6A9}" destId="{DC65AF0E-7F06-4891-B8F9-86C0A20FC91B}" srcOrd="0" destOrd="0" presId="urn:microsoft.com/office/officeart/2008/layout/LinedList"/>
+    <dgm:cxn modelId="{E40E5273-416D-4259-9BC7-8A6E0B95BB0B}" type="presParOf" srcId="{8AEE67F6-7F12-4A4B-B185-C8ADA374A6A9}" destId="{E4A2886F-483E-413E-B389-CEFE0561B06B}" srcOrd="1" destOrd="0" presId="urn:microsoft.com/office/officeart/2008/layout/LinedList"/>
+    <dgm:cxn modelId="{E8A700C3-0213-4305-A61A-35B82F51DD77}" type="presParOf" srcId="{E4A2886F-483E-413E-B389-CEFE0561B06B}" destId="{272B3883-221D-439D-B431-380B6A0EA494}" srcOrd="0" destOrd="0" presId="urn:microsoft.com/office/officeart/2008/layout/LinedList"/>
+    <dgm:cxn modelId="{147A57FC-BADC-4ED6-AB58-769765837665}" type="presParOf" srcId="{E4A2886F-483E-413E-B389-CEFE0561B06B}" destId="{B1676AC4-484E-4CF6-915B-2779E0898346}" srcOrd="1" destOrd="0" presId="urn:microsoft.com/office/officeart/2008/layout/LinedList"/>
+    <dgm:cxn modelId="{407CB342-2998-4881-B76E-C1F897B64C4A}" type="presParOf" srcId="{8AEE67F6-7F12-4A4B-B185-C8ADA374A6A9}" destId="{A21AE7B1-99AF-4B44-B39F-5C90B104E0B6}" srcOrd="2" destOrd="0" presId="urn:microsoft.com/office/officeart/2008/layout/LinedList"/>
+    <dgm:cxn modelId="{7F5B42A1-5B54-4EDA-9753-6513156AE43D}" type="presParOf" srcId="{8AEE67F6-7F12-4A4B-B185-C8ADA374A6A9}" destId="{C8916380-B552-4716-98ED-869120C650CA}" srcOrd="3" destOrd="0" presId="urn:microsoft.com/office/officeart/2008/layout/LinedList"/>
+    <dgm:cxn modelId="{74698868-8575-48A6-AE2A-BEC42BA054BC}" type="presParOf" srcId="{C8916380-B552-4716-98ED-869120C650CA}" destId="{7C0BE9D8-8B45-49EF-A9F1-ADB16DCE41EF}" srcOrd="0" destOrd="0" presId="urn:microsoft.com/office/officeart/2008/layout/LinedList"/>
+    <dgm:cxn modelId="{3D60E58C-572B-4E9E-852C-F36CD9082680}" type="presParOf" srcId="{C8916380-B552-4716-98ED-869120C650CA}" destId="{562CF999-7F56-4428-9684-FB5CBD7085A4}" srcOrd="1" destOrd="0" presId="urn:microsoft.com/office/officeart/2008/layout/LinedList"/>
   </dgm:cxnLst>
   <dgm:bg/>
   <dgm:whole/>
@@ -8840,17 +8856,17 @@
       <dsp:cNvGrpSpPr/>
     </dsp:nvGrpSpPr>
     <dsp:grpSpPr/>
-    <dsp:sp modelId="{29444537-9CD6-4E96-879E-219A96EB3302}">
+    <dsp:sp modelId="{DC65AF0E-7F06-4891-B8F9-86C0A20FC91B}">
       <dsp:nvSpPr>
         <dsp:cNvPr id="0" name=""/>
         <dsp:cNvSpPr/>
       </dsp:nvSpPr>
       <dsp:spPr>
         <a:xfrm>
-          <a:off x="0" y="303694"/>
-          <a:ext cx="10509503" cy="914940"/>
+          <a:off x="0" y="0"/>
+          <a:ext cx="10509503" cy="0"/>
         </a:xfrm>
-        <a:prstGeom prst="roundRect">
+        <a:prstGeom prst="line">
           <a:avLst/>
         </a:prstGeom>
         <a:solidFill>
@@ -8863,7 +8879,7 @@
         </a:solidFill>
         <a:ln w="12700" cap="flat" cmpd="sng" algn="ctr">
           <a:solidFill>
-            <a:schemeClr val="lt1">
+            <a:schemeClr val="accent1">
               <a:hueOff val="0"/>
               <a:satOff val="0"/>
               <a:lumOff val="0"/>
@@ -8889,13 +8905,45 @@
           <a:schemeClr val="lt1"/>
         </a:fontRef>
       </dsp:style>
+    </dsp:sp>
+    <dsp:sp modelId="{272B3883-221D-439D-B431-380B6A0EA494}">
+      <dsp:nvSpPr>
+        <dsp:cNvPr id="0" name=""/>
+        <dsp:cNvSpPr/>
+      </dsp:nvSpPr>
+      <dsp:spPr>
+        <a:xfrm>
+          <a:off x="0" y="0"/>
+          <a:ext cx="10509503" cy="1251755"/>
+        </a:xfrm>
+        <a:prstGeom prst="rect">
+          <a:avLst/>
+        </a:prstGeom>
+        <a:noFill/>
+        <a:ln>
+          <a:noFill/>
+        </a:ln>
+        <a:effectLst/>
+      </dsp:spPr>
+      <dsp:style>
+        <a:lnRef idx="0">
+          <a:scrgbClr r="0" g="0" b="0"/>
+        </a:lnRef>
+        <a:fillRef idx="0">
+          <a:scrgbClr r="0" g="0" b="0"/>
+        </a:fillRef>
+        <a:effectRef idx="0">
+          <a:scrgbClr r="0" g="0" b="0"/>
+        </a:effectRef>
+        <a:fontRef idx="minor"/>
+      </dsp:style>
       <dsp:txBody>
-        <a:bodyPr spcFirstLastPara="0" vert="horz" wrap="square" lIns="87630" tIns="87630" rIns="87630" bIns="87630" numCol="1" spcCol="1270" anchor="ctr" anchorCtr="0">
+        <a:bodyPr spcFirstLastPara="0" vert="horz" wrap="square" lIns="95250" tIns="95250" rIns="95250" bIns="95250" numCol="1" spcCol="1270" anchor="t" anchorCtr="0">
           <a:noAutofit/>
         </a:bodyPr>
         <a:lstStyle/>
         <a:p>
-          <a:pPr marL="0" lvl="0" indent="0" algn="l" defTabSz="1022350">
+          <a:pPr marL="0" lvl="0" indent="0" algn="l" defTabSz="1111250">
             <a:lnSpc>
               <a:spcPct val="90000"/>
             </a:lnSpc>
@@ -8908,28 +8956,28 @@
             <a:buNone/>
           </a:pPr>
           <a:r>
-            <a:rPr lang="en-GB" sz="2300" kern="1200"/>
+            <a:rPr lang="en-GB" sz="2500" kern="1200"/>
             <a:t>If you use IPv6, then using ip6tables it is recommended to apply the same ruleset as IPv4 to ensure it is not left open as blind spot for exploitation</a:t>
           </a:r>
-          <a:endParaRPr lang="en-US" sz="2300" kern="1200"/>
+          <a:endParaRPr lang="en-US" sz="2500" kern="1200"/>
         </a:p>
       </dsp:txBody>
       <dsp:txXfrm>
-        <a:off x="44664" y="348358"/>
-        <a:ext cx="10420175" cy="825612"/>
+        <a:off x="0" y="0"/>
+        <a:ext cx="10509503" cy="1251755"/>
       </dsp:txXfrm>
     </dsp:sp>
-    <dsp:sp modelId="{F56C4BE5-803E-4529-A29A-23D424547976}">
+    <dsp:sp modelId="{A21AE7B1-99AF-4B44-B39F-5C90B104E0B6}">
       <dsp:nvSpPr>
         <dsp:cNvPr id="0" name=""/>
         <dsp:cNvSpPr/>
       </dsp:nvSpPr>
       <dsp:spPr>
         <a:xfrm>
-          <a:off x="0" y="1284875"/>
-          <a:ext cx="10509503" cy="914940"/>
+          <a:off x="0" y="1251755"/>
+          <a:ext cx="10509503" cy="0"/>
         </a:xfrm>
-        <a:prstGeom prst="roundRect">
+        <a:prstGeom prst="line">
           <a:avLst/>
         </a:prstGeom>
         <a:solidFill>
@@ -8942,7 +8990,7 @@
         </a:solidFill>
         <a:ln w="12700" cap="flat" cmpd="sng" algn="ctr">
           <a:solidFill>
-            <a:schemeClr val="lt1">
+            <a:schemeClr val="accent1">
               <a:hueOff val="0"/>
               <a:satOff val="0"/>
               <a:lumOff val="0"/>
@@ -8968,13 +9016,45 @@
           <a:schemeClr val="lt1"/>
         </a:fontRef>
       </dsp:style>
+    </dsp:sp>
+    <dsp:sp modelId="{7C0BE9D8-8B45-49EF-A9F1-ADB16DCE41EF}">
+      <dsp:nvSpPr>
+        <dsp:cNvPr id="0" name=""/>
+        <dsp:cNvSpPr/>
+      </dsp:nvSpPr>
+      <dsp:spPr>
+        <a:xfrm>
+          <a:off x="0" y="1251755"/>
+          <a:ext cx="10509503" cy="1251755"/>
+        </a:xfrm>
+        <a:prstGeom prst="rect">
+          <a:avLst/>
+        </a:prstGeom>
+        <a:noFill/>
+        <a:ln>
+          <a:noFill/>
+        </a:ln>
+        <a:effectLst/>
+      </dsp:spPr>
+      <dsp:style>
+        <a:lnRef idx="0">
+          <a:scrgbClr r="0" g="0" b="0"/>
+        </a:lnRef>
+        <a:fillRef idx="0">
+          <a:scrgbClr r="0" g="0" b="0"/>
+        </a:fillRef>
+        <a:effectRef idx="0">
+          <a:scrgbClr r="0" g="0" b="0"/>
+        </a:effectRef>
+        <a:fontRef idx="minor"/>
+      </dsp:style>
       <dsp:txBody>
-        <a:bodyPr spcFirstLastPara="0" vert="horz" wrap="square" lIns="87630" tIns="87630" rIns="87630" bIns="87630" numCol="1" spcCol="1270" anchor="ctr" anchorCtr="0">
+        <a:bodyPr spcFirstLastPara="0" vert="horz" wrap="square" lIns="95250" tIns="95250" rIns="95250" bIns="95250" numCol="1" spcCol="1270" anchor="t" anchorCtr="0">
           <a:noAutofit/>
         </a:bodyPr>
         <a:lstStyle/>
         <a:p>
-          <a:pPr marL="0" lvl="0" indent="0" algn="l" defTabSz="1022350">
+          <a:pPr marL="0" lvl="0" indent="0" algn="l" defTabSz="1111250">
             <a:lnSpc>
               <a:spcPct val="90000"/>
             </a:lnSpc>
@@ -8987,15 +9067,15 @@
             <a:buNone/>
           </a:pPr>
           <a:r>
-            <a:rPr lang="en-GB" sz="2300" kern="1200"/>
+            <a:rPr lang="en-GB" sz="2500" kern="1200"/>
             <a:t>Always use DROP packets to prevent obvious enumeration</a:t>
           </a:r>
-          <a:endParaRPr lang="en-US" sz="2300" kern="1200"/>
+          <a:endParaRPr lang="en-US" sz="2500" kern="1200"/>
         </a:p>
       </dsp:txBody>
       <dsp:txXfrm>
-        <a:off x="44664" y="1329539"/>
-        <a:ext cx="10420175" cy="825612"/>
+        <a:off x="0" y="1251755"/>
+        <a:ext cx="10509503" cy="1251755"/>
       </dsp:txXfrm>
     </dsp:sp>
   </dsp:spTree>
@@ -10887,12 +10967,12 @@
 </file>
 
 <file path=ppt/diagrams/layout6.xml><?xml version="1.0" encoding="utf-8"?>
-<dgm:layoutDef xmlns:dgm="http://schemas.openxmlformats.org/drawingml/2006/diagram" xmlns:a="http://schemas.openxmlformats.org/drawingml/2006/main" uniqueId="urn:microsoft.com/office/officeart/2005/8/layout/vList2">
+<dgm:layoutDef xmlns:dgm="http://schemas.openxmlformats.org/drawingml/2006/diagram" xmlns:a="http://schemas.openxmlformats.org/drawingml/2006/main" uniqueId="urn:microsoft.com/office/officeart/2008/layout/LinedList">
   <dgm:title val=""/>
   <dgm:desc val=""/>
   <dgm:catLst>
-    <dgm:cat type="list" pri="3000"/>
-    <dgm:cat type="convert" pri="1000"/>
+    <dgm:cat type="hierarchy" pri="8000"/>
+    <dgm:cat type="list" pri="2500"/>
   </dgm:catLst>
   <dgm:sampData>
     <dgm:dataModel>
@@ -10904,18 +10984,18 @@
         <dgm:pt modelId="11">
           <dgm:prSet phldr="1"/>
         </dgm:pt>
-        <dgm:pt modelId="2">
+        <dgm:pt modelId="12">
           <dgm:prSet phldr="1"/>
         </dgm:pt>
-        <dgm:pt modelId="21">
+        <dgm:pt modelId="13">
           <dgm:prSet phldr="1"/>
         </dgm:pt>
       </dgm:ptLst>
       <dgm:cxnLst>
-        <dgm:cxn modelId="4" srcId="0" destId="1" srcOrd="0" destOrd="0"/>
-        <dgm:cxn modelId="5" srcId="0" destId="2" srcOrd="1" destOrd="0"/>
-        <dgm:cxn modelId="12" srcId="1" destId="11" srcOrd="0" destOrd="0"/>
-        <dgm:cxn modelId="23" srcId="2" destId="21" srcOrd="0" destOrd="0"/>
+        <dgm:cxn modelId="2" srcId="0" destId="1" srcOrd="0" destOrd="0"/>
+        <dgm:cxn modelId="3" srcId="1" destId="11" srcOrd="0" destOrd="0"/>
+        <dgm:cxn modelId="4" srcId="1" destId="12" srcOrd="1" destOrd="0"/>
+        <dgm:cxn modelId="5" srcId="1" destId="13" srcOrd="2" destOrd="0"/>
       </dgm:cxnLst>
       <dgm:bg/>
       <dgm:whole/>
@@ -10925,12 +11005,20 @@
     <dgm:dataModel>
       <dgm:ptLst>
         <dgm:pt modelId="0" type="doc"/>
-        <dgm:pt modelId="1"/>
-        <dgm:pt modelId="2"/>
+        <dgm:pt modelId="1">
+          <dgm:prSet phldr="1"/>
+        </dgm:pt>
+        <dgm:pt modelId="11">
+          <dgm:prSet phldr="1"/>
+        </dgm:pt>
+        <dgm:pt modelId="12">
+          <dgm:prSet phldr="1"/>
+        </dgm:pt>
       </dgm:ptLst>
       <dgm:cxnLst>
-        <dgm:cxn modelId="3" srcId="0" destId="1" srcOrd="0" destOrd="0"/>
-        <dgm:cxn modelId="4" srcId="0" destId="2" srcOrd="1" destOrd="0"/>
+        <dgm:cxn modelId="2" srcId="0" destId="1" srcOrd="0" destOrd="0"/>
+        <dgm:cxn modelId="3" srcId="1" destId="11" srcOrd="0" destOrd="0"/>
+        <dgm:cxn modelId="4" srcId="1" destId="12" srcOrd="1" destOrd="0"/>
       </dgm:cxnLst>
       <dgm:bg/>
       <dgm:whole/>
@@ -10940,114 +11028,405 @@
     <dgm:dataModel>
       <dgm:ptLst>
         <dgm:pt modelId="0" type="doc"/>
-        <dgm:pt modelId="1"/>
-        <dgm:pt modelId="2"/>
-        <dgm:pt modelId="3"/>
-        <dgm:pt modelId="4"/>
+        <dgm:pt modelId="1">
+          <dgm:prSet phldr="1"/>
+        </dgm:pt>
+        <dgm:pt modelId="11">
+          <dgm:prSet phldr="1"/>
+        </dgm:pt>
+        <dgm:pt modelId="12">
+          <dgm:prSet phldr="1"/>
+        </dgm:pt>
       </dgm:ptLst>
       <dgm:cxnLst>
-        <dgm:cxn modelId="5" srcId="0" destId="1" srcOrd="0" destOrd="0"/>
-        <dgm:cxn modelId="6" srcId="0" destId="2" srcOrd="1" destOrd="0"/>
-        <dgm:cxn modelId="7" srcId="0" destId="3" srcOrd="2" destOrd="0"/>
-        <dgm:cxn modelId="8" srcId="0" destId="4" srcOrd="3" destOrd="0"/>
+        <dgm:cxn modelId="2" srcId="0" destId="1" srcOrd="0" destOrd="0"/>
+        <dgm:cxn modelId="3" srcId="1" destId="11" srcOrd="0" destOrd="0"/>
+        <dgm:cxn modelId="4" srcId="1" destId="12" srcOrd="1" destOrd="0"/>
       </dgm:cxnLst>
       <dgm:bg/>
       <dgm:whole/>
     </dgm:dataModel>
   </dgm:clrData>
-  <dgm:layoutNode name="linear">
+  <dgm:layoutNode name="vert0">
     <dgm:varLst>
+      <dgm:dir/>
+      <dgm:animOne val="branch"/>
       <dgm:animLvl val="lvl"/>
-      <dgm:resizeHandles val="exact"/>
     </dgm:varLst>
-    <dgm:alg type="lin">
-      <dgm:param type="linDir" val="fromT"/>
-      <dgm:param type="vertAlign" val="mid"/>
-    </dgm:alg>
+    <dgm:choose name="Name0">
+      <dgm:if name="Name1" func="var" arg="dir" op="equ" val="norm">
+        <dgm:alg type="lin">
+          <dgm:param type="linDir" val="fromT"/>
+          <dgm:param type="nodeHorzAlign" val="l"/>
+        </dgm:alg>
+      </dgm:if>
+      <dgm:else name="Name2">
+        <dgm:alg type="lin">
+          <dgm:param type="linDir" val="fromT"/>
+          <dgm:param type="nodeHorzAlign" val="r"/>
+        </dgm:alg>
+      </dgm:else>
+    </dgm:choose>
     <dgm:shape xmlns:r="http://schemas.openxmlformats.org/officeDocument/2006/relationships" r:blip="">
       <dgm:adjLst/>
     </dgm:shape>
     <dgm:presOf/>
     <dgm:constrLst>
-      <dgm:constr type="w" for="ch" forName="parentText" refType="w"/>
-      <dgm:constr type="h" for="ch" forName="parentText" refType="primFontSz" refFor="ch" refForName="parentText" fact="0.52"/>
-      <dgm:constr type="w" for="ch" forName="childText" refType="w"/>
-      <dgm:constr type="h" for="ch" forName="childText" refType="primFontSz" refFor="ch" refForName="parentText" fact="0.46"/>
-      <dgm:constr type="h" for="ch" forName="parentText" op="equ"/>
-      <dgm:constr type="primFontSz" for="ch" forName="parentText" op="equ" val="65"/>
-      <dgm:constr type="primFontSz" for="ch" forName="childText" refType="primFontSz" refFor="ch" refForName="parentText" op="equ"/>
-      <dgm:constr type="h" for="ch" forName="spacer" refType="primFontSz" refFor="ch" refForName="parentText" fact="0.08"/>
+      <dgm:constr type="w" for="ch" forName="horz1" refType="w"/>
+      <dgm:constr type="h" for="ch" forName="horz1" refType="h"/>
+      <dgm:constr type="h" for="des" forName="vert1" refType="h"/>
+      <dgm:constr type="h" for="des" forName="tx1" refType="h"/>
+      <dgm:constr type="h" for="des" forName="horz2" refType="h"/>
+      <dgm:constr type="h" for="des" forName="vert2" refType="h"/>
+      <dgm:constr type="h" for="des" forName="horz3" refType="h"/>
+      <dgm:constr type="h" for="des" forName="vert3" refType="h"/>
+      <dgm:constr type="h" for="des" forName="horz4" refType="h"/>
+      <dgm:constr type="h" for="des" ptType="node" refType="h"/>
+      <dgm:constr type="primFontSz" for="des" forName="tx1" op="equ" val="65"/>
+      <dgm:constr type="primFontSz" for="des" forName="tx2" op="equ" val="65"/>
+      <dgm:constr type="primFontSz" for="des" forName="tx3" op="equ" val="65"/>
+      <dgm:constr type="primFontSz" for="des" forName="tx4" op="equ" val="65"/>
+      <dgm:constr type="w" for="des" forName="thickLine" refType="w"/>
+      <dgm:constr type="h" for="des" forName="thickLine"/>
+      <dgm:constr type="h" for="des" forName="thinLine1"/>
+      <dgm:constr type="h" for="des" forName="thinLine2b"/>
+      <dgm:constr type="h" for="des" forName="thinLine3"/>
+      <dgm:constr type="h" for="des" forName="vertSpace2a" refType="h" fact="0.05"/>
+      <dgm:constr type="h" for="des" forName="vertSpace2b" refType="h" refFor="des" refForName="vertSpace2a"/>
     </dgm:constrLst>
-    <dgm:ruleLst>
-      <dgm:rule type="primFontSz" for="ch" forName="parentText" val="5" fact="NaN" max="NaN"/>
-    </dgm:ruleLst>
-    <dgm:forEach name="Name0" axis="ch" ptType="node">
-      <dgm:layoutNode name="parentText" styleLbl="node1">
-        <dgm:varLst>
-          <dgm:chMax val="0"/>
-          <dgm:bulletEnabled val="1"/>
-        </dgm:varLst>
-        <dgm:alg type="tx">
-          <dgm:param type="parTxLTRAlign" val="l"/>
-          <dgm:param type="parTxRTLAlign" val="r"/>
-        </dgm:alg>
-        <dgm:shape xmlns:r="http://schemas.openxmlformats.org/officeDocument/2006/relationships" type="roundRect" r:blip="">
+    <dgm:forEach name="Name3" axis="ch" ptType="node">
+      <dgm:layoutNode name="thickLine" styleLbl="alignNode1">
+        <dgm:alg type="sp"/>
+        <dgm:shape xmlns:r="http://schemas.openxmlformats.org/officeDocument/2006/relationships" type="line" r:blip="">
           <dgm:adjLst/>
         </dgm:shape>
-        <dgm:presOf axis="self"/>
-        <dgm:constrLst>
-          <dgm:constr type="tMarg" refType="primFontSz" fact="0.3"/>
-          <dgm:constr type="bMarg" refType="primFontSz" fact="0.3"/>
-          <dgm:constr type="lMarg" refType="primFontSz" fact="0.3"/>
-          <dgm:constr type="rMarg" refType="primFontSz" fact="0.3"/>
-        </dgm:constrLst>
-        <dgm:ruleLst>
-          <dgm:rule type="h" val="INF" fact="NaN" max="NaN"/>
-        </dgm:ruleLst>
+        <dgm:presOf/>
       </dgm:layoutNode>
-      <dgm:choose name="Name1">
-        <dgm:if name="Name2" axis="ch" ptType="node" func="cnt" op="gte" val="1">
-          <dgm:layoutNode name="childText" styleLbl="revTx">
-            <dgm:varLst>
-              <dgm:bulletEnabled val="1"/>
-            </dgm:varLst>
-            <dgm:alg type="tx">
-              <dgm:param type="stBulletLvl" val="1"/>
-              <dgm:param type="lnSpAfChP" val="20"/>
+      <dgm:layoutNode name="horz1">
+        <dgm:choose name="Name4">
+          <dgm:if name="Name5" func="var" arg="dir" op="equ" val="norm">
+            <dgm:alg type="lin">
+              <dgm:param type="linDir" val="fromL"/>
+              <dgm:param type="nodeVertAlign" val="t"/>
             </dgm:alg>
-            <dgm:shape xmlns:r="http://schemas.openxmlformats.org/officeDocument/2006/relationships" type="rect" r:blip="">
-              <dgm:adjLst/>
-            </dgm:shape>
-            <dgm:presOf axis="des" ptType="node"/>
+          </dgm:if>
+          <dgm:else name="Name6">
+            <dgm:alg type="lin">
+              <dgm:param type="linDir" val="fromR"/>
+              <dgm:param type="nodeVertAlign" val="t"/>
+            </dgm:alg>
+          </dgm:else>
+        </dgm:choose>
+        <dgm:shape xmlns:r="http://schemas.openxmlformats.org/officeDocument/2006/relationships" r:blip="">
+          <dgm:adjLst/>
+        </dgm:shape>
+        <dgm:presOf/>
+        <dgm:choose name="Name7">
+          <dgm:if name="Name8" axis="root des" func="maxDepth" op="equ" val="1">
             <dgm:constrLst>
-              <dgm:constr type="tMarg" refType="primFontSz" fact="0.1"/>
-              <dgm:constr type="bMarg" refType="primFontSz" fact="0.1"/>
-              <dgm:constr type="lMarg" refType="w" fact="0.09"/>
+              <dgm:constr type="w" for="ch" forName="tx1" refType="w"/>
             </dgm:constrLst>
-            <dgm:ruleLst>
-              <dgm:rule type="h" val="INF" fact="NaN" max="NaN"/>
-            </dgm:ruleLst>
-          </dgm:layoutNode>
-        </dgm:if>
-        <dgm:else name="Name3">
-          <dgm:choose name="Name4">
-            <dgm:if name="Name5" axis="par ch" ptType="doc node" func="cnt" op="gte" val="2">
-              <dgm:forEach name="Name6" axis="followSib" ptType="sibTrans" cnt="1">
-                <dgm:layoutNode name="spacer">
+          </dgm:if>
+          <dgm:if name="Name9" axis="root des" func="maxDepth" op="equ" val="2">
+            <dgm:constrLst>
+              <dgm:constr type="w" for="ch" forName="tx1" refType="w" fact="0.2"/>
+              <dgm:constr type="w" for="des" forName="tx2" refType="w" fact="0.785"/>
+              <dgm:constr type="w" for="des" forName="horzSpace2" refType="w" fact="0.015"/>
+              <dgm:constr type="w" for="des" forName="thinLine2b" refType="w" fact="0.8"/>
+            </dgm:constrLst>
+          </dgm:if>
+          <dgm:if name="Name10" axis="root des" func="maxDepth" op="equ" val="3">
+            <dgm:constrLst>
+              <dgm:constr type="w" for="ch" forName="tx1" refType="w" fact="0.2"/>
+              <dgm:constr type="w" for="des" forName="tx2" refType="w" fact="0.385"/>
+              <dgm:constr type="w" for="des" forName="tx3" refType="w" fact="0.385"/>
+              <dgm:constr type="w" for="des" forName="horzSpace2" refType="w" fact="0.015"/>
+              <dgm:constr type="w" for="des" forName="horzSpace3" refType="w" fact="0.015"/>
+              <dgm:constr type="w" for="des" forName="thinLine2b" refType="w" fact="0.8"/>
+              <dgm:constr type="w" for="des" forName="thinLine3" refType="w" fact="0.385"/>
+            </dgm:constrLst>
+          </dgm:if>
+          <dgm:if name="Name11" axis="root des" func="maxDepth" op="gte" val="4">
+            <dgm:constrLst>
+              <dgm:constr type="w" for="ch" forName="tx1" refType="w" fact="0.2"/>
+              <dgm:constr type="w" for="des" forName="tx2" refType="w" fact="0.2516"/>
+              <dgm:constr type="w" for="des" forName="tx3" refType="w" fact="0.2516"/>
+              <dgm:constr type="w" for="des" forName="tx4" refType="w" fact="0.2516"/>
+              <dgm:constr type="w" for="des" forName="horzSpace2" refType="w" fact="0.015"/>
+              <dgm:constr type="w" for="des" forName="horzSpace3" refType="w" fact="0.015"/>
+              <dgm:constr type="w" for="des" forName="horzSpace4" refType="w" fact="0.015"/>
+              <dgm:constr type="w" for="des" forName="thinLine2b" refType="w" fact="0.8"/>
+              <dgm:constr type="w" for="des" forName="thinLine3" refType="w" fact="0.5332"/>
+            </dgm:constrLst>
+          </dgm:if>
+          <dgm:else name="Name12"/>
+        </dgm:choose>
+        <dgm:layoutNode name="tx1" styleLbl="revTx">
+          <dgm:alg type="tx">
+            <dgm:param type="parTxLTRAlign" val="l"/>
+            <dgm:param type="parTxRTLAlign" val="r"/>
+            <dgm:param type="txAnchorVert" val="t"/>
+          </dgm:alg>
+          <dgm:shape xmlns:r="http://schemas.openxmlformats.org/officeDocument/2006/relationships" type="rect" r:blip="">
+            <dgm:adjLst/>
+          </dgm:shape>
+          <dgm:presOf axis="self"/>
+          <dgm:constrLst>
+            <dgm:constr type="tMarg" refType="primFontSz" fact="0.3"/>
+            <dgm:constr type="bMarg" refType="primFontSz" fact="0.3"/>
+            <dgm:constr type="lMarg" refType="primFontSz" fact="0.3"/>
+            <dgm:constr type="rMarg" refType="primFontSz" fact="0.3"/>
+          </dgm:constrLst>
+          <dgm:ruleLst>
+            <dgm:rule type="primFontSz" val="5" fact="NaN" max="NaN"/>
+          </dgm:ruleLst>
+        </dgm:layoutNode>
+        <dgm:layoutNode name="vert1">
+          <dgm:choose name="Name13">
+            <dgm:if name="Name14" func="var" arg="dir" op="equ" val="norm">
+              <dgm:alg type="lin">
+                <dgm:param type="linDir" val="fromT"/>
+                <dgm:param type="nodeHorzAlign" val="l"/>
+              </dgm:alg>
+            </dgm:if>
+            <dgm:else name="Name15">
+              <dgm:alg type="lin">
+                <dgm:param type="linDir" val="fromT"/>
+                <dgm:param type="nodeHorzAlign" val="r"/>
+              </dgm:alg>
+            </dgm:else>
+          </dgm:choose>
+          <dgm:shape xmlns:r="http://schemas.openxmlformats.org/officeDocument/2006/relationships" r:blip="">
+            <dgm:adjLst/>
+          </dgm:shape>
+          <dgm:presOf/>
+          <dgm:forEach name="Name16" axis="ch" ptType="node">
+            <dgm:choose name="Name17">
+              <dgm:if name="Name18" axis="self" ptType="node" func="pos" op="equ" val="1">
+                <dgm:layoutNode name="vertSpace2a">
                   <dgm:alg type="sp"/>
                   <dgm:shape xmlns:r="http://schemas.openxmlformats.org/officeDocument/2006/relationships" r:blip="">
                     <dgm:adjLst/>
                   </dgm:shape>
                   <dgm:presOf/>
-                  <dgm:constrLst/>
-                  <dgm:ruleLst/>
                 </dgm:layoutNode>
-              </dgm:forEach>
-            </dgm:if>
-            <dgm:else name="Name7"/>
-          </dgm:choose>
-        </dgm:else>
-      </dgm:choose>
+              </dgm:if>
+              <dgm:else name="Name19"/>
+            </dgm:choose>
+            <dgm:layoutNode name="horz2">
+              <dgm:choose name="Name20">
+                <dgm:if name="Name21" func="var" arg="dir" op="equ" val="norm">
+                  <dgm:alg type="lin">
+                    <dgm:param type="linDir" val="fromL"/>
+                    <dgm:param type="nodeVertAlign" val="t"/>
+                  </dgm:alg>
+                </dgm:if>
+                <dgm:else name="Name22">
+                  <dgm:alg type="lin">
+                    <dgm:param type="linDir" val="fromR"/>
+                    <dgm:param type="nodeVertAlign" val="t"/>
+                  </dgm:alg>
+                </dgm:else>
+              </dgm:choose>
+              <dgm:shape xmlns:r="http://schemas.openxmlformats.org/officeDocument/2006/relationships" r:blip="">
+                <dgm:adjLst/>
+              </dgm:shape>
+              <dgm:presOf/>
+              <dgm:layoutNode name="horzSpace2">
+                <dgm:alg type="sp"/>
+                <dgm:shape xmlns:r="http://schemas.openxmlformats.org/officeDocument/2006/relationships" r:blip="">
+                  <dgm:adjLst/>
+                </dgm:shape>
+                <dgm:presOf/>
+              </dgm:layoutNode>
+              <dgm:layoutNode name="tx2" styleLbl="revTx">
+                <dgm:alg type="tx">
+                  <dgm:param type="parTxLTRAlign" val="l"/>
+                  <dgm:param type="parTxRTLAlign" val="r"/>
+                  <dgm:param type="txAnchorVert" val="t"/>
+                </dgm:alg>
+                <dgm:shape xmlns:r="http://schemas.openxmlformats.org/officeDocument/2006/relationships" type="rect" r:blip="">
+                  <dgm:adjLst/>
+                </dgm:shape>
+                <dgm:presOf axis="self"/>
+                <dgm:constrLst>
+                  <dgm:constr type="tMarg" refType="primFontSz" fact="0.3"/>
+                  <dgm:constr type="bMarg" refType="primFontSz" fact="0.3"/>
+                  <dgm:constr type="lMarg" refType="primFontSz" fact="0.3"/>
+                  <dgm:constr type="rMarg" refType="primFontSz" fact="0.3"/>
+                </dgm:constrLst>
+                <dgm:ruleLst>
+                  <dgm:rule type="primFontSz" val="5" fact="NaN" max="NaN"/>
+                </dgm:ruleLst>
+              </dgm:layoutNode>
+              <dgm:layoutNode name="vert2">
+                <dgm:choose name="Name23">
+                  <dgm:if name="Name24" func="var" arg="dir" op="equ" val="norm">
+                    <dgm:alg type="lin">
+                      <dgm:param type="linDir" val="fromT"/>
+                      <dgm:param type="nodeHorzAlign" val="l"/>
+                    </dgm:alg>
+                  </dgm:if>
+                  <dgm:else name="Name25">
+                    <dgm:alg type="lin">
+                      <dgm:param type="linDir" val="fromT"/>
+                      <dgm:param type="nodeHorzAlign" val="r"/>
+                    </dgm:alg>
+                  </dgm:else>
+                </dgm:choose>
+                <dgm:shape xmlns:r="http://schemas.openxmlformats.org/officeDocument/2006/relationships" r:blip="">
+                  <dgm:adjLst/>
+                </dgm:shape>
+                <dgm:presOf/>
+                <dgm:forEach name="Name26" axis="ch" ptType="node">
+                  <dgm:layoutNode name="horz3">
+                    <dgm:choose name="Name27">
+                      <dgm:if name="Name28" func="var" arg="dir" op="equ" val="norm">
+                        <dgm:alg type="lin">
+                          <dgm:param type="linDir" val="fromL"/>
+                          <dgm:param type="nodeVertAlign" val="t"/>
+                        </dgm:alg>
+                      </dgm:if>
+                      <dgm:else name="Name29">
+                        <dgm:alg type="lin">
+                          <dgm:param type="linDir" val="fromR"/>
+                          <dgm:param type="nodeVertAlign" val="t"/>
+                        </dgm:alg>
+                      </dgm:else>
+                    </dgm:choose>
+                    <dgm:shape xmlns:r="http://schemas.openxmlformats.org/officeDocument/2006/relationships" r:blip="">
+                      <dgm:adjLst/>
+                    </dgm:shape>
+                    <dgm:presOf/>
+                    <dgm:layoutNode name="horzSpace3">
+                      <dgm:alg type="sp"/>
+                      <dgm:shape xmlns:r="http://schemas.openxmlformats.org/officeDocument/2006/relationships" r:blip="">
+                        <dgm:adjLst/>
+                      </dgm:shape>
+                      <dgm:presOf/>
+                    </dgm:layoutNode>
+                    <dgm:layoutNode name="tx3" styleLbl="revTx">
+                      <dgm:alg type="tx">
+                        <dgm:param type="parTxLTRAlign" val="l"/>
+                        <dgm:param type="parTxRTLAlign" val="r"/>
+                        <dgm:param type="txAnchorVert" val="t"/>
+                      </dgm:alg>
+                      <dgm:shape xmlns:r="http://schemas.openxmlformats.org/officeDocument/2006/relationships" type="rect" r:blip="">
+                        <dgm:adjLst/>
+                      </dgm:shape>
+                      <dgm:presOf axis="self"/>
+                      <dgm:constrLst>
+                        <dgm:constr type="tMarg" refType="primFontSz" fact="0.3"/>
+                        <dgm:constr type="bMarg" refType="primFontSz" fact="0.3"/>
+                        <dgm:constr type="lMarg" refType="primFontSz" fact="0.3"/>
+                        <dgm:constr type="rMarg" refType="primFontSz" fact="0.3"/>
+                      </dgm:constrLst>
+                      <dgm:ruleLst>
+                        <dgm:rule type="primFontSz" val="5" fact="NaN" max="NaN"/>
+                      </dgm:ruleLst>
+                    </dgm:layoutNode>
+                    <dgm:layoutNode name="vert3">
+                      <dgm:choose name="Name30">
+                        <dgm:if name="Name31" func="var" arg="dir" op="equ" val="norm">
+                          <dgm:alg type="lin">
+                            <dgm:param type="linDir" val="fromT"/>
+                            <dgm:param type="nodeHorzAlign" val="l"/>
+                          </dgm:alg>
+                        </dgm:if>
+                        <dgm:else name="Name32">
+                          <dgm:alg type="lin">
+                            <dgm:param type="linDir" val="fromT"/>
+                            <dgm:param type="nodeHorzAlign" val="r"/>
+                          </dgm:alg>
+                        </dgm:else>
+                      </dgm:choose>
+                      <dgm:shape xmlns:r="http://schemas.openxmlformats.org/officeDocument/2006/relationships" r:blip="">
+                        <dgm:adjLst/>
+                      </dgm:shape>
+                      <dgm:presOf/>
+                      <dgm:forEach name="Name33" axis="ch" ptType="node">
+                        <dgm:layoutNode name="horz4">
+                          <dgm:choose name="Name34">
+                            <dgm:if name="Name35" func="var" arg="dir" op="equ" val="norm">
+                              <dgm:alg type="lin">
+                                <dgm:param type="linDir" val="fromL"/>
+                                <dgm:param type="nodeVertAlign" val="t"/>
+                              </dgm:alg>
+                            </dgm:if>
+                            <dgm:else name="Name36">
+                              <dgm:alg type="lin">
+                                <dgm:param type="linDir" val="fromR"/>
+                                <dgm:param type="nodeVertAlign" val="t"/>
+                              </dgm:alg>
+                            </dgm:else>
+                          </dgm:choose>
+                          <dgm:shape xmlns:r="http://schemas.openxmlformats.org/officeDocument/2006/relationships" r:blip="">
+                            <dgm:adjLst/>
+                          </dgm:shape>
+                          <dgm:presOf/>
+                          <dgm:layoutNode name="horzSpace4">
+                            <dgm:alg type="sp"/>
+                            <dgm:shape xmlns:r="http://schemas.openxmlformats.org/officeDocument/2006/relationships" r:blip="">
+                              <dgm:adjLst/>
+                            </dgm:shape>
+                            <dgm:presOf/>
+                          </dgm:layoutNode>
+                          <dgm:layoutNode name="tx4" styleLbl="revTx">
+                            <dgm:varLst>
+                              <dgm:bulletEnabled val="1"/>
+                            </dgm:varLst>
+                            <dgm:alg type="tx">
+                              <dgm:param type="parTxLTRAlign" val="l"/>
+                              <dgm:param type="parTxRTLAlign" val="r"/>
+                              <dgm:param type="txAnchorVert" val="t"/>
+                            </dgm:alg>
+                            <dgm:shape xmlns:r="http://schemas.openxmlformats.org/officeDocument/2006/relationships" type="rect" r:blip="">
+                              <dgm:adjLst/>
+                            </dgm:shape>
+                            <dgm:presOf axis="desOrSelf" ptType="node"/>
+                            <dgm:constrLst>
+                              <dgm:constr type="tMarg" refType="primFontSz" fact="0.3"/>
+                              <dgm:constr type="bMarg" refType="primFontSz" fact="0.3"/>
+                              <dgm:constr type="lMarg" refType="primFontSz" fact="0.3"/>
+                              <dgm:constr type="rMarg" refType="primFontSz" fact="0.3"/>
+                            </dgm:constrLst>
+                            <dgm:ruleLst>
+                              <dgm:rule type="primFontSz" val="5" fact="NaN" max="NaN"/>
+                            </dgm:ruleLst>
+                          </dgm:layoutNode>
+                        </dgm:layoutNode>
+                      </dgm:forEach>
+                    </dgm:layoutNode>
+                  </dgm:layoutNode>
+                  <dgm:forEach name="Name37" axis="followSib" ptType="sibTrans" cnt="1">
+                    <dgm:layoutNode name="thinLine3" styleLbl="callout">
+                      <dgm:alg type="sp"/>
+                      <dgm:shape xmlns:r="http://schemas.openxmlformats.org/officeDocument/2006/relationships" type="line" r:blip="">
+                        <dgm:adjLst/>
+                      </dgm:shape>
+                      <dgm:presOf/>
+                    </dgm:layoutNode>
+                  </dgm:forEach>
+                </dgm:forEach>
+              </dgm:layoutNode>
+            </dgm:layoutNode>
+            <dgm:layoutNode name="thinLine2b" styleLbl="callout">
+              <dgm:alg type="sp"/>
+              <dgm:shape xmlns:r="http://schemas.openxmlformats.org/officeDocument/2006/relationships" type="line" r:blip="">
+                <dgm:adjLst/>
+              </dgm:shape>
+              <dgm:presOf/>
+            </dgm:layoutNode>
+            <dgm:layoutNode name="vertSpace2b">
+              <dgm:alg type="sp"/>
+              <dgm:shape xmlns:r="http://schemas.openxmlformats.org/officeDocument/2006/relationships" r:blip="">
+                <dgm:adjLst/>
+              </dgm:shape>
+              <dgm:presOf/>
+            </dgm:layoutNode>
+          </dgm:forEach>
+        </dgm:layoutNode>
+      </dgm:layoutNode>
     </dgm:forEach>
   </dgm:layoutNode>
 </dgm:layoutDef>
@@ -17339,7 +17718,7 @@
           <a:p>
             <a:fld id="{1E1239D8-A3E4-4879-BF5F-57A22AA4E216}" type="datetimeFigureOut">
               <a:rPr lang="en-GB" smtClean="0"/>
-              <a:t>05/11/2021</a:t>
+              <a:t>24/12/2021</a:t>
             </a:fld>
             <a:endParaRPr lang="en-GB"/>
           </a:p>
@@ -19037,6 +19416,90 @@
 </p:notes>
 </file>
 
+<file path=ppt/notesSlides/notesSlide23.xml><?xml version="1.0" encoding="utf-8"?>
+<p:notes xmlns:a="http://schemas.openxmlformats.org/drawingml/2006/main" xmlns:r="http://schemas.openxmlformats.org/officeDocument/2006/relationships" xmlns:p="http://schemas.openxmlformats.org/presentationml/2006/main">
+  <p:cSld>
+    <p:spTree>
+      <p:nvGrpSpPr>
+        <p:cNvPr id="1" name=""/>
+        <p:cNvGrpSpPr/>
+        <p:nvPr/>
+      </p:nvGrpSpPr>
+      <p:grpSpPr>
+        <a:xfrm>
+          <a:off x="0" y="0"/>
+          <a:ext cx="0" cy="0"/>
+          <a:chOff x="0" y="0"/>
+          <a:chExt cx="0" cy="0"/>
+        </a:xfrm>
+      </p:grpSpPr>
+      <p:sp>
+        <p:nvSpPr>
+          <p:cNvPr id="2" name="Slide Image Placeholder 1"/>
+          <p:cNvSpPr>
+            <a:spLocks noGrp="1" noRot="1" noChangeAspect="1"/>
+          </p:cNvSpPr>
+          <p:nvPr>
+            <p:ph type="sldImg"/>
+          </p:nvPr>
+        </p:nvSpPr>
+        <p:spPr/>
+      </p:sp>
+      <p:sp>
+        <p:nvSpPr>
+          <p:cNvPr id="3" name="Notes Placeholder 2"/>
+          <p:cNvSpPr>
+            <a:spLocks noGrp="1"/>
+          </p:cNvSpPr>
+          <p:nvPr>
+            <p:ph type="body" idx="1"/>
+          </p:nvPr>
+        </p:nvSpPr>
+        <p:spPr/>
+        <p:txBody>
+          <a:bodyPr/>
+          <a:lstStyle/>
+          <a:p>
+            <a:endParaRPr lang="en-GB" dirty="0"/>
+          </a:p>
+        </p:txBody>
+      </p:sp>
+      <p:sp>
+        <p:nvSpPr>
+          <p:cNvPr id="4" name="Slide Number Placeholder 3"/>
+          <p:cNvSpPr>
+            <a:spLocks noGrp="1"/>
+          </p:cNvSpPr>
+          <p:nvPr>
+            <p:ph type="sldNum" sz="quarter" idx="5"/>
+          </p:nvPr>
+        </p:nvSpPr>
+        <p:spPr/>
+        <p:txBody>
+          <a:bodyPr/>
+          <a:lstStyle/>
+          <a:p>
+            <a:fld id="{32E187F3-9963-44CE-ADE3-39532D8BFE55}" type="slidenum">
+              <a:rPr lang="en-GB" smtClean="0"/>
+              <a:t>34</a:t>
+            </a:fld>
+            <a:endParaRPr lang="en-GB"/>
+          </a:p>
+        </p:txBody>
+      </p:sp>
+    </p:spTree>
+    <p:extLst>
+      <p:ext uri="{BB962C8B-B14F-4D97-AF65-F5344CB8AC3E}">
+        <p14:creationId xmlns:p14="http://schemas.microsoft.com/office/powerpoint/2010/main" val="714114490"/>
+      </p:ext>
+    </p:extLst>
+  </p:cSld>
+  <p:clrMapOvr>
+    <a:masterClrMapping/>
+  </p:clrMapOvr>
+</p:notes>
+</file>
+
 <file path=ppt/notesSlides/notesSlide3.xml><?xml version="1.0" encoding="utf-8"?>
 <p:notes xmlns:a="http://schemas.openxmlformats.org/drawingml/2006/main" xmlns:r="http://schemas.openxmlformats.org/officeDocument/2006/relationships" xmlns:p="http://schemas.openxmlformats.org/presentationml/2006/main">
   <p:cSld>
@@ -19811,7 +20274,7 @@
           <a:p>
             <a:fld id="{02AC24A9-CCB6-4F8D-B8DB-C2F3692CFA5A}" type="datetimeFigureOut">
               <a:rPr lang="en-US" smtClean="0"/>
-              <a:t>11/5/2021</a:t>
+              <a:t>12/24/2021</a:t>
             </a:fld>
             <a:endParaRPr lang="en-US" dirty="0"/>
           </a:p>
@@ -20181,7 +20644,7 @@
           <a:p>
             <a:fld id="{02AC24A9-CCB6-4F8D-B8DB-C2F3692CFA5A}" type="datetimeFigureOut">
               <a:rPr lang="en-US" smtClean="0"/>
-              <a:t>11/5/2021</a:t>
+              <a:t>12/24/2021</a:t>
             </a:fld>
             <a:endParaRPr lang="en-US"/>
           </a:p>
@@ -20390,7 +20853,7 @@
           <a:p>
             <a:fld id="{02AC24A9-CCB6-4F8D-B8DB-C2F3692CFA5A}" type="datetimeFigureOut">
               <a:rPr lang="en-US" smtClean="0"/>
-              <a:t>11/5/2021</a:t>
+              <a:t>12/24/2021</a:t>
             </a:fld>
             <a:endParaRPr lang="en-US"/>
           </a:p>
@@ -20860,7 +21323,7 @@
           <a:p>
             <a:fld id="{02AC24A9-CCB6-4F8D-B8DB-C2F3692CFA5A}" type="datetimeFigureOut">
               <a:rPr lang="en-US" smtClean="0"/>
-              <a:t>11/5/2021</a:t>
+              <a:t>12/24/2021</a:t>
             </a:fld>
             <a:endParaRPr lang="en-US"/>
           </a:p>
@@ -21314,7 +21777,7 @@
           <a:p>
             <a:fld id="{02AC24A9-CCB6-4F8D-B8DB-C2F3692CFA5A}" type="datetimeFigureOut">
               <a:rPr lang="en-US" smtClean="0"/>
-              <a:t>11/5/2021</a:t>
+              <a:t>12/24/2021</a:t>
             </a:fld>
             <a:endParaRPr lang="en-US"/>
           </a:p>
@@ -21846,7 +22309,7 @@
           <a:p>
             <a:fld id="{02AC24A9-CCB6-4F8D-B8DB-C2F3692CFA5A}" type="datetimeFigureOut">
               <a:rPr lang="en-US" smtClean="0"/>
-              <a:t>11/5/2021</a:t>
+              <a:t>12/24/2021</a:t>
             </a:fld>
             <a:endParaRPr lang="en-US"/>
           </a:p>
@@ -22545,7 +23008,7 @@
           <a:p>
             <a:fld id="{02AC24A9-CCB6-4F8D-B8DB-C2F3692CFA5A}" type="datetimeFigureOut">
               <a:rPr lang="en-US" smtClean="0"/>
-              <a:t>11/5/2021</a:t>
+              <a:t>12/24/2021</a:t>
             </a:fld>
             <a:endParaRPr lang="en-US"/>
           </a:p>
@@ -22874,7 +23337,7 @@
           <a:p>
             <a:fld id="{02AC24A9-CCB6-4F8D-B8DB-C2F3692CFA5A}" type="datetimeFigureOut">
               <a:rPr lang="en-US" smtClean="0"/>
-              <a:t>11/5/2021</a:t>
+              <a:t>12/24/2021</a:t>
             </a:fld>
             <a:endParaRPr lang="en-US"/>
           </a:p>
@@ -22987,7 +23450,7 @@
           <a:p>
             <a:fld id="{02AC24A9-CCB6-4F8D-B8DB-C2F3692CFA5A}" type="datetimeFigureOut">
               <a:rPr lang="en-US" smtClean="0"/>
-              <a:t>11/5/2021</a:t>
+              <a:t>12/24/2021</a:t>
             </a:fld>
             <a:endParaRPr lang="en-US"/>
           </a:p>
@@ -23482,7 +23945,7 @@
           <a:p>
             <a:fld id="{02AC24A9-CCB6-4F8D-B8DB-C2F3692CFA5A}" type="datetimeFigureOut">
               <a:rPr lang="en-US" smtClean="0"/>
-              <a:t>11/5/2021</a:t>
+              <a:t>12/24/2021</a:t>
             </a:fld>
             <a:endParaRPr lang="en-US" dirty="0"/>
           </a:p>
@@ -23959,7 +24422,7 @@
           <a:p>
             <a:fld id="{02AC24A9-CCB6-4F8D-B8DB-C2F3692CFA5A}" type="datetimeFigureOut">
               <a:rPr lang="en-US" smtClean="0"/>
-              <a:t>11/5/2021</a:t>
+              <a:t>12/24/2021</a:t>
             </a:fld>
             <a:endParaRPr lang="en-US"/>
           </a:p>
@@ -24202,7 +24665,7 @@
           <a:p>
             <a:fld id="{02AC24A9-CCB6-4F8D-B8DB-C2F3692CFA5A}" type="datetimeFigureOut">
               <a:rPr lang="en-US" smtClean="0"/>
-              <a:t>11/5/2021</a:t>
+              <a:t>12/24/2021</a:t>
             </a:fld>
             <a:endParaRPr lang="en-US"/>
           </a:p>
@@ -25830,8 +26293,9 @@
           </a:bodyPr>
           <a:lstStyle/>
           <a:p>
+            <a:pPr algn="ctr"/>
             <a:r>
-              <a:rPr lang="en-GB"/>
+              <a:rPr lang="en-GB" dirty="0"/>
               <a:t>Protocols/Tools leveraged</a:t>
             </a:r>
           </a:p>
@@ -33167,7 +33631,7 @@
       </p:grpSpPr>
       <p:sp>
         <p:nvSpPr>
-          <p:cNvPr id="57" name="Rectangle 46">
+          <p:cNvPr id="68" name="Rectangle 67">
             <a:extLst>
               <a:ext uri="{FF2B5EF4-FFF2-40B4-BE49-F238E27FC236}">
                 <a16:creationId xmlns:a16="http://schemas.microsoft.com/office/drawing/2014/main" id="{8D06CE56-3881-4ADA-8CEF-D18B02C242A3}"/>
@@ -33259,7 +33723,7 @@
       </p:sp>
       <p:sp>
         <p:nvSpPr>
-          <p:cNvPr id="58" name="Rectangle 48">
+          <p:cNvPr id="70" name="Rectangle 69">
             <a:extLst>
               <a:ext uri="{FF2B5EF4-FFF2-40B4-BE49-F238E27FC236}">
                 <a16:creationId xmlns:a16="http://schemas.microsoft.com/office/drawing/2014/main" id="{79F3C543-62EC-4433-9C93-A2CD8764E9B4}"/>
@@ -33355,10 +33819,10 @@
       </p:sp>
       <p:sp useBgFill="1">
         <p:nvSpPr>
-          <p:cNvPr id="59" name="Rectangle 50">
+          <p:cNvPr id="72" name="Rectangle 71">
             <a:extLst>
               <a:ext uri="{FF2B5EF4-FFF2-40B4-BE49-F238E27FC236}">
-                <a16:creationId xmlns:a16="http://schemas.microsoft.com/office/drawing/2014/main" id="{5463EB0A-3D7C-4AA5-BFA5-8EE5B4BA5624}"/>
+                <a16:creationId xmlns:a16="http://schemas.microsoft.com/office/drawing/2014/main" id="{16F48AD3-C8B3-4F74-B546-F12937F7DD9F}"/>
               </a:ext>
               <a:ext uri="{C183D7F6-B498-43B3-948B-1728B52AA6E4}">
                 <adec:decorative xmlns:adec="http://schemas.microsoft.com/office/drawing/2017/decorative" val="1"/>
@@ -33431,8 +33895,8 @@
         </p:nvSpPr>
         <p:spPr>
           <a:xfrm>
-            <a:off x="578651" y="1122363"/>
-            <a:ext cx="11034695" cy="3174690"/>
+            <a:off x="7848600" y="1122363"/>
+            <a:ext cx="4023360" cy="3204134"/>
           </a:xfrm>
         </p:spPr>
         <p:txBody>
@@ -33441,20 +33905,58 @@
           </a:bodyPr>
           <a:lstStyle/>
           <a:p>
-            <a:pPr algn="ctr"/>
             <a:r>
-              <a:rPr lang="en-US" sz="8000" dirty="0"/>
+              <a:rPr lang="en-US" sz="4800"/>
               <a:t>Exploit time!</a:t>
             </a:r>
           </a:p>
         </p:txBody>
       </p:sp>
+      <p:pic>
+        <p:nvPicPr>
+          <p:cNvPr id="65" name="Graphic 64" descr="Hourglass">
+            <a:extLst>
+              <a:ext uri="{FF2B5EF4-FFF2-40B4-BE49-F238E27FC236}">
+                <a16:creationId xmlns:a16="http://schemas.microsoft.com/office/drawing/2014/main" id="{61D189A6-479D-49E9-9297-0EAA7477B990}"/>
+              </a:ext>
+            </a:extLst>
+          </p:cNvPr>
+          <p:cNvPicPr>
+            <a:picLocks noChangeAspect="1"/>
+          </p:cNvPicPr>
+          <p:nvPr/>
+        </p:nvPicPr>
+        <p:blipFill>
+          <a:blip r:embed="rId3">
+            <a:extLst>
+              <a:ext uri="{28A0092B-C50C-407E-A947-70E740481C1C}">
+                <a14:useLocalDpi xmlns:a14="http://schemas.microsoft.com/office/drawing/2010/main" val="0"/>
+              </a:ext>
+              <a:ext uri="{96DAC541-7B7A-43D3-8B79-37D633B846F1}">
+                <asvg:svgBlip xmlns:asvg="http://schemas.microsoft.com/office/drawing/2016/SVG/main" r:embed="rId4"/>
+              </a:ext>
+            </a:extLst>
+          </a:blip>
+          <a:stretch>
+            <a:fillRect/>
+          </a:stretch>
+        </p:blipFill>
+        <p:spPr>
+          <a:xfrm>
+            <a:off x="1116682" y="625683"/>
+            <a:ext cx="5454246" cy="5454246"/>
+          </a:xfrm>
+          <a:prstGeom prst="rect">
+            <a:avLst/>
+          </a:prstGeom>
+        </p:spPr>
+      </p:pic>
       <p:sp>
         <p:nvSpPr>
-          <p:cNvPr id="60" name="Rectangle 52">
+          <p:cNvPr id="74" name="Rectangle 73">
             <a:extLst>
               <a:ext uri="{FF2B5EF4-FFF2-40B4-BE49-F238E27FC236}">
-                <a16:creationId xmlns:a16="http://schemas.microsoft.com/office/drawing/2014/main" id="{7945AD00-F967-454D-A4B2-39ABA5C88C20}"/>
+                <a16:creationId xmlns:a16="http://schemas.microsoft.com/office/drawing/2014/main" id="{AF2F604E-43BE-4DC3-B983-E071523364F8}"/>
               </a:ext>
               <a:ext uri="{C183D7F6-B498-43B3-948B-1728B52AA6E4}">
                 <adec:decorative xmlns:adec="http://schemas.microsoft.com/office/drawing/2017/decorative" val="1"/>
@@ -33474,7 +33976,7 @@
         </p:nvSpPr>
         <p:spPr>
           <a:xfrm rot="5400000">
-            <a:off x="857544" y="346791"/>
+            <a:off x="8130540" y="346791"/>
             <a:ext cx="146304" cy="704088"/>
           </a:xfrm>
           <a:prstGeom prst="rect">
@@ -33543,10 +34045,10 @@
       </p:sp>
       <p:sp>
         <p:nvSpPr>
-          <p:cNvPr id="61" name="Rectangle 54">
+          <p:cNvPr id="76" name="Rectangle 75">
             <a:extLst>
               <a:ext uri="{FF2B5EF4-FFF2-40B4-BE49-F238E27FC236}">
-                <a16:creationId xmlns:a16="http://schemas.microsoft.com/office/drawing/2014/main" id="{E9BC5B79-B912-427C-8219-E3E50943FCDE}"/>
+                <a16:creationId xmlns:a16="http://schemas.microsoft.com/office/drawing/2014/main" id="{08C9B587-E65E-4B52-B37C-ABEBB6E87928}"/>
               </a:ext>
               <a:ext uri="{C183D7F6-B498-43B3-948B-1728B52AA6E4}">
                 <adec:decorative xmlns:adec="http://schemas.microsoft.com/office/drawing/2017/decorative" val="1"/>
@@ -33565,9 +34067,9 @@
           </p:nvPr>
         </p:nvSpPr>
         <p:spPr>
-          <a:xfrm flipV="1">
-            <a:off x="578652" y="4501201"/>
-            <a:ext cx="11034696" cy="18288"/>
+          <a:xfrm>
+            <a:off x="7851648" y="4546920"/>
+            <a:ext cx="4023360" cy="18288"/>
           </a:xfrm>
           <a:prstGeom prst="rect">
             <a:avLst/>
@@ -36222,6 +36724,11 @@
           </p:cNvGraphicFramePr>
           <p:nvPr>
             <p:ph idx="1"/>
+            <p:extLst>
+              <p:ext uri="{D42A27DB-BD31-4B8C-83A1-F6EECF244321}">
+                <p14:modId xmlns:p14="http://schemas.microsoft.com/office/powerpoint/2010/main" val="1515210555"/>
+              </p:ext>
+            </p:extLst>
           </p:nvPr>
         </p:nvGraphicFramePr>
         <p:xfrm>
@@ -36274,7 +36781,7 @@
       </p:grpSpPr>
       <p:sp>
         <p:nvSpPr>
-          <p:cNvPr id="19" name="Rectangle 8">
+          <p:cNvPr id="28" name="Rectangle 27">
             <a:extLst>
               <a:ext uri="{FF2B5EF4-FFF2-40B4-BE49-F238E27FC236}">
                 <a16:creationId xmlns:a16="http://schemas.microsoft.com/office/drawing/2014/main" id="{8D06CE56-3881-4ADA-8CEF-D18B02C242A3}"/>
@@ -36366,454 +36873,7 @@
       </p:sp>
       <p:sp>
         <p:nvSpPr>
-          <p:cNvPr id="20" name="Rectangle 10">
-            <a:extLst>
-              <a:ext uri="{FF2B5EF4-FFF2-40B4-BE49-F238E27FC236}">
-                <a16:creationId xmlns:a16="http://schemas.microsoft.com/office/drawing/2014/main" id="{79F3C543-62EC-4433-9C93-A2CD8764E9B4}"/>
-              </a:ext>
-              <a:ext uri="{C183D7F6-B498-43B3-948B-1728B52AA6E4}">
-                <adec:decorative xmlns:adec="http://schemas.microsoft.com/office/drawing/2017/decorative" val="1"/>
-              </a:ext>
-            </a:extLst>
-          </p:cNvPr>
-          <p:cNvSpPr>
-            <a:spLocks noGrp="1" noRot="1" noChangeAspect="1" noMove="1" noResize="1" noEditPoints="1" noAdjustHandles="1" noChangeArrowheads="1" noChangeShapeType="1" noTextEdit="1"/>
-          </p:cNvSpPr>
-          <p:nvPr>
-            <p:extLst>
-              <p:ext uri="{386F3935-93C4-4BCD-93E2-E3B085C9AB24}">
-                <p16:designElem xmlns:p16="http://schemas.microsoft.com/office/powerpoint/2015/main" val="1"/>
-              </p:ext>
-            </p:extLst>
-          </p:nvPr>
-        </p:nvSpPr>
-        <p:spPr>
-          <a:xfrm flipV="1">
-            <a:off x="578652" y="4501201"/>
-            <a:ext cx="11034696" cy="18288"/>
-          </a:xfrm>
-          <a:prstGeom prst="rect">
-            <a:avLst/>
-          </a:prstGeom>
-          <a:solidFill>
-            <a:schemeClr val="tx2">
-              <a:lumMod val="25000"/>
-              <a:lumOff val="75000"/>
-            </a:schemeClr>
-          </a:solidFill>
-          <a:ln w="3175">
-            <a:noFill/>
-          </a:ln>
-          <a:effectLst/>
-        </p:spPr>
-        <p:style>
-          <a:lnRef idx="2">
-            <a:schemeClr val="accent1">
-              <a:shade val="50000"/>
-            </a:schemeClr>
-          </a:lnRef>
-          <a:fillRef idx="1">
-            <a:schemeClr val="accent1"/>
-          </a:fillRef>
-          <a:effectRef idx="0">
-            <a:schemeClr val="accent1"/>
-          </a:effectRef>
-          <a:fontRef idx="minor">
-            <a:schemeClr val="lt1"/>
-          </a:fontRef>
-        </p:style>
-        <p:txBody>
-          <a:bodyPr rtlCol="0" anchor="ctr"/>
-          <a:lstStyle/>
-          <a:p>
-            <a:pPr marL="0" marR="0" lvl="0" indent="0" algn="ctr" defTabSz="914400" rtl="0" eaLnBrk="1" fontAlgn="auto" latinLnBrk="0" hangingPunct="1">
-              <a:lnSpc>
-                <a:spcPct val="100000"/>
-              </a:lnSpc>
-              <a:spcBef>
-                <a:spcPts val="0"/>
-              </a:spcBef>
-              <a:spcAft>
-                <a:spcPts val="0"/>
-              </a:spcAft>
-              <a:buClrTx/>
-              <a:buSzTx/>
-              <a:buFontTx/>
-              <a:buNone/>
-              <a:tabLst/>
-              <a:defRPr/>
-            </a:pPr>
-            <a:endParaRPr kumimoji="0" lang="en-US" sz="1800" b="0" i="0" u="none" strike="noStrike" kern="1200" cap="none" spc="0" normalizeH="0" baseline="0" noProof="0">
-              <a:ln>
-                <a:noFill/>
-              </a:ln>
-              <a:solidFill>
-                <a:prstClr val="white"/>
-              </a:solidFill>
-              <a:effectLst/>
-              <a:uLnTx/>
-              <a:uFillTx/>
-              <a:latin typeface="Calibri" panose="020F0502020204030204"/>
-              <a:ea typeface="+mn-ea"/>
-              <a:cs typeface="+mn-cs"/>
-            </a:endParaRPr>
-          </a:p>
-        </p:txBody>
-      </p:sp>
-      <p:pic>
-        <p:nvPicPr>
-          <p:cNvPr id="21" name="Picture 4" descr="Question mark on green pastel background">
-            <a:extLst>
-              <a:ext uri="{FF2B5EF4-FFF2-40B4-BE49-F238E27FC236}">
-                <a16:creationId xmlns:a16="http://schemas.microsoft.com/office/drawing/2014/main" id="{B5B59B65-FCAD-48D1-A422-1C9618356EF9}"/>
-              </a:ext>
-            </a:extLst>
-          </p:cNvPr>
-          <p:cNvPicPr>
-            <a:picLocks noChangeAspect="1"/>
-          </p:cNvPicPr>
-          <p:nvPr/>
-        </p:nvPicPr>
-        <p:blipFill rotWithShape="1">
-          <a:blip r:embed="rId2"/>
-          <a:srcRect t="3582" b="21418"/>
-          <a:stretch/>
-        </p:blipFill>
-        <p:spPr>
-          <a:xfrm>
-            <a:off x="-3047" y="10"/>
-            <a:ext cx="12191999" cy="6857990"/>
-          </a:xfrm>
-          <a:prstGeom prst="rect">
-            <a:avLst/>
-          </a:prstGeom>
-        </p:spPr>
-      </p:pic>
-      <p:sp>
-        <p:nvSpPr>
-          <p:cNvPr id="22" name="Rectangle 12">
-            <a:extLst>
-              <a:ext uri="{FF2B5EF4-FFF2-40B4-BE49-F238E27FC236}">
-                <a16:creationId xmlns:a16="http://schemas.microsoft.com/office/drawing/2014/main" id="{007891EC-4501-44ED-A8C8-B11B6DB767AB}"/>
-              </a:ext>
-              <a:ext uri="{C183D7F6-B498-43B3-948B-1728B52AA6E4}">
-                <adec:decorative xmlns:adec="http://schemas.microsoft.com/office/drawing/2017/decorative" val="1"/>
-              </a:ext>
-            </a:extLst>
-          </p:cNvPr>
-          <p:cNvSpPr>
-            <a:spLocks noGrp="1" noRot="1" noChangeAspect="1" noMove="1" noResize="1" noEditPoints="1" noAdjustHandles="1" noChangeArrowheads="1" noChangeShapeType="1" noTextEdit="1"/>
-          </p:cNvSpPr>
-          <p:nvPr>
-            <p:extLst>
-              <p:ext uri="{386F3935-93C4-4BCD-93E2-E3B085C9AB24}">
-                <p16:designElem xmlns:p16="http://schemas.microsoft.com/office/powerpoint/2015/main" val="1"/>
-              </p:ext>
-            </p:extLst>
-          </p:nvPr>
-        </p:nvSpPr>
-        <p:spPr>
-          <a:xfrm>
-            <a:off x="0" y="2207602"/>
-            <a:ext cx="12191999" cy="3162146"/>
-          </a:xfrm>
-          <a:prstGeom prst="rect">
-            <a:avLst/>
-          </a:prstGeom>
-          <a:gradFill flip="none" rotWithShape="1">
-            <a:gsLst>
-              <a:gs pos="0">
-                <a:schemeClr val="tx2">
-                  <a:alpha val="0"/>
-                </a:schemeClr>
-              </a:gs>
-              <a:gs pos="50000">
-                <a:schemeClr val="tx2">
-                  <a:alpha val="35000"/>
-                </a:schemeClr>
-              </a:gs>
-              <a:gs pos="100000">
-                <a:schemeClr val="tx2">
-                  <a:alpha val="0"/>
-                </a:schemeClr>
-              </a:gs>
-            </a:gsLst>
-            <a:lin ang="16200000" scaled="1"/>
-            <a:tileRect/>
-          </a:gradFill>
-          <a:ln>
-            <a:noFill/>
-          </a:ln>
-        </p:spPr>
-        <p:style>
-          <a:lnRef idx="2">
-            <a:schemeClr val="accent1">
-              <a:shade val="50000"/>
-            </a:schemeClr>
-          </a:lnRef>
-          <a:fillRef idx="1">
-            <a:schemeClr val="accent1"/>
-          </a:fillRef>
-          <a:effectRef idx="0">
-            <a:schemeClr val="accent1"/>
-          </a:effectRef>
-          <a:fontRef idx="minor">
-            <a:schemeClr val="lt1"/>
-          </a:fontRef>
-        </p:style>
-        <p:txBody>
-          <a:bodyPr rtlCol="0" anchor="ctr"/>
-          <a:lstStyle/>
-          <a:p>
-            <a:pPr algn="ctr"/>
-            <a:endParaRPr lang="en-US"/>
-          </a:p>
-        </p:txBody>
-      </p:sp>
-      <p:sp>
-        <p:nvSpPr>
-          <p:cNvPr id="2" name="Title 1">
-            <a:extLst>
-              <a:ext uri="{FF2B5EF4-FFF2-40B4-BE49-F238E27FC236}">
-                <a16:creationId xmlns:a16="http://schemas.microsoft.com/office/drawing/2014/main" id="{7DE66251-F6CE-4ECB-B6F3-84ADB2C5492E}"/>
-              </a:ext>
-            </a:extLst>
-          </p:cNvPr>
-          <p:cNvSpPr>
-            <a:spLocks noGrp="1"/>
-          </p:cNvSpPr>
-          <p:nvPr>
-            <p:ph type="title"/>
-          </p:nvPr>
-        </p:nvSpPr>
-        <p:spPr>
-          <a:xfrm>
-            <a:off x="643466" y="643467"/>
-            <a:ext cx="10905059" cy="3330353"/>
-          </a:xfrm>
-          <a:effectLst>
-            <a:outerShdw blurRad="50800" dist="38100" dir="2700000" algn="tl" rotWithShape="0">
-              <a:prstClr val="black">
-                <a:alpha val="40000"/>
-              </a:prstClr>
-            </a:outerShdw>
-          </a:effectLst>
-        </p:spPr>
-        <p:txBody>
-          <a:bodyPr vert="horz" lIns="91440" tIns="45720" rIns="91440" bIns="45720" rtlCol="0" anchor="b">
-            <a:normAutofit/>
-          </a:bodyPr>
-          <a:lstStyle/>
-          <a:p>
-            <a:pPr algn="ctr"/>
-            <a:r>
-              <a:rPr lang="en-US" sz="3600">
-                <a:solidFill>
-                  <a:schemeClr val="bg1"/>
-                </a:solidFill>
-              </a:rPr>
-              <a:t>Questions</a:t>
-            </a:r>
-            <a:endParaRPr lang="en-US" sz="3600" dirty="0">
-              <a:solidFill>
-                <a:schemeClr val="bg1"/>
-              </a:solidFill>
-            </a:endParaRPr>
-          </a:p>
-        </p:txBody>
-      </p:sp>
-      <p:cxnSp>
-        <p:nvCxnSpPr>
-          <p:cNvPr id="23" name="Straight Connector 14">
-            <a:extLst>
-              <a:ext uri="{FF2B5EF4-FFF2-40B4-BE49-F238E27FC236}">
-                <a16:creationId xmlns:a16="http://schemas.microsoft.com/office/drawing/2014/main" id="{34E5597F-CE67-4085-9548-E6A8036DA3BB}"/>
-              </a:ext>
-              <a:ext uri="{C183D7F6-B498-43B3-948B-1728B52AA6E4}">
-                <adec:decorative xmlns:adec="http://schemas.microsoft.com/office/drawing/2017/decorative" val="1"/>
-              </a:ext>
-            </a:extLst>
-          </p:cNvPr>
-          <p:cNvCxnSpPr>
-            <a:cxnSpLocks noGrp="1" noRot="1" noChangeAspect="1" noMove="1" noResize="1" noEditPoints="1" noAdjustHandles="1" noChangeArrowheads="1" noChangeShapeType="1"/>
-          </p:cNvCxnSpPr>
-          <p:nvPr>
-            <p:extLst>
-              <p:ext uri="{386F3935-93C4-4BCD-93E2-E3B085C9AB24}">
-                <p16:designElem xmlns:p16="http://schemas.microsoft.com/office/powerpoint/2015/main" val="1"/>
-              </p:ext>
-            </p:extLst>
-          </p:nvPr>
-        </p:nvCxnSpPr>
-        <p:spPr>
-          <a:xfrm>
-            <a:off x="3393881" y="4035362"/>
-            <a:ext cx="5404237" cy="0"/>
-          </a:xfrm>
-          <a:prstGeom prst="line">
-            <a:avLst/>
-          </a:prstGeom>
-          <a:ln>
-            <a:solidFill>
-              <a:schemeClr val="bg1"/>
-            </a:solidFill>
-          </a:ln>
-          <a:effectLst>
-            <a:outerShdw blurRad="50800" dist="38100" dir="2700000" algn="tl" rotWithShape="0">
-              <a:prstClr val="black">
-                <a:alpha val="40000"/>
-              </a:prstClr>
-            </a:outerShdw>
-          </a:effectLst>
-        </p:spPr>
-        <p:style>
-          <a:lnRef idx="1">
-            <a:schemeClr val="accent1"/>
-          </a:lnRef>
-          <a:fillRef idx="0">
-            <a:schemeClr val="accent1"/>
-          </a:fillRef>
-          <a:effectRef idx="0">
-            <a:schemeClr val="accent1"/>
-          </a:effectRef>
-          <a:fontRef idx="minor">
-            <a:schemeClr val="tx1"/>
-          </a:fontRef>
-        </p:style>
-      </p:cxnSp>
-    </p:spTree>
-    <p:extLst>
-      <p:ext uri="{BB962C8B-B14F-4D97-AF65-F5344CB8AC3E}">
-        <p14:creationId xmlns:p14="http://schemas.microsoft.com/office/powerpoint/2010/main" val="1987243763"/>
-      </p:ext>
-    </p:extLst>
-  </p:cSld>
-  <p:clrMapOvr>
-    <a:masterClrMapping/>
-  </p:clrMapOvr>
-</p:sld>
-</file>
-
-<file path=ppt/slides/slide34.xml><?xml version="1.0" encoding="utf-8"?>
-<p:sld xmlns:a="http://schemas.openxmlformats.org/drawingml/2006/main" xmlns:r="http://schemas.openxmlformats.org/officeDocument/2006/relationships" xmlns:p="http://schemas.openxmlformats.org/presentationml/2006/main">
-  <p:cSld>
-    <p:bg>
-      <p:bgPr>
-        <a:solidFill>
-          <a:schemeClr val="bg1"/>
-        </a:solidFill>
-        <a:effectLst/>
-      </p:bgPr>
-    </p:bg>
-    <p:spTree>
-      <p:nvGrpSpPr>
-        <p:cNvPr id="1" name=""/>
-        <p:cNvGrpSpPr/>
-        <p:nvPr/>
-      </p:nvGrpSpPr>
-      <p:grpSpPr>
-        <a:xfrm>
-          <a:off x="0" y="0"/>
-          <a:ext cx="0" cy="0"/>
-          <a:chOff x="0" y="0"/>
-          <a:chExt cx="0" cy="0"/>
-        </a:xfrm>
-      </p:grpSpPr>
-      <p:sp>
-        <p:nvSpPr>
-          <p:cNvPr id="32" name="Rectangle 22">
-            <a:extLst>
-              <a:ext uri="{FF2B5EF4-FFF2-40B4-BE49-F238E27FC236}">
-                <a16:creationId xmlns:a16="http://schemas.microsoft.com/office/drawing/2014/main" id="{8D06CE56-3881-4ADA-8CEF-D18B02C242A3}"/>
-              </a:ext>
-              <a:ext uri="{C183D7F6-B498-43B3-948B-1728B52AA6E4}">
-                <adec:decorative xmlns:adec="http://schemas.microsoft.com/office/drawing/2017/decorative" val="1"/>
-              </a:ext>
-            </a:extLst>
-          </p:cNvPr>
-          <p:cNvSpPr>
-            <a:spLocks noGrp="1" noRot="1" noChangeAspect="1" noMove="1" noResize="1" noEditPoints="1" noAdjustHandles="1" noChangeArrowheads="1" noChangeShapeType="1" noTextEdit="1"/>
-          </p:cNvSpPr>
-          <p:nvPr>
-            <p:extLst>
-              <p:ext uri="{386F3935-93C4-4BCD-93E2-E3B085C9AB24}">
-                <p16:designElem xmlns:p16="http://schemas.microsoft.com/office/powerpoint/2015/main" val="1"/>
-              </p:ext>
-            </p:extLst>
-          </p:nvPr>
-        </p:nvSpPr>
-        <p:spPr>
-          <a:xfrm rot="5400000">
-            <a:off x="857544" y="346791"/>
-            <a:ext cx="146304" cy="704088"/>
-          </a:xfrm>
-          <a:prstGeom prst="rect">
-            <a:avLst/>
-          </a:prstGeom>
-          <a:solidFill>
-            <a:schemeClr val="accent1"/>
-          </a:solidFill>
-          <a:ln>
-            <a:noFill/>
-          </a:ln>
-        </p:spPr>
-        <p:style>
-          <a:lnRef idx="2">
-            <a:schemeClr val="accent1">
-              <a:shade val="50000"/>
-            </a:schemeClr>
-          </a:lnRef>
-          <a:fillRef idx="1">
-            <a:schemeClr val="accent1"/>
-          </a:fillRef>
-          <a:effectRef idx="0">
-            <a:schemeClr val="accent1"/>
-          </a:effectRef>
-          <a:fontRef idx="minor">
-            <a:schemeClr val="lt1"/>
-          </a:fontRef>
-        </p:style>
-        <p:txBody>
-          <a:bodyPr rtlCol="0" anchor="ctr"/>
-          <a:lstStyle/>
-          <a:p>
-            <a:pPr marL="0" marR="0" lvl="0" indent="0" algn="ctr" defTabSz="914400" rtl="0" eaLnBrk="1" fontAlgn="auto" latinLnBrk="0" hangingPunct="1">
-              <a:lnSpc>
-                <a:spcPct val="100000"/>
-              </a:lnSpc>
-              <a:spcBef>
-                <a:spcPts val="0"/>
-              </a:spcBef>
-              <a:spcAft>
-                <a:spcPts val="0"/>
-              </a:spcAft>
-              <a:buClrTx/>
-              <a:buSzTx/>
-              <a:buFontTx/>
-              <a:buNone/>
-              <a:tabLst/>
-              <a:defRPr/>
-            </a:pPr>
-            <a:endParaRPr kumimoji="0" lang="en-US" sz="1800" b="0" i="0" u="none" strike="noStrike" kern="1200" cap="none" spc="0" normalizeH="0" baseline="0" noProof="0">
-              <a:ln>
-                <a:noFill/>
-              </a:ln>
-              <a:solidFill>
-                <a:prstClr val="white"/>
-              </a:solidFill>
-              <a:effectLst/>
-              <a:uLnTx/>
-              <a:uFillTx/>
-              <a:latin typeface="Calibri" panose="020F0502020204030204"/>
-              <a:ea typeface="+mn-ea"/>
-              <a:cs typeface="+mn-cs"/>
-            </a:endParaRPr>
-          </a:p>
-        </p:txBody>
-      </p:sp>
-      <p:sp>
-        <p:nvSpPr>
-          <p:cNvPr id="33" name="Rectangle 24">
+          <p:cNvPr id="30" name="Rectangle 29">
             <a:extLst>
               <a:ext uri="{FF2B5EF4-FFF2-40B4-BE49-F238E27FC236}">
                 <a16:creationId xmlns:a16="http://schemas.microsoft.com/office/drawing/2014/main" id="{79F3C543-62EC-4433-9C93-A2CD8764E9B4}"/>
@@ -36909,10 +36969,10 @@
       </p:sp>
       <p:sp useBgFill="1">
         <p:nvSpPr>
-          <p:cNvPr id="34" name="Rectangle 26">
+          <p:cNvPr id="32" name="Rectangle 31">
             <a:extLst>
               <a:ext uri="{FF2B5EF4-FFF2-40B4-BE49-F238E27FC236}">
-                <a16:creationId xmlns:a16="http://schemas.microsoft.com/office/drawing/2014/main" id="{68AF5748-FED8-45BA-8631-26D1D10F3246}"/>
+                <a16:creationId xmlns:a16="http://schemas.microsoft.com/office/drawing/2014/main" id="{55666830-9A19-4E01-8505-D6C7F9AC5665}"/>
               </a:ext>
               <a:ext uri="{C183D7F6-B498-43B3-948B-1728B52AA6E4}">
                 <adec:decorative xmlns:adec="http://schemas.microsoft.com/office/drawing/2017/decorative" val="1"/>
@@ -36967,12 +37027,413 @@
           </a:p>
         </p:txBody>
       </p:sp>
+      <p:pic>
+        <p:nvPicPr>
+          <p:cNvPr id="21" name="Picture 4" descr="Question mark on green pastel background">
+            <a:extLst>
+              <a:ext uri="{FF2B5EF4-FFF2-40B4-BE49-F238E27FC236}">
+                <a16:creationId xmlns:a16="http://schemas.microsoft.com/office/drawing/2014/main" id="{B5B59B65-FCAD-48D1-A422-1C9618356EF9}"/>
+              </a:ext>
+            </a:extLst>
+          </p:cNvPr>
+          <p:cNvPicPr>
+            <a:picLocks noChangeAspect="1"/>
+          </p:cNvPicPr>
+          <p:nvPr/>
+        </p:nvPicPr>
+        <p:blipFill rotWithShape="1">
+          <a:blip r:embed="rId2"/>
+          <a:srcRect l="5808" r="5808"/>
+          <a:stretch/>
+        </p:blipFill>
+        <p:spPr>
+          <a:xfrm>
+            <a:off x="4110127" y="10"/>
+            <a:ext cx="8081873" cy="6857990"/>
+          </a:xfrm>
+          <a:custGeom>
+            <a:avLst/>
+            <a:gdLst/>
+            <a:ahLst/>
+            <a:cxnLst/>
+            <a:rect l="l" t="t" r="r" b="b"/>
+            <a:pathLst>
+              <a:path w="8081873" h="6858000">
+                <a:moveTo>
+                  <a:pt x="0" y="0"/>
+                </a:moveTo>
+                <a:lnTo>
+                  <a:pt x="8081873" y="0"/>
+                </a:lnTo>
+                <a:lnTo>
+                  <a:pt x="8081873" y="6858000"/>
+                </a:lnTo>
+                <a:lnTo>
+                  <a:pt x="0" y="6858000"/>
+                </a:lnTo>
+                <a:lnTo>
+                  <a:pt x="68897" y="6734633"/>
+                </a:lnTo>
+                <a:cubicBezTo>
+                  <a:pt x="558802" y="5812845"/>
+                  <a:pt x="848920" y="4668597"/>
+                  <a:pt x="848920" y="3429000"/>
+                </a:cubicBezTo>
+                <a:cubicBezTo>
+                  <a:pt x="848920" y="2189404"/>
+                  <a:pt x="558802" y="1045156"/>
+                  <a:pt x="68897" y="123368"/>
+                </a:cubicBezTo>
+                <a:close/>
+              </a:path>
+            </a:pathLst>
+          </a:custGeom>
+        </p:spPr>
+      </p:pic>
+      <p:sp useBgFill="1">
+        <p:nvSpPr>
+          <p:cNvPr id="34" name="Freeform: Shape 33">
+            <a:extLst>
+              <a:ext uri="{FF2B5EF4-FFF2-40B4-BE49-F238E27FC236}">
+                <a16:creationId xmlns:a16="http://schemas.microsoft.com/office/drawing/2014/main" id="{AE9FC877-7FB6-4D22-9988-35420644E202}"/>
+              </a:ext>
+              <a:ext uri="{C183D7F6-B498-43B3-948B-1728B52AA6E4}">
+                <adec:decorative xmlns:adec="http://schemas.microsoft.com/office/drawing/2017/decorative" val="1"/>
+              </a:ext>
+            </a:extLst>
+          </p:cNvPr>
+          <p:cNvSpPr>
+            <a:spLocks noGrp="1" noRot="1" noChangeAspect="1" noMove="1" noResize="1" noEditPoints="1" noAdjustHandles="1" noChangeArrowheads="1" noChangeShapeType="1" noTextEdit="1"/>
+          </p:cNvSpPr>
+          <p:nvPr>
+            <p:extLst>
+              <p:ext uri="{386F3935-93C4-4BCD-93E2-E3B085C9AB24}">
+                <p16:designElem xmlns:p16="http://schemas.microsoft.com/office/powerpoint/2015/main" val="1"/>
+              </p:ext>
+            </p:extLst>
+          </p:nvPr>
+        </p:nvSpPr>
+        <p:spPr>
+          <a:xfrm>
+            <a:off x="0" y="0"/>
+            <a:ext cx="4959047" cy="6858000"/>
+          </a:xfrm>
+          <a:custGeom>
+            <a:avLst/>
+            <a:gdLst>
+              <a:gd name="connsiteX0" fmla="*/ 0 w 4959047"/>
+              <a:gd name="connsiteY0" fmla="*/ 0 h 6858000"/>
+              <a:gd name="connsiteX1" fmla="*/ 4110127 w 4959047"/>
+              <a:gd name="connsiteY1" fmla="*/ 0 h 6858000"/>
+              <a:gd name="connsiteX2" fmla="*/ 4179024 w 4959047"/>
+              <a:gd name="connsiteY2" fmla="*/ 123368 h 6858000"/>
+              <a:gd name="connsiteX3" fmla="*/ 4959047 w 4959047"/>
+              <a:gd name="connsiteY3" fmla="*/ 3429000 h 6858000"/>
+              <a:gd name="connsiteX4" fmla="*/ 4179024 w 4959047"/>
+              <a:gd name="connsiteY4" fmla="*/ 6734633 h 6858000"/>
+              <a:gd name="connsiteX5" fmla="*/ 4110127 w 4959047"/>
+              <a:gd name="connsiteY5" fmla="*/ 6858000 h 6858000"/>
+              <a:gd name="connsiteX6" fmla="*/ 0 w 4959047"/>
+              <a:gd name="connsiteY6" fmla="*/ 6858000 h 6858000"/>
+            </a:gdLst>
+            <a:ahLst/>
+            <a:cxnLst>
+              <a:cxn ang="0">
+                <a:pos x="connsiteX0" y="connsiteY0"/>
+              </a:cxn>
+              <a:cxn ang="0">
+                <a:pos x="connsiteX1" y="connsiteY1"/>
+              </a:cxn>
+              <a:cxn ang="0">
+                <a:pos x="connsiteX2" y="connsiteY2"/>
+              </a:cxn>
+              <a:cxn ang="0">
+                <a:pos x="connsiteX3" y="connsiteY3"/>
+              </a:cxn>
+              <a:cxn ang="0">
+                <a:pos x="connsiteX4" y="connsiteY4"/>
+              </a:cxn>
+              <a:cxn ang="0">
+                <a:pos x="connsiteX5" y="connsiteY5"/>
+              </a:cxn>
+              <a:cxn ang="0">
+                <a:pos x="connsiteX6" y="connsiteY6"/>
+              </a:cxn>
+            </a:cxnLst>
+            <a:rect l="l" t="t" r="r" b="b"/>
+            <a:pathLst>
+              <a:path w="4959047" h="6858000">
+                <a:moveTo>
+                  <a:pt x="0" y="0"/>
+                </a:moveTo>
+                <a:lnTo>
+                  <a:pt x="4110127" y="0"/>
+                </a:lnTo>
+                <a:lnTo>
+                  <a:pt x="4179024" y="123368"/>
+                </a:lnTo>
+                <a:cubicBezTo>
+                  <a:pt x="4668929" y="1045156"/>
+                  <a:pt x="4959047" y="2189404"/>
+                  <a:pt x="4959047" y="3429000"/>
+                </a:cubicBezTo>
+                <a:cubicBezTo>
+                  <a:pt x="4959047" y="4668597"/>
+                  <a:pt x="4668929" y="5812845"/>
+                  <a:pt x="4179024" y="6734633"/>
+                </a:cubicBezTo>
+                <a:lnTo>
+                  <a:pt x="4110127" y="6858000"/>
+                </a:lnTo>
+                <a:lnTo>
+                  <a:pt x="0" y="6858000"/>
+                </a:lnTo>
+                <a:close/>
+              </a:path>
+            </a:pathLst>
+          </a:custGeom>
+          <a:ln w="9525">
+            <a:solidFill>
+              <a:schemeClr val="tx2">
+                <a:lumMod val="10000"/>
+                <a:lumOff val="90000"/>
+              </a:schemeClr>
+            </a:solidFill>
+          </a:ln>
+          <a:effectLst>
+            <a:outerShdw blurRad="50800" dist="38100" algn="l" rotWithShape="0">
+              <a:schemeClr val="bg1">
+                <a:lumMod val="85000"/>
+                <a:alpha val="30000"/>
+              </a:schemeClr>
+            </a:outerShdw>
+          </a:effectLst>
+        </p:spPr>
+        <p:style>
+          <a:lnRef idx="2">
+            <a:schemeClr val="accent1">
+              <a:shade val="50000"/>
+            </a:schemeClr>
+          </a:lnRef>
+          <a:fillRef idx="1">
+            <a:schemeClr val="accent1"/>
+          </a:fillRef>
+          <a:effectRef idx="0">
+            <a:schemeClr val="accent1"/>
+          </a:effectRef>
+          <a:fontRef idx="minor">
+            <a:schemeClr val="lt1"/>
+          </a:fontRef>
+        </p:style>
+        <p:txBody>
+          <a:bodyPr wrap="square" rtlCol="0" anchor="ctr">
+            <a:noAutofit/>
+          </a:bodyPr>
+          <a:lstStyle/>
+          <a:p>
+            <a:pPr marL="0" marR="0" lvl="0" indent="0" algn="ctr" defTabSz="914400" rtl="0" eaLnBrk="1" fontAlgn="auto" latinLnBrk="0" hangingPunct="1">
+              <a:lnSpc>
+                <a:spcPct val="100000"/>
+              </a:lnSpc>
+              <a:spcBef>
+                <a:spcPts val="0"/>
+              </a:spcBef>
+              <a:spcAft>
+                <a:spcPts val="0"/>
+              </a:spcAft>
+              <a:buClrTx/>
+              <a:buSzTx/>
+              <a:buFontTx/>
+              <a:buNone/>
+              <a:tabLst/>
+              <a:defRPr/>
+            </a:pPr>
+            <a:endParaRPr kumimoji="0" lang="en-US" sz="1800" b="0" i="0" u="none" strike="noStrike" kern="1200" cap="none" spc="0" normalizeH="0" baseline="0" noProof="0">
+              <a:ln>
+                <a:noFill/>
+              </a:ln>
+              <a:solidFill>
+                <a:prstClr val="white"/>
+              </a:solidFill>
+              <a:effectLst/>
+              <a:uLnTx/>
+              <a:uFillTx/>
+              <a:latin typeface="Calibri" panose="020F0502020204030204"/>
+              <a:ea typeface="+mn-ea"/>
+              <a:cs typeface="+mn-cs"/>
+            </a:endParaRPr>
+          </a:p>
+        </p:txBody>
+      </p:sp>
+      <p:sp useBgFill="1">
+        <p:nvSpPr>
+          <p:cNvPr id="36" name="Freeform: Shape 35">
+            <a:extLst>
+              <a:ext uri="{FF2B5EF4-FFF2-40B4-BE49-F238E27FC236}">
+                <a16:creationId xmlns:a16="http://schemas.microsoft.com/office/drawing/2014/main" id="{E41809D1-F12E-46BB-B804-5F209D325E8B}"/>
+              </a:ext>
+              <a:ext uri="{C183D7F6-B498-43B3-948B-1728B52AA6E4}">
+                <adec:decorative xmlns:adec="http://schemas.microsoft.com/office/drawing/2017/decorative" val="1"/>
+              </a:ext>
+            </a:extLst>
+          </p:cNvPr>
+          <p:cNvSpPr>
+            <a:spLocks noGrp="1" noRot="1" noChangeAspect="1" noMove="1" noResize="1" noEditPoints="1" noAdjustHandles="1" noChangeArrowheads="1" noChangeShapeType="1" noTextEdit="1"/>
+          </p:cNvSpPr>
+          <p:nvPr>
+            <p:extLst>
+              <p:ext uri="{386F3935-93C4-4BCD-93E2-E3B085C9AB24}">
+                <p16:designElem xmlns:p16="http://schemas.microsoft.com/office/powerpoint/2015/main" val="1"/>
+              </p:ext>
+            </p:extLst>
+          </p:nvPr>
+        </p:nvSpPr>
+        <p:spPr>
+          <a:xfrm>
+            <a:off x="0" y="0"/>
+            <a:ext cx="4948887" cy="6858000"/>
+          </a:xfrm>
+          <a:custGeom>
+            <a:avLst/>
+            <a:gdLst>
+              <a:gd name="connsiteX0" fmla="*/ 0 w 4948887"/>
+              <a:gd name="connsiteY0" fmla="*/ 0 h 6858000"/>
+              <a:gd name="connsiteX1" fmla="*/ 4099967 w 4948887"/>
+              <a:gd name="connsiteY1" fmla="*/ 0 h 6858000"/>
+              <a:gd name="connsiteX2" fmla="*/ 4168864 w 4948887"/>
+              <a:gd name="connsiteY2" fmla="*/ 123368 h 6858000"/>
+              <a:gd name="connsiteX3" fmla="*/ 4948887 w 4948887"/>
+              <a:gd name="connsiteY3" fmla="*/ 3429000 h 6858000"/>
+              <a:gd name="connsiteX4" fmla="*/ 4168864 w 4948887"/>
+              <a:gd name="connsiteY4" fmla="*/ 6734633 h 6858000"/>
+              <a:gd name="connsiteX5" fmla="*/ 4099967 w 4948887"/>
+              <a:gd name="connsiteY5" fmla="*/ 6858000 h 6858000"/>
+              <a:gd name="connsiteX6" fmla="*/ 0 w 4948887"/>
+              <a:gd name="connsiteY6" fmla="*/ 6858000 h 6858000"/>
+            </a:gdLst>
+            <a:ahLst/>
+            <a:cxnLst>
+              <a:cxn ang="0">
+                <a:pos x="connsiteX0" y="connsiteY0"/>
+              </a:cxn>
+              <a:cxn ang="0">
+                <a:pos x="connsiteX1" y="connsiteY1"/>
+              </a:cxn>
+              <a:cxn ang="0">
+                <a:pos x="connsiteX2" y="connsiteY2"/>
+              </a:cxn>
+              <a:cxn ang="0">
+                <a:pos x="connsiteX3" y="connsiteY3"/>
+              </a:cxn>
+              <a:cxn ang="0">
+                <a:pos x="connsiteX4" y="connsiteY4"/>
+              </a:cxn>
+              <a:cxn ang="0">
+                <a:pos x="connsiteX5" y="connsiteY5"/>
+              </a:cxn>
+              <a:cxn ang="0">
+                <a:pos x="connsiteX6" y="connsiteY6"/>
+              </a:cxn>
+            </a:cxnLst>
+            <a:rect l="l" t="t" r="r" b="b"/>
+            <a:pathLst>
+              <a:path w="4948887" h="6858000">
+                <a:moveTo>
+                  <a:pt x="0" y="0"/>
+                </a:moveTo>
+                <a:lnTo>
+                  <a:pt x="4099967" y="0"/>
+                </a:lnTo>
+                <a:lnTo>
+                  <a:pt x="4168864" y="123368"/>
+                </a:lnTo>
+                <a:cubicBezTo>
+                  <a:pt x="4658769" y="1045156"/>
+                  <a:pt x="4948887" y="2189404"/>
+                  <a:pt x="4948887" y="3429000"/>
+                </a:cubicBezTo>
+                <a:cubicBezTo>
+                  <a:pt x="4948887" y="4668597"/>
+                  <a:pt x="4658769" y="5812845"/>
+                  <a:pt x="4168864" y="6734633"/>
+                </a:cubicBezTo>
+                <a:lnTo>
+                  <a:pt x="4099967" y="6858000"/>
+                </a:lnTo>
+                <a:lnTo>
+                  <a:pt x="0" y="6858000"/>
+                </a:lnTo>
+                <a:close/>
+              </a:path>
+            </a:pathLst>
+          </a:custGeom>
+          <a:ln w="9525">
+            <a:noFill/>
+          </a:ln>
+          <a:effectLst/>
+        </p:spPr>
+        <p:style>
+          <a:lnRef idx="2">
+            <a:schemeClr val="accent1">
+              <a:shade val="50000"/>
+            </a:schemeClr>
+          </a:lnRef>
+          <a:fillRef idx="1">
+            <a:schemeClr val="accent1"/>
+          </a:fillRef>
+          <a:effectRef idx="0">
+            <a:schemeClr val="accent1"/>
+          </a:effectRef>
+          <a:fontRef idx="minor">
+            <a:schemeClr val="lt1"/>
+          </a:fontRef>
+        </p:style>
+        <p:txBody>
+          <a:bodyPr wrap="square" rtlCol="0" anchor="ctr">
+            <a:noAutofit/>
+          </a:bodyPr>
+          <a:lstStyle/>
+          <a:p>
+            <a:pPr marL="0" marR="0" lvl="0" indent="0" algn="ctr" defTabSz="914400" rtl="0" eaLnBrk="1" fontAlgn="auto" latinLnBrk="0" hangingPunct="1">
+              <a:lnSpc>
+                <a:spcPct val="100000"/>
+              </a:lnSpc>
+              <a:spcBef>
+                <a:spcPts val="0"/>
+              </a:spcBef>
+              <a:spcAft>
+                <a:spcPts val="0"/>
+              </a:spcAft>
+              <a:buClrTx/>
+              <a:buSzTx/>
+              <a:buFontTx/>
+              <a:buNone/>
+              <a:tabLst/>
+              <a:defRPr/>
+            </a:pPr>
+            <a:endParaRPr kumimoji="0" lang="en-US" sz="1800" b="0" i="0" u="none" strike="noStrike" kern="1200" cap="none" spc="0" normalizeH="0" baseline="0" noProof="0">
+              <a:ln>
+                <a:noFill/>
+              </a:ln>
+              <a:solidFill>
+                <a:prstClr val="white"/>
+              </a:solidFill>
+              <a:effectLst/>
+              <a:uLnTx/>
+              <a:uFillTx/>
+              <a:latin typeface="Calibri" panose="020F0502020204030204"/>
+              <a:ea typeface="+mn-ea"/>
+              <a:cs typeface="+mn-cs"/>
+            </a:endParaRPr>
+          </a:p>
+        </p:txBody>
+      </p:sp>
       <p:sp>
         <p:nvSpPr>
           <p:cNvPr id="2" name="Title 1">
             <a:extLst>
               <a:ext uri="{FF2B5EF4-FFF2-40B4-BE49-F238E27FC236}">
-                <a16:creationId xmlns:a16="http://schemas.microsoft.com/office/drawing/2014/main" id="{EAB00966-ABAF-4D30-909C-4D96253F4EB9}"/>
+                <a16:creationId xmlns:a16="http://schemas.microsoft.com/office/drawing/2014/main" id="{7DE66251-F6CE-4ECB-B6F3-84ADB2C5492E}"/>
               </a:ext>
             </a:extLst>
           </p:cNvPr>
@@ -36997,15 +37458,14 @@
           <a:p>
             <a:r>
               <a:rPr lang="en-US" sz="4800"/>
-              <a:t>Thank you for your time</a:t>
+              <a:t>Questions</a:t>
             </a:r>
-            <a:endParaRPr lang="en-US" sz="4800" dirty="0"/>
           </a:p>
         </p:txBody>
       </p:sp>
       <p:sp>
         <p:nvSpPr>
-          <p:cNvPr id="35" name="Rectangle 28">
+          <p:cNvPr id="38" name="Rectangle 37">
             <a:extLst>
               <a:ext uri="{FF2B5EF4-FFF2-40B4-BE49-F238E27FC236}">
                 <a16:creationId xmlns:a16="http://schemas.microsoft.com/office/drawing/2014/main" id="{AF2F604E-43BE-4DC3-B983-E071523364F8}"/>
@@ -37097,7 +37557,855 @@
       </p:sp>
       <p:sp>
         <p:nvSpPr>
-          <p:cNvPr id="31" name="Rectangle 30">
+          <p:cNvPr id="40" name="Rectangle 39">
+            <a:extLst>
+              <a:ext uri="{FF2B5EF4-FFF2-40B4-BE49-F238E27FC236}">
+                <a16:creationId xmlns:a16="http://schemas.microsoft.com/office/drawing/2014/main" id="{08C9B587-E65E-4B52-B37C-ABEBB6E87928}"/>
+              </a:ext>
+              <a:ext uri="{C183D7F6-B498-43B3-948B-1728B52AA6E4}">
+                <adec:decorative xmlns:adec="http://schemas.microsoft.com/office/drawing/2017/decorative" val="1"/>
+              </a:ext>
+            </a:extLst>
+          </p:cNvPr>
+          <p:cNvSpPr>
+            <a:spLocks noGrp="1" noRot="1" noChangeAspect="1" noMove="1" noResize="1" noEditPoints="1" noAdjustHandles="1" noChangeArrowheads="1" noChangeShapeType="1" noTextEdit="1"/>
+          </p:cNvSpPr>
+          <p:nvPr>
+            <p:extLst>
+              <p:ext uri="{386F3935-93C4-4BCD-93E2-E3B085C9AB24}">
+                <p16:designElem xmlns:p16="http://schemas.microsoft.com/office/powerpoint/2015/main" val="1"/>
+              </p:ext>
+            </p:extLst>
+          </p:nvPr>
+        </p:nvSpPr>
+        <p:spPr>
+          <a:xfrm>
+            <a:off x="481029" y="4546920"/>
+            <a:ext cx="4023360" cy="18288"/>
+          </a:xfrm>
+          <a:prstGeom prst="rect">
+            <a:avLst/>
+          </a:prstGeom>
+          <a:solidFill>
+            <a:schemeClr val="tx2">
+              <a:lumMod val="25000"/>
+              <a:lumOff val="75000"/>
+            </a:schemeClr>
+          </a:solidFill>
+          <a:ln w="3175">
+            <a:noFill/>
+          </a:ln>
+          <a:effectLst/>
+        </p:spPr>
+        <p:style>
+          <a:lnRef idx="2">
+            <a:schemeClr val="accent1">
+              <a:shade val="50000"/>
+            </a:schemeClr>
+          </a:lnRef>
+          <a:fillRef idx="1">
+            <a:schemeClr val="accent1"/>
+          </a:fillRef>
+          <a:effectRef idx="0">
+            <a:schemeClr val="accent1"/>
+          </a:effectRef>
+          <a:fontRef idx="minor">
+            <a:schemeClr val="lt1"/>
+          </a:fontRef>
+        </p:style>
+        <p:txBody>
+          <a:bodyPr rtlCol="0" anchor="ctr"/>
+          <a:lstStyle/>
+          <a:p>
+            <a:pPr marL="0" marR="0" lvl="0" indent="0" algn="ctr" defTabSz="914400" rtl="0" eaLnBrk="1" fontAlgn="auto" latinLnBrk="0" hangingPunct="1">
+              <a:lnSpc>
+                <a:spcPct val="100000"/>
+              </a:lnSpc>
+              <a:spcBef>
+                <a:spcPts val="0"/>
+              </a:spcBef>
+              <a:spcAft>
+                <a:spcPts val="0"/>
+              </a:spcAft>
+              <a:buClrTx/>
+              <a:buSzTx/>
+              <a:buFontTx/>
+              <a:buNone/>
+              <a:tabLst/>
+              <a:defRPr/>
+            </a:pPr>
+            <a:endParaRPr kumimoji="0" lang="en-US" sz="1800" b="0" i="0" u="none" strike="noStrike" kern="1200" cap="none" spc="0" normalizeH="0" baseline="0" noProof="0">
+              <a:ln>
+                <a:noFill/>
+              </a:ln>
+              <a:solidFill>
+                <a:prstClr val="white"/>
+              </a:solidFill>
+              <a:effectLst/>
+              <a:uLnTx/>
+              <a:uFillTx/>
+              <a:latin typeface="Calibri" panose="020F0502020204030204"/>
+              <a:ea typeface="+mn-ea"/>
+              <a:cs typeface="+mn-cs"/>
+            </a:endParaRPr>
+          </a:p>
+        </p:txBody>
+      </p:sp>
+    </p:spTree>
+    <p:extLst>
+      <p:ext uri="{BB962C8B-B14F-4D97-AF65-F5344CB8AC3E}">
+        <p14:creationId xmlns:p14="http://schemas.microsoft.com/office/powerpoint/2010/main" val="1987243763"/>
+      </p:ext>
+    </p:extLst>
+  </p:cSld>
+  <p:clrMapOvr>
+    <a:masterClrMapping/>
+  </p:clrMapOvr>
+</p:sld>
+</file>
+
+<file path=ppt/slides/slide34.xml><?xml version="1.0" encoding="utf-8"?>
+<p:sld xmlns:a="http://schemas.openxmlformats.org/drawingml/2006/main" xmlns:r="http://schemas.openxmlformats.org/officeDocument/2006/relationships" xmlns:p="http://schemas.openxmlformats.org/presentationml/2006/main">
+  <p:cSld>
+    <p:bg>
+      <p:bgPr>
+        <a:solidFill>
+          <a:schemeClr val="bg1"/>
+        </a:solidFill>
+        <a:effectLst/>
+      </p:bgPr>
+    </p:bg>
+    <p:spTree>
+      <p:nvGrpSpPr>
+        <p:cNvPr id="1" name=""/>
+        <p:cNvGrpSpPr/>
+        <p:nvPr/>
+      </p:nvGrpSpPr>
+      <p:grpSpPr>
+        <a:xfrm>
+          <a:off x="0" y="0"/>
+          <a:ext cx="0" cy="0"/>
+          <a:chOff x="0" y="0"/>
+          <a:chExt cx="0" cy="0"/>
+        </a:xfrm>
+      </p:grpSpPr>
+      <p:sp>
+        <p:nvSpPr>
+          <p:cNvPr id="40" name="Rectangle 39">
+            <a:extLst>
+              <a:ext uri="{FF2B5EF4-FFF2-40B4-BE49-F238E27FC236}">
+                <a16:creationId xmlns:a16="http://schemas.microsoft.com/office/drawing/2014/main" id="{8D06CE56-3881-4ADA-8CEF-D18B02C242A3}"/>
+              </a:ext>
+              <a:ext uri="{C183D7F6-B498-43B3-948B-1728B52AA6E4}">
+                <adec:decorative xmlns:adec="http://schemas.microsoft.com/office/drawing/2017/decorative" val="1"/>
+              </a:ext>
+            </a:extLst>
+          </p:cNvPr>
+          <p:cNvSpPr>
+            <a:spLocks noGrp="1" noRot="1" noChangeAspect="1" noMove="1" noResize="1" noEditPoints="1" noAdjustHandles="1" noChangeArrowheads="1" noChangeShapeType="1" noTextEdit="1"/>
+          </p:cNvSpPr>
+          <p:nvPr>
+            <p:extLst>
+              <p:ext uri="{386F3935-93C4-4BCD-93E2-E3B085C9AB24}">
+                <p16:designElem xmlns:p16="http://schemas.microsoft.com/office/powerpoint/2015/main" val="1"/>
+              </p:ext>
+            </p:extLst>
+          </p:nvPr>
+        </p:nvSpPr>
+        <p:spPr>
+          <a:xfrm rot="5400000">
+            <a:off x="857544" y="346791"/>
+            <a:ext cx="146304" cy="704088"/>
+          </a:xfrm>
+          <a:prstGeom prst="rect">
+            <a:avLst/>
+          </a:prstGeom>
+          <a:solidFill>
+            <a:schemeClr val="accent1"/>
+          </a:solidFill>
+          <a:ln>
+            <a:noFill/>
+          </a:ln>
+        </p:spPr>
+        <p:style>
+          <a:lnRef idx="2">
+            <a:schemeClr val="accent1">
+              <a:shade val="50000"/>
+            </a:schemeClr>
+          </a:lnRef>
+          <a:fillRef idx="1">
+            <a:schemeClr val="accent1"/>
+          </a:fillRef>
+          <a:effectRef idx="0">
+            <a:schemeClr val="accent1"/>
+          </a:effectRef>
+          <a:fontRef idx="minor">
+            <a:schemeClr val="lt1"/>
+          </a:fontRef>
+        </p:style>
+        <p:txBody>
+          <a:bodyPr rtlCol="0" anchor="ctr"/>
+          <a:lstStyle/>
+          <a:p>
+            <a:pPr marL="0" marR="0" lvl="0" indent="0" algn="ctr" defTabSz="914400" rtl="0" eaLnBrk="1" fontAlgn="auto" latinLnBrk="0" hangingPunct="1">
+              <a:lnSpc>
+                <a:spcPct val="100000"/>
+              </a:lnSpc>
+              <a:spcBef>
+                <a:spcPts val="0"/>
+              </a:spcBef>
+              <a:spcAft>
+                <a:spcPts val="0"/>
+              </a:spcAft>
+              <a:buClrTx/>
+              <a:buSzTx/>
+              <a:buFontTx/>
+              <a:buNone/>
+              <a:tabLst/>
+              <a:defRPr/>
+            </a:pPr>
+            <a:endParaRPr kumimoji="0" lang="en-US" sz="1800" b="0" i="0" u="none" strike="noStrike" kern="1200" cap="none" spc="0" normalizeH="0" baseline="0" noProof="0">
+              <a:ln>
+                <a:noFill/>
+              </a:ln>
+              <a:solidFill>
+                <a:prstClr val="white"/>
+              </a:solidFill>
+              <a:effectLst/>
+              <a:uLnTx/>
+              <a:uFillTx/>
+              <a:latin typeface="Calibri" panose="020F0502020204030204"/>
+              <a:ea typeface="+mn-ea"/>
+              <a:cs typeface="+mn-cs"/>
+            </a:endParaRPr>
+          </a:p>
+        </p:txBody>
+      </p:sp>
+      <p:sp>
+        <p:nvSpPr>
+          <p:cNvPr id="42" name="Rectangle 41">
+            <a:extLst>
+              <a:ext uri="{FF2B5EF4-FFF2-40B4-BE49-F238E27FC236}">
+                <a16:creationId xmlns:a16="http://schemas.microsoft.com/office/drawing/2014/main" id="{79F3C543-62EC-4433-9C93-A2CD8764E9B4}"/>
+              </a:ext>
+              <a:ext uri="{C183D7F6-B498-43B3-948B-1728B52AA6E4}">
+                <adec:decorative xmlns:adec="http://schemas.microsoft.com/office/drawing/2017/decorative" val="1"/>
+              </a:ext>
+            </a:extLst>
+          </p:cNvPr>
+          <p:cNvSpPr>
+            <a:spLocks noGrp="1" noRot="1" noChangeAspect="1" noMove="1" noResize="1" noEditPoints="1" noAdjustHandles="1" noChangeArrowheads="1" noChangeShapeType="1" noTextEdit="1"/>
+          </p:cNvSpPr>
+          <p:nvPr>
+            <p:extLst>
+              <p:ext uri="{386F3935-93C4-4BCD-93E2-E3B085C9AB24}">
+                <p16:designElem xmlns:p16="http://schemas.microsoft.com/office/powerpoint/2015/main" val="1"/>
+              </p:ext>
+            </p:extLst>
+          </p:nvPr>
+        </p:nvSpPr>
+        <p:spPr>
+          <a:xfrm flipV="1">
+            <a:off x="578652" y="4501201"/>
+            <a:ext cx="11034696" cy="18288"/>
+          </a:xfrm>
+          <a:prstGeom prst="rect">
+            <a:avLst/>
+          </a:prstGeom>
+          <a:solidFill>
+            <a:schemeClr val="tx2">
+              <a:lumMod val="25000"/>
+              <a:lumOff val="75000"/>
+            </a:schemeClr>
+          </a:solidFill>
+          <a:ln w="3175">
+            <a:noFill/>
+          </a:ln>
+          <a:effectLst/>
+        </p:spPr>
+        <p:style>
+          <a:lnRef idx="2">
+            <a:schemeClr val="accent1">
+              <a:shade val="50000"/>
+            </a:schemeClr>
+          </a:lnRef>
+          <a:fillRef idx="1">
+            <a:schemeClr val="accent1"/>
+          </a:fillRef>
+          <a:effectRef idx="0">
+            <a:schemeClr val="accent1"/>
+          </a:effectRef>
+          <a:fontRef idx="minor">
+            <a:schemeClr val="lt1"/>
+          </a:fontRef>
+        </p:style>
+        <p:txBody>
+          <a:bodyPr rtlCol="0" anchor="ctr"/>
+          <a:lstStyle/>
+          <a:p>
+            <a:pPr marL="0" marR="0" lvl="0" indent="0" algn="ctr" defTabSz="914400" rtl="0" eaLnBrk="1" fontAlgn="auto" latinLnBrk="0" hangingPunct="1">
+              <a:lnSpc>
+                <a:spcPct val="100000"/>
+              </a:lnSpc>
+              <a:spcBef>
+                <a:spcPts val="0"/>
+              </a:spcBef>
+              <a:spcAft>
+                <a:spcPts val="0"/>
+              </a:spcAft>
+              <a:buClrTx/>
+              <a:buSzTx/>
+              <a:buFontTx/>
+              <a:buNone/>
+              <a:tabLst/>
+              <a:defRPr/>
+            </a:pPr>
+            <a:endParaRPr kumimoji="0" lang="en-US" sz="1800" b="0" i="0" u="none" strike="noStrike" kern="1200" cap="none" spc="0" normalizeH="0" baseline="0" noProof="0">
+              <a:ln>
+                <a:noFill/>
+              </a:ln>
+              <a:solidFill>
+                <a:prstClr val="white"/>
+              </a:solidFill>
+              <a:effectLst/>
+              <a:uLnTx/>
+              <a:uFillTx/>
+              <a:latin typeface="Calibri" panose="020F0502020204030204"/>
+              <a:ea typeface="+mn-ea"/>
+              <a:cs typeface="+mn-cs"/>
+            </a:endParaRPr>
+          </a:p>
+        </p:txBody>
+      </p:sp>
+      <p:sp useBgFill="1">
+        <p:nvSpPr>
+          <p:cNvPr id="44" name="Rectangle 43">
+            <a:extLst>
+              <a:ext uri="{FF2B5EF4-FFF2-40B4-BE49-F238E27FC236}">
+                <a16:creationId xmlns:a16="http://schemas.microsoft.com/office/drawing/2014/main" id="{5DCB5928-DC7D-4612-9922-441966E15627}"/>
+              </a:ext>
+              <a:ext uri="{C183D7F6-B498-43B3-948B-1728B52AA6E4}">
+                <adec:decorative xmlns:adec="http://schemas.microsoft.com/office/drawing/2017/decorative" val="1"/>
+              </a:ext>
+            </a:extLst>
+          </p:cNvPr>
+          <p:cNvSpPr>
+            <a:spLocks noGrp="1" noRot="1" noChangeAspect="1" noMove="1" noResize="1" noEditPoints="1" noAdjustHandles="1" noChangeArrowheads="1" noChangeShapeType="1" noTextEdit="1"/>
+          </p:cNvSpPr>
+          <p:nvPr>
+            <p:extLst>
+              <p:ext uri="{386F3935-93C4-4BCD-93E2-E3B085C9AB24}">
+                <p16:designElem xmlns:p16="http://schemas.microsoft.com/office/powerpoint/2015/main" val="1"/>
+              </p:ext>
+            </p:extLst>
+          </p:nvPr>
+        </p:nvSpPr>
+        <p:spPr>
+          <a:xfrm>
+            <a:off x="0" y="0"/>
+            <a:ext cx="12192000" cy="6858000"/>
+          </a:xfrm>
+          <a:prstGeom prst="rect">
+            <a:avLst/>
+          </a:prstGeom>
+          <a:ln>
+            <a:noFill/>
+          </a:ln>
+        </p:spPr>
+        <p:style>
+          <a:lnRef idx="2">
+            <a:schemeClr val="accent1">
+              <a:shade val="50000"/>
+            </a:schemeClr>
+          </a:lnRef>
+          <a:fillRef idx="1">
+            <a:schemeClr val="accent1"/>
+          </a:fillRef>
+          <a:effectRef idx="0">
+            <a:schemeClr val="accent1"/>
+          </a:effectRef>
+          <a:fontRef idx="minor">
+            <a:schemeClr val="lt1"/>
+          </a:fontRef>
+        </p:style>
+        <p:txBody>
+          <a:bodyPr rtlCol="0" anchor="ctr"/>
+          <a:lstStyle/>
+          <a:p>
+            <a:pPr algn="ctr"/>
+            <a:endParaRPr lang="en-US"/>
+          </a:p>
+        </p:txBody>
+      </p:sp>
+      <p:sp useBgFill="1">
+        <p:nvSpPr>
+          <p:cNvPr id="46" name="Freeform: Shape 45">
+            <a:extLst>
+              <a:ext uri="{FF2B5EF4-FFF2-40B4-BE49-F238E27FC236}">
+                <a16:creationId xmlns:a16="http://schemas.microsoft.com/office/drawing/2014/main" id="{682C1161-1736-45EC-99B7-33F3CAE9D517}"/>
+              </a:ext>
+              <a:ext uri="{C183D7F6-B498-43B3-948B-1728B52AA6E4}">
+                <adec:decorative xmlns:adec="http://schemas.microsoft.com/office/drawing/2017/decorative" val="1"/>
+              </a:ext>
+            </a:extLst>
+          </p:cNvPr>
+          <p:cNvSpPr>
+            <a:spLocks noGrp="1" noRot="1" noChangeAspect="1" noMove="1" noResize="1" noEditPoints="1" noAdjustHandles="1" noChangeArrowheads="1" noChangeShapeType="1" noTextEdit="1"/>
+          </p:cNvSpPr>
+          <p:nvPr>
+            <p:extLst>
+              <p:ext uri="{386F3935-93C4-4BCD-93E2-E3B085C9AB24}">
+                <p16:designElem xmlns:p16="http://schemas.microsoft.com/office/powerpoint/2015/main" val="1"/>
+              </p:ext>
+            </p:extLst>
+          </p:nvPr>
+        </p:nvSpPr>
+        <p:spPr>
+          <a:xfrm>
+            <a:off x="0" y="0"/>
+            <a:ext cx="4959047" cy="6858000"/>
+          </a:xfrm>
+          <a:custGeom>
+            <a:avLst/>
+            <a:gdLst>
+              <a:gd name="connsiteX0" fmla="*/ 0 w 4959047"/>
+              <a:gd name="connsiteY0" fmla="*/ 0 h 6858000"/>
+              <a:gd name="connsiteX1" fmla="*/ 4110127 w 4959047"/>
+              <a:gd name="connsiteY1" fmla="*/ 0 h 6858000"/>
+              <a:gd name="connsiteX2" fmla="*/ 4179024 w 4959047"/>
+              <a:gd name="connsiteY2" fmla="*/ 123368 h 6858000"/>
+              <a:gd name="connsiteX3" fmla="*/ 4959047 w 4959047"/>
+              <a:gd name="connsiteY3" fmla="*/ 3429000 h 6858000"/>
+              <a:gd name="connsiteX4" fmla="*/ 4179024 w 4959047"/>
+              <a:gd name="connsiteY4" fmla="*/ 6734633 h 6858000"/>
+              <a:gd name="connsiteX5" fmla="*/ 4110127 w 4959047"/>
+              <a:gd name="connsiteY5" fmla="*/ 6858000 h 6858000"/>
+              <a:gd name="connsiteX6" fmla="*/ 0 w 4959047"/>
+              <a:gd name="connsiteY6" fmla="*/ 6858000 h 6858000"/>
+            </a:gdLst>
+            <a:ahLst/>
+            <a:cxnLst>
+              <a:cxn ang="0">
+                <a:pos x="connsiteX0" y="connsiteY0"/>
+              </a:cxn>
+              <a:cxn ang="0">
+                <a:pos x="connsiteX1" y="connsiteY1"/>
+              </a:cxn>
+              <a:cxn ang="0">
+                <a:pos x="connsiteX2" y="connsiteY2"/>
+              </a:cxn>
+              <a:cxn ang="0">
+                <a:pos x="connsiteX3" y="connsiteY3"/>
+              </a:cxn>
+              <a:cxn ang="0">
+                <a:pos x="connsiteX4" y="connsiteY4"/>
+              </a:cxn>
+              <a:cxn ang="0">
+                <a:pos x="connsiteX5" y="connsiteY5"/>
+              </a:cxn>
+              <a:cxn ang="0">
+                <a:pos x="connsiteX6" y="connsiteY6"/>
+              </a:cxn>
+            </a:cxnLst>
+            <a:rect l="l" t="t" r="r" b="b"/>
+            <a:pathLst>
+              <a:path w="4959047" h="6858000">
+                <a:moveTo>
+                  <a:pt x="0" y="0"/>
+                </a:moveTo>
+                <a:lnTo>
+                  <a:pt x="4110127" y="0"/>
+                </a:lnTo>
+                <a:lnTo>
+                  <a:pt x="4179024" y="123368"/>
+                </a:lnTo>
+                <a:cubicBezTo>
+                  <a:pt x="4668929" y="1045156"/>
+                  <a:pt x="4959047" y="2189404"/>
+                  <a:pt x="4959047" y="3429000"/>
+                </a:cubicBezTo>
+                <a:cubicBezTo>
+                  <a:pt x="4959047" y="4668597"/>
+                  <a:pt x="4668929" y="5812845"/>
+                  <a:pt x="4179024" y="6734633"/>
+                </a:cubicBezTo>
+                <a:lnTo>
+                  <a:pt x="4110127" y="6858000"/>
+                </a:lnTo>
+                <a:lnTo>
+                  <a:pt x="0" y="6858000"/>
+                </a:lnTo>
+                <a:close/>
+              </a:path>
+            </a:pathLst>
+          </a:custGeom>
+          <a:ln w="9525">
+            <a:solidFill>
+              <a:schemeClr val="tx2">
+                <a:lumMod val="10000"/>
+                <a:lumOff val="90000"/>
+              </a:schemeClr>
+            </a:solidFill>
+          </a:ln>
+          <a:effectLst>
+            <a:outerShdw blurRad="50800" dist="38100" algn="l" rotWithShape="0">
+              <a:schemeClr val="bg1">
+                <a:lumMod val="85000"/>
+                <a:alpha val="30000"/>
+              </a:schemeClr>
+            </a:outerShdw>
+          </a:effectLst>
+        </p:spPr>
+        <p:style>
+          <a:lnRef idx="2">
+            <a:schemeClr val="accent1">
+              <a:shade val="50000"/>
+            </a:schemeClr>
+          </a:lnRef>
+          <a:fillRef idx="1">
+            <a:schemeClr val="accent1"/>
+          </a:fillRef>
+          <a:effectRef idx="0">
+            <a:schemeClr val="accent1"/>
+          </a:effectRef>
+          <a:fontRef idx="minor">
+            <a:schemeClr val="lt1"/>
+          </a:fontRef>
+        </p:style>
+        <p:txBody>
+          <a:bodyPr wrap="square" rtlCol="0" anchor="ctr">
+            <a:noAutofit/>
+          </a:bodyPr>
+          <a:lstStyle/>
+          <a:p>
+            <a:pPr marL="0" marR="0" lvl="0" indent="0" algn="ctr" defTabSz="914400" rtl="0" eaLnBrk="1" fontAlgn="auto" latinLnBrk="0" hangingPunct="1">
+              <a:lnSpc>
+                <a:spcPct val="100000"/>
+              </a:lnSpc>
+              <a:spcBef>
+                <a:spcPts val="0"/>
+              </a:spcBef>
+              <a:spcAft>
+                <a:spcPts val="0"/>
+              </a:spcAft>
+              <a:buClrTx/>
+              <a:buSzTx/>
+              <a:buFontTx/>
+              <a:buNone/>
+              <a:tabLst/>
+              <a:defRPr/>
+            </a:pPr>
+            <a:endParaRPr kumimoji="0" lang="en-US" sz="1800" b="0" i="0" u="none" strike="noStrike" kern="1200" cap="none" spc="0" normalizeH="0" baseline="0" noProof="0">
+              <a:ln>
+                <a:noFill/>
+              </a:ln>
+              <a:solidFill>
+                <a:prstClr val="white"/>
+              </a:solidFill>
+              <a:effectLst/>
+              <a:uLnTx/>
+              <a:uFillTx/>
+              <a:latin typeface="Calibri" panose="020F0502020204030204"/>
+              <a:ea typeface="+mn-ea"/>
+              <a:cs typeface="+mn-cs"/>
+            </a:endParaRPr>
+          </a:p>
+        </p:txBody>
+      </p:sp>
+      <p:sp useBgFill="1">
+        <p:nvSpPr>
+          <p:cNvPr id="48" name="Freeform: Shape 47">
+            <a:extLst>
+              <a:ext uri="{FF2B5EF4-FFF2-40B4-BE49-F238E27FC236}">
+                <a16:creationId xmlns:a16="http://schemas.microsoft.com/office/drawing/2014/main" id="{84D4DDB8-B68F-45B0-9F62-C4279996F672}"/>
+              </a:ext>
+              <a:ext uri="{C183D7F6-B498-43B3-948B-1728B52AA6E4}">
+                <adec:decorative xmlns:adec="http://schemas.microsoft.com/office/drawing/2017/decorative" val="1"/>
+              </a:ext>
+            </a:extLst>
+          </p:cNvPr>
+          <p:cNvSpPr>
+            <a:spLocks noGrp="1" noRot="1" noChangeAspect="1" noMove="1" noResize="1" noEditPoints="1" noAdjustHandles="1" noChangeArrowheads="1" noChangeShapeType="1" noTextEdit="1"/>
+          </p:cNvSpPr>
+          <p:nvPr>
+            <p:extLst>
+              <p:ext uri="{386F3935-93C4-4BCD-93E2-E3B085C9AB24}">
+                <p16:designElem xmlns:p16="http://schemas.microsoft.com/office/powerpoint/2015/main" val="1"/>
+              </p:ext>
+            </p:extLst>
+          </p:nvPr>
+        </p:nvSpPr>
+        <p:spPr>
+          <a:xfrm>
+            <a:off x="0" y="0"/>
+            <a:ext cx="4948887" cy="6858000"/>
+          </a:xfrm>
+          <a:custGeom>
+            <a:avLst/>
+            <a:gdLst>
+              <a:gd name="connsiteX0" fmla="*/ 0 w 4948887"/>
+              <a:gd name="connsiteY0" fmla="*/ 0 h 6858000"/>
+              <a:gd name="connsiteX1" fmla="*/ 4099967 w 4948887"/>
+              <a:gd name="connsiteY1" fmla="*/ 0 h 6858000"/>
+              <a:gd name="connsiteX2" fmla="*/ 4168864 w 4948887"/>
+              <a:gd name="connsiteY2" fmla="*/ 123368 h 6858000"/>
+              <a:gd name="connsiteX3" fmla="*/ 4948887 w 4948887"/>
+              <a:gd name="connsiteY3" fmla="*/ 3429000 h 6858000"/>
+              <a:gd name="connsiteX4" fmla="*/ 4168864 w 4948887"/>
+              <a:gd name="connsiteY4" fmla="*/ 6734633 h 6858000"/>
+              <a:gd name="connsiteX5" fmla="*/ 4099967 w 4948887"/>
+              <a:gd name="connsiteY5" fmla="*/ 6858000 h 6858000"/>
+              <a:gd name="connsiteX6" fmla="*/ 0 w 4948887"/>
+              <a:gd name="connsiteY6" fmla="*/ 6858000 h 6858000"/>
+            </a:gdLst>
+            <a:ahLst/>
+            <a:cxnLst>
+              <a:cxn ang="0">
+                <a:pos x="connsiteX0" y="connsiteY0"/>
+              </a:cxn>
+              <a:cxn ang="0">
+                <a:pos x="connsiteX1" y="connsiteY1"/>
+              </a:cxn>
+              <a:cxn ang="0">
+                <a:pos x="connsiteX2" y="connsiteY2"/>
+              </a:cxn>
+              <a:cxn ang="0">
+                <a:pos x="connsiteX3" y="connsiteY3"/>
+              </a:cxn>
+              <a:cxn ang="0">
+                <a:pos x="connsiteX4" y="connsiteY4"/>
+              </a:cxn>
+              <a:cxn ang="0">
+                <a:pos x="connsiteX5" y="connsiteY5"/>
+              </a:cxn>
+              <a:cxn ang="0">
+                <a:pos x="connsiteX6" y="connsiteY6"/>
+              </a:cxn>
+            </a:cxnLst>
+            <a:rect l="l" t="t" r="r" b="b"/>
+            <a:pathLst>
+              <a:path w="4948887" h="6858000">
+                <a:moveTo>
+                  <a:pt x="0" y="0"/>
+                </a:moveTo>
+                <a:lnTo>
+                  <a:pt x="4099967" y="0"/>
+                </a:lnTo>
+                <a:lnTo>
+                  <a:pt x="4168864" y="123368"/>
+                </a:lnTo>
+                <a:cubicBezTo>
+                  <a:pt x="4658769" y="1045156"/>
+                  <a:pt x="4948887" y="2189404"/>
+                  <a:pt x="4948887" y="3429000"/>
+                </a:cubicBezTo>
+                <a:cubicBezTo>
+                  <a:pt x="4948887" y="4668597"/>
+                  <a:pt x="4658769" y="5812845"/>
+                  <a:pt x="4168864" y="6734633"/>
+                </a:cubicBezTo>
+                <a:lnTo>
+                  <a:pt x="4099967" y="6858000"/>
+                </a:lnTo>
+                <a:lnTo>
+                  <a:pt x="0" y="6858000"/>
+                </a:lnTo>
+                <a:close/>
+              </a:path>
+            </a:pathLst>
+          </a:custGeom>
+          <a:ln w="9525">
+            <a:noFill/>
+          </a:ln>
+          <a:effectLst/>
+        </p:spPr>
+        <p:style>
+          <a:lnRef idx="2">
+            <a:schemeClr val="accent1">
+              <a:shade val="50000"/>
+            </a:schemeClr>
+          </a:lnRef>
+          <a:fillRef idx="1">
+            <a:schemeClr val="accent1"/>
+          </a:fillRef>
+          <a:effectRef idx="0">
+            <a:schemeClr val="accent1"/>
+          </a:effectRef>
+          <a:fontRef idx="minor">
+            <a:schemeClr val="lt1"/>
+          </a:fontRef>
+        </p:style>
+        <p:txBody>
+          <a:bodyPr wrap="square" rtlCol="0" anchor="ctr">
+            <a:noAutofit/>
+          </a:bodyPr>
+          <a:lstStyle/>
+          <a:p>
+            <a:pPr marL="0" marR="0" lvl="0" indent="0" algn="ctr" defTabSz="914400" rtl="0" eaLnBrk="1" fontAlgn="auto" latinLnBrk="0" hangingPunct="1">
+              <a:lnSpc>
+                <a:spcPct val="100000"/>
+              </a:lnSpc>
+              <a:spcBef>
+                <a:spcPts val="0"/>
+              </a:spcBef>
+              <a:spcAft>
+                <a:spcPts val="0"/>
+              </a:spcAft>
+              <a:buClrTx/>
+              <a:buSzTx/>
+              <a:buFontTx/>
+              <a:buNone/>
+              <a:tabLst/>
+              <a:defRPr/>
+            </a:pPr>
+            <a:endParaRPr kumimoji="0" lang="en-US" sz="1800" b="0" i="0" u="none" strike="noStrike" kern="1200" cap="none" spc="0" normalizeH="0" baseline="0" noProof="0">
+              <a:ln>
+                <a:noFill/>
+              </a:ln>
+              <a:solidFill>
+                <a:prstClr val="white"/>
+              </a:solidFill>
+              <a:effectLst/>
+              <a:uLnTx/>
+              <a:uFillTx/>
+              <a:latin typeface="Calibri" panose="020F0502020204030204"/>
+              <a:ea typeface="+mn-ea"/>
+              <a:cs typeface="+mn-cs"/>
+            </a:endParaRPr>
+          </a:p>
+        </p:txBody>
+      </p:sp>
+      <p:sp>
+        <p:nvSpPr>
+          <p:cNvPr id="2" name="Title 1">
+            <a:extLst>
+              <a:ext uri="{FF2B5EF4-FFF2-40B4-BE49-F238E27FC236}">
+                <a16:creationId xmlns:a16="http://schemas.microsoft.com/office/drawing/2014/main" id="{EAB00966-ABAF-4D30-909C-4D96253F4EB9}"/>
+              </a:ext>
+            </a:extLst>
+          </p:cNvPr>
+          <p:cNvSpPr>
+            <a:spLocks noGrp="1"/>
+          </p:cNvSpPr>
+          <p:nvPr>
+            <p:ph type="title"/>
+          </p:nvPr>
+        </p:nvSpPr>
+        <p:spPr>
+          <a:xfrm>
+            <a:off x="477981" y="1122363"/>
+            <a:ext cx="4023360" cy="3204134"/>
+          </a:xfrm>
+        </p:spPr>
+        <p:txBody>
+          <a:bodyPr vert="horz" lIns="91440" tIns="45720" rIns="91440" bIns="45720" rtlCol="0" anchor="b">
+            <a:normAutofit/>
+          </a:bodyPr>
+          <a:lstStyle/>
+          <a:p>
+            <a:r>
+              <a:rPr lang="en-US" sz="4800"/>
+              <a:t>Thank you for your time</a:t>
+            </a:r>
+            <a:endParaRPr lang="en-US" sz="4800" dirty="0"/>
+          </a:p>
+        </p:txBody>
+      </p:sp>
+      <p:sp>
+        <p:nvSpPr>
+          <p:cNvPr id="56" name="Rectangle 49">
+            <a:extLst>
+              <a:ext uri="{FF2B5EF4-FFF2-40B4-BE49-F238E27FC236}">
+                <a16:creationId xmlns:a16="http://schemas.microsoft.com/office/drawing/2014/main" id="{AF2F604E-43BE-4DC3-B983-E071523364F8}"/>
+              </a:ext>
+              <a:ext uri="{C183D7F6-B498-43B3-948B-1728B52AA6E4}">
+                <adec:decorative xmlns:adec="http://schemas.microsoft.com/office/drawing/2017/decorative" val="1"/>
+              </a:ext>
+            </a:extLst>
+          </p:cNvPr>
+          <p:cNvSpPr>
+            <a:spLocks noGrp="1" noRot="1" noChangeAspect="1" noMove="1" noResize="1" noEditPoints="1" noAdjustHandles="1" noChangeArrowheads="1" noChangeShapeType="1" noTextEdit="1"/>
+          </p:cNvSpPr>
+          <p:nvPr>
+            <p:extLst>
+              <p:ext uri="{386F3935-93C4-4BCD-93E2-E3B085C9AB24}">
+                <p16:designElem xmlns:p16="http://schemas.microsoft.com/office/powerpoint/2015/main" val="1"/>
+              </p:ext>
+            </p:extLst>
+          </p:nvPr>
+        </p:nvSpPr>
+        <p:spPr>
+          <a:xfrm rot="5400000">
+            <a:off x="759921" y="346791"/>
+            <a:ext cx="146304" cy="704088"/>
+          </a:xfrm>
+          <a:prstGeom prst="rect">
+            <a:avLst/>
+          </a:prstGeom>
+          <a:solidFill>
+            <a:schemeClr val="accent1"/>
+          </a:solidFill>
+          <a:ln>
+            <a:noFill/>
+          </a:ln>
+        </p:spPr>
+        <p:style>
+          <a:lnRef idx="2">
+            <a:schemeClr val="accent1">
+              <a:shade val="50000"/>
+            </a:schemeClr>
+          </a:lnRef>
+          <a:fillRef idx="1">
+            <a:schemeClr val="accent1"/>
+          </a:fillRef>
+          <a:effectRef idx="0">
+            <a:schemeClr val="accent1"/>
+          </a:effectRef>
+          <a:fontRef idx="minor">
+            <a:schemeClr val="lt1"/>
+          </a:fontRef>
+        </p:style>
+        <p:txBody>
+          <a:bodyPr rtlCol="0" anchor="ctr"/>
+          <a:lstStyle/>
+          <a:p>
+            <a:pPr marL="0" marR="0" lvl="0" indent="0" algn="ctr" defTabSz="914400" rtl="0" eaLnBrk="1" fontAlgn="auto" latinLnBrk="0" hangingPunct="1">
+              <a:lnSpc>
+                <a:spcPct val="100000"/>
+              </a:lnSpc>
+              <a:spcBef>
+                <a:spcPts val="0"/>
+              </a:spcBef>
+              <a:spcAft>
+                <a:spcPts val="0"/>
+              </a:spcAft>
+              <a:buClrTx/>
+              <a:buSzTx/>
+              <a:buFontTx/>
+              <a:buNone/>
+              <a:tabLst/>
+              <a:defRPr/>
+            </a:pPr>
+            <a:endParaRPr kumimoji="0" lang="en-US" sz="1800" b="0" i="0" u="none" strike="noStrike" kern="1200" cap="none" spc="0" normalizeH="0" baseline="0" noProof="0">
+              <a:ln>
+                <a:noFill/>
+              </a:ln>
+              <a:solidFill>
+                <a:prstClr val="white"/>
+              </a:solidFill>
+              <a:effectLst/>
+              <a:uLnTx/>
+              <a:uFillTx/>
+              <a:latin typeface="Calibri" panose="020F0502020204030204"/>
+              <a:ea typeface="+mn-ea"/>
+              <a:cs typeface="+mn-cs"/>
+            </a:endParaRPr>
+          </a:p>
+        </p:txBody>
+      </p:sp>
+      <p:sp>
+        <p:nvSpPr>
+          <p:cNvPr id="57" name="Rectangle 51">
             <a:extLst>
               <a:ext uri="{FF2B5EF4-FFF2-40B4-BE49-F238E27FC236}">
                 <a16:creationId xmlns:a16="http://schemas.microsoft.com/office/drawing/2014/main" id="{08C9B587-E65E-4B52-B37C-ABEBB6E87928}"/>
@@ -37206,13 +38514,13 @@
           <p:nvPr/>
         </p:nvPicPr>
         <p:blipFill>
-          <a:blip r:embed="rId2">
+          <a:blip r:embed="rId3">
             <a:extLst>
               <a:ext uri="{28A0092B-C50C-407E-A947-70E740481C1C}">
                 <a14:useLocalDpi xmlns:a14="http://schemas.microsoft.com/office/drawing/2010/main" val="0"/>
               </a:ext>
               <a:ext uri="{96DAC541-7B7A-43D3-8B79-37D633B846F1}">
-                <asvg:svgBlip xmlns:asvg="http://schemas.microsoft.com/office/drawing/2016/SVG/main" r:embed="rId3"/>
+                <asvg:svgBlip xmlns:asvg="http://schemas.microsoft.com/office/drawing/2016/SVG/main" r:embed="rId4"/>
               </a:ext>
             </a:extLst>
           </a:blip>
@@ -37222,7 +38530,7 @@
         </p:blipFill>
         <p:spPr>
           <a:xfrm>
-            <a:off x="5560099" y="625683"/>
+            <a:off x="5891084" y="625684"/>
             <a:ext cx="5455380" cy="5455380"/>
           </a:xfrm>
           <a:prstGeom prst="rect">

--- a/Offensive Security Tactics for Linux Professionals - Linux Network Defence Evasion.pptx
+++ b/Offensive Security Tactics for Linux Professionals - Linux Network Defence Evasion.pptx
@@ -5,43 +5,42 @@
     <p:sldMasterId id="2147483673" r:id="rId1"/>
   </p:sldMasterIdLst>
   <p:notesMasterIdLst>
-    <p:notesMasterId r:id="rId36"/>
+    <p:notesMasterId r:id="rId35"/>
   </p:notesMasterIdLst>
   <p:sldIdLst>
     <p:sldId id="256" r:id="rId2"/>
     <p:sldId id="258" r:id="rId3"/>
     <p:sldId id="257" r:id="rId4"/>
-    <p:sldId id="268" r:id="rId5"/>
-    <p:sldId id="286" r:id="rId6"/>
-    <p:sldId id="269" r:id="rId7"/>
-    <p:sldId id="270" r:id="rId8"/>
-    <p:sldId id="288" r:id="rId9"/>
-    <p:sldId id="289" r:id="rId10"/>
-    <p:sldId id="271" r:id="rId11"/>
-    <p:sldId id="287" r:id="rId12"/>
-    <p:sldId id="277" r:id="rId13"/>
-    <p:sldId id="260" r:id="rId14"/>
-    <p:sldId id="276" r:id="rId15"/>
-    <p:sldId id="280" r:id="rId16"/>
-    <p:sldId id="281" r:id="rId17"/>
-    <p:sldId id="282" r:id="rId18"/>
-    <p:sldId id="283" r:id="rId19"/>
-    <p:sldId id="261" r:id="rId20"/>
-    <p:sldId id="267" r:id="rId21"/>
-    <p:sldId id="285" r:id="rId22"/>
-    <p:sldId id="290" r:id="rId23"/>
-    <p:sldId id="264" r:id="rId24"/>
-    <p:sldId id="278" r:id="rId25"/>
-    <p:sldId id="292" r:id="rId26"/>
-    <p:sldId id="291" r:id="rId27"/>
-    <p:sldId id="284" r:id="rId28"/>
-    <p:sldId id="272" r:id="rId29"/>
-    <p:sldId id="294" r:id="rId30"/>
-    <p:sldId id="295" r:id="rId31"/>
-    <p:sldId id="273" r:id="rId32"/>
-    <p:sldId id="293" r:id="rId33"/>
-    <p:sldId id="274" r:id="rId34"/>
-    <p:sldId id="275" r:id="rId35"/>
+    <p:sldId id="286" r:id="rId5"/>
+    <p:sldId id="269" r:id="rId6"/>
+    <p:sldId id="270" r:id="rId7"/>
+    <p:sldId id="288" r:id="rId8"/>
+    <p:sldId id="289" r:id="rId9"/>
+    <p:sldId id="271" r:id="rId10"/>
+    <p:sldId id="287" r:id="rId11"/>
+    <p:sldId id="277" r:id="rId12"/>
+    <p:sldId id="260" r:id="rId13"/>
+    <p:sldId id="276" r:id="rId14"/>
+    <p:sldId id="280" r:id="rId15"/>
+    <p:sldId id="281" r:id="rId16"/>
+    <p:sldId id="282" r:id="rId17"/>
+    <p:sldId id="283" r:id="rId18"/>
+    <p:sldId id="261" r:id="rId19"/>
+    <p:sldId id="267" r:id="rId20"/>
+    <p:sldId id="285" r:id="rId21"/>
+    <p:sldId id="290" r:id="rId22"/>
+    <p:sldId id="264" r:id="rId23"/>
+    <p:sldId id="278" r:id="rId24"/>
+    <p:sldId id="292" r:id="rId25"/>
+    <p:sldId id="291" r:id="rId26"/>
+    <p:sldId id="284" r:id="rId27"/>
+    <p:sldId id="272" r:id="rId28"/>
+    <p:sldId id="294" r:id="rId29"/>
+    <p:sldId id="295" r:id="rId30"/>
+    <p:sldId id="273" r:id="rId31"/>
+    <p:sldId id="293" r:id="rId32"/>
+    <p:sldId id="274" r:id="rId33"/>
+    <p:sldId id="275" r:id="rId34"/>
   </p:sldIdLst>
   <p:sldSz cx="12192000" cy="6858000"/>
   <p:notesSz cx="6858000" cy="9144000"/>
@@ -17718,7 +17717,7 @@
           <a:p>
             <a:fld id="{1E1239D8-A3E4-4879-BF5F-57A22AA4E216}" type="datetimeFigureOut">
               <a:rPr lang="en-GB" smtClean="0"/>
-              <a:t>24/12/2021</a:t>
+              <a:t>07/04/2022</a:t>
             </a:fld>
             <a:endParaRPr lang="en-GB"/>
           </a:p>
@@ -18119,7 +18118,15 @@
           <a:p>
             <a:r>
               <a:rPr lang="en-GB" dirty="0"/>
-              <a:t>So a quick overview of the protocols which were leveraged then. The use of ICMP was firstly used in the first stage of discovery, followed by layer 2 protocols known as ARP and NDP. At the end of the discovery stages the required information was then gathered against the target which led to leveraging IPv6 within the internal network and a pseudo device file in BASH to perform a direct port scan to reveal the status of the port as open. </a:t>
+              <a:t>So let’s try to do a quick </a:t>
+            </a:r>
+            <a:r>
+              <a:rPr lang="en-GB" dirty="0" err="1"/>
+              <a:t>nslookup</a:t>
+            </a:r>
+            <a:r>
+              <a:rPr lang="en-GB" dirty="0"/>
+              <a:t> and see if we can get any IPv6 addresses. We cannot. The reason for this is that internal networks may not always have IPv6 addresses enabled via DNS. However. Just because IPv6 is not visible via DNS does not mean it cannot be available for use in the network and leveraged in an offensive security manner</a:t>
             </a:r>
           </a:p>
         </p:txBody>
@@ -18150,7 +18157,7 @@
     </p:spTree>
     <p:extLst>
       <p:ext uri="{BB962C8B-B14F-4D97-AF65-F5344CB8AC3E}">
-        <p14:creationId xmlns:p14="http://schemas.microsoft.com/office/powerpoint/2010/main" val="1116223740"/>
+        <p14:creationId xmlns:p14="http://schemas.microsoft.com/office/powerpoint/2010/main" val="3787457379"/>
       </p:ext>
     </p:extLst>
   </p:cSld>
@@ -18161,101 +18168,6 @@
 </file>
 
 <file path=ppt/notesSlides/notesSlide11.xml><?xml version="1.0" encoding="utf-8"?>
-<p:notes xmlns:a="http://schemas.openxmlformats.org/drawingml/2006/main" xmlns:r="http://schemas.openxmlformats.org/officeDocument/2006/relationships" xmlns:p="http://schemas.openxmlformats.org/presentationml/2006/main">
-  <p:cSld>
-    <p:spTree>
-      <p:nvGrpSpPr>
-        <p:cNvPr id="1" name=""/>
-        <p:cNvGrpSpPr/>
-        <p:nvPr/>
-      </p:nvGrpSpPr>
-      <p:grpSpPr>
-        <a:xfrm>
-          <a:off x="0" y="0"/>
-          <a:ext cx="0" cy="0"/>
-          <a:chOff x="0" y="0"/>
-          <a:chExt cx="0" cy="0"/>
-        </a:xfrm>
-      </p:grpSpPr>
-      <p:sp>
-        <p:nvSpPr>
-          <p:cNvPr id="2" name="Slide Image Placeholder 1"/>
-          <p:cNvSpPr>
-            <a:spLocks noGrp="1" noRot="1" noChangeAspect="1"/>
-          </p:cNvSpPr>
-          <p:nvPr>
-            <p:ph type="sldImg"/>
-          </p:nvPr>
-        </p:nvSpPr>
-        <p:spPr/>
-      </p:sp>
-      <p:sp>
-        <p:nvSpPr>
-          <p:cNvPr id="3" name="Notes Placeholder 2"/>
-          <p:cNvSpPr>
-            <a:spLocks noGrp="1"/>
-          </p:cNvSpPr>
-          <p:nvPr>
-            <p:ph type="body" idx="1"/>
-          </p:nvPr>
-        </p:nvSpPr>
-        <p:spPr/>
-        <p:txBody>
-          <a:bodyPr/>
-          <a:lstStyle/>
-          <a:p>
-            <a:r>
-              <a:rPr lang="en-GB" dirty="0"/>
-              <a:t>So let’s try to do a quick </a:t>
-            </a:r>
-            <a:r>
-              <a:rPr lang="en-GB" dirty="0" err="1"/>
-              <a:t>nslookup</a:t>
-            </a:r>
-            <a:r>
-              <a:rPr lang="en-GB" dirty="0"/>
-              <a:t> and see if we can get any IPv6 addresses. We cannot. The reason for this is that internal networks may not always have IPv6 addresses enabled via DNS. However. Just because IPv6 is not visible via DNS does not mean it cannot be available for use in the network and leveraged in an offensive security manner</a:t>
-            </a:r>
-          </a:p>
-        </p:txBody>
-      </p:sp>
-      <p:sp>
-        <p:nvSpPr>
-          <p:cNvPr id="4" name="Slide Number Placeholder 3"/>
-          <p:cNvSpPr>
-            <a:spLocks noGrp="1"/>
-          </p:cNvSpPr>
-          <p:nvPr>
-            <p:ph type="sldNum" sz="quarter" idx="5"/>
-          </p:nvPr>
-        </p:nvSpPr>
-        <p:spPr/>
-        <p:txBody>
-          <a:bodyPr/>
-          <a:lstStyle/>
-          <a:p>
-            <a:fld id="{32E187F3-9963-44CE-ADE3-39532D8BFE55}" type="slidenum">
-              <a:rPr lang="en-GB" smtClean="0"/>
-              <a:t>13</a:t>
-            </a:fld>
-            <a:endParaRPr lang="en-GB"/>
-          </a:p>
-        </p:txBody>
-      </p:sp>
-    </p:spTree>
-    <p:extLst>
-      <p:ext uri="{BB962C8B-B14F-4D97-AF65-F5344CB8AC3E}">
-        <p14:creationId xmlns:p14="http://schemas.microsoft.com/office/powerpoint/2010/main" val="3787457379"/>
-      </p:ext>
-    </p:extLst>
-  </p:cSld>
-  <p:clrMapOvr>
-    <a:masterClrMapping/>
-  </p:clrMapOvr>
-</p:notes>
-</file>
-
-<file path=ppt/notesSlides/notesSlide12.xml><?xml version="1.0" encoding="utf-8"?>
 <p:notes xmlns:a="http://schemas.openxmlformats.org/drawingml/2006/main" xmlns:r="http://schemas.openxmlformats.org/officeDocument/2006/relationships" xmlns:p="http://schemas.openxmlformats.org/presentationml/2006/main">
   <p:cSld>
     <p:spTree>
@@ -18323,7 +18235,7 @@
           <a:p>
             <a:fld id="{32E187F3-9963-44CE-ADE3-39532D8BFE55}" type="slidenum">
               <a:rPr lang="en-GB" smtClean="0"/>
-              <a:t>14</a:t>
+              <a:t>13</a:t>
             </a:fld>
             <a:endParaRPr lang="en-GB"/>
           </a:p>
@@ -18342,7 +18254,7 @@
 </p:notes>
 </file>
 
-<file path=ppt/notesSlides/notesSlide13.xml><?xml version="1.0" encoding="utf-8"?>
+<file path=ppt/notesSlides/notesSlide12.xml><?xml version="1.0" encoding="utf-8"?>
 <p:notes xmlns:a="http://schemas.openxmlformats.org/drawingml/2006/main" xmlns:r="http://schemas.openxmlformats.org/officeDocument/2006/relationships" xmlns:p="http://schemas.openxmlformats.org/presentationml/2006/main">
   <p:cSld>
     <p:spTree>
@@ -18410,7 +18322,7 @@
           <a:p>
             <a:fld id="{32E187F3-9963-44CE-ADE3-39532D8BFE55}" type="slidenum">
               <a:rPr lang="en-GB" smtClean="0"/>
-              <a:t>15</a:t>
+              <a:t>14</a:t>
             </a:fld>
             <a:endParaRPr lang="en-GB"/>
           </a:p>
@@ -18429,7 +18341,7 @@
 </p:notes>
 </file>
 
-<file path=ppt/notesSlides/notesSlide14.xml><?xml version="1.0" encoding="utf-8"?>
+<file path=ppt/notesSlides/notesSlide13.xml><?xml version="1.0" encoding="utf-8"?>
 <p:notes xmlns:a="http://schemas.openxmlformats.org/drawingml/2006/main" xmlns:r="http://schemas.openxmlformats.org/officeDocument/2006/relationships" xmlns:p="http://schemas.openxmlformats.org/presentationml/2006/main">
   <p:cSld>
     <p:spTree>
@@ -18497,7 +18409,7 @@
           <a:p>
             <a:fld id="{32E187F3-9963-44CE-ADE3-39532D8BFE55}" type="slidenum">
               <a:rPr lang="en-GB" smtClean="0"/>
-              <a:t>16</a:t>
+              <a:t>15</a:t>
             </a:fld>
             <a:endParaRPr lang="en-GB"/>
           </a:p>
@@ -18516,7 +18428,7 @@
 </p:notes>
 </file>
 
-<file path=ppt/notesSlides/notesSlide15.xml><?xml version="1.0" encoding="utf-8"?>
+<file path=ppt/notesSlides/notesSlide14.xml><?xml version="1.0" encoding="utf-8"?>
 <p:notes xmlns:a="http://schemas.openxmlformats.org/drawingml/2006/main" xmlns:r="http://schemas.openxmlformats.org/officeDocument/2006/relationships" xmlns:p="http://schemas.openxmlformats.org/presentationml/2006/main">
   <p:cSld>
     <p:spTree>
@@ -18584,7 +18496,7 @@
           <a:p>
             <a:fld id="{32E187F3-9963-44CE-ADE3-39532D8BFE55}" type="slidenum">
               <a:rPr lang="en-GB" smtClean="0"/>
-              <a:t>18</a:t>
+              <a:t>17</a:t>
             </a:fld>
             <a:endParaRPr lang="en-GB"/>
           </a:p>
@@ -18603,7 +18515,7 @@
 </p:notes>
 </file>
 
-<file path=ppt/notesSlides/notesSlide16.xml><?xml version="1.0" encoding="utf-8"?>
+<file path=ppt/notesSlides/notesSlide15.xml><?xml version="1.0" encoding="utf-8"?>
 <p:notes xmlns:a="http://schemas.openxmlformats.org/drawingml/2006/main" xmlns:r="http://schemas.openxmlformats.org/officeDocument/2006/relationships" xmlns:p="http://schemas.openxmlformats.org/presentationml/2006/main">
   <p:cSld>
     <p:spTree>
@@ -18671,7 +18583,7 @@
           <a:p>
             <a:fld id="{32E187F3-9963-44CE-ADE3-39532D8BFE55}" type="slidenum">
               <a:rPr lang="en-GB" smtClean="0"/>
-              <a:t>19</a:t>
+              <a:t>18</a:t>
             </a:fld>
             <a:endParaRPr lang="en-GB"/>
           </a:p>
@@ -18690,7 +18602,7 @@
 </p:notes>
 </file>
 
-<file path=ppt/notesSlides/notesSlide17.xml><?xml version="1.0" encoding="utf-8"?>
+<file path=ppt/notesSlides/notesSlide16.xml><?xml version="1.0" encoding="utf-8"?>
 <p:notes xmlns:a="http://schemas.openxmlformats.org/drawingml/2006/main" xmlns:r="http://schemas.openxmlformats.org/officeDocument/2006/relationships" xmlns:p="http://schemas.openxmlformats.org/presentationml/2006/main">
   <p:cSld>
     <p:spTree>
@@ -18785,7 +18697,7 @@
           <a:p>
             <a:fld id="{32E187F3-9963-44CE-ADE3-39532D8BFE55}" type="slidenum">
               <a:rPr lang="en-GB" smtClean="0"/>
-              <a:t>20</a:t>
+              <a:t>19</a:t>
             </a:fld>
             <a:endParaRPr lang="en-GB"/>
           </a:p>
@@ -18804,7 +18716,7 @@
 </p:notes>
 </file>
 
-<file path=ppt/notesSlides/notesSlide18.xml><?xml version="1.0" encoding="utf-8"?>
+<file path=ppt/notesSlides/notesSlide17.xml><?xml version="1.0" encoding="utf-8"?>
 <p:notes xmlns:a="http://schemas.openxmlformats.org/drawingml/2006/main" xmlns:r="http://schemas.openxmlformats.org/officeDocument/2006/relationships" xmlns:p="http://schemas.openxmlformats.org/presentationml/2006/main">
   <p:cSld>
     <p:spTree>
@@ -18867,15 +18779,7 @@
             </a:pPr>
             <a:r>
               <a:rPr lang="en-GB" dirty="0"/>
-              <a:t>The reason for this was that in our case, we’re up against an IPv6 address. Proxychains and NMAP do not work so well together and when attempting to scan an IPv6 address via proxy, NMAP reports a “core dumped” message within its binary, which means it’s time to resort to LOTL tactics. As a result, we can make use of /dev/</a:t>
-            </a:r>
-            <a:r>
-              <a:rPr lang="en-GB" dirty="0" err="1"/>
-              <a:t>tcp</a:t>
-            </a:r>
-            <a:r>
-              <a:rPr lang="en-GB" dirty="0"/>
-              <a:t> in BASH. I will discuss this further in the next slide. </a:t>
+              <a:t> </a:t>
             </a:r>
           </a:p>
           <a:p>
@@ -18909,7 +18813,7 @@
             </a:r>
             <a:r>
               <a:rPr lang="en-GB" dirty="0"/>
-              <a:t> in BASH. I will discuss this further in the next slide. </a:t>
+              <a:t> in BASH. I will discuss this further in the next slide.</a:t>
             </a:r>
           </a:p>
         </p:txBody>
@@ -18931,7 +18835,7 @@
           <a:p>
             <a:fld id="{32E187F3-9963-44CE-ADE3-39532D8BFE55}" type="slidenum">
               <a:rPr lang="en-GB" smtClean="0"/>
-              <a:t>22</a:t>
+              <a:t>21</a:t>
             </a:fld>
             <a:endParaRPr lang="en-GB"/>
           </a:p>
@@ -18950,7 +18854,7 @@
 </p:notes>
 </file>
 
-<file path=ppt/notesSlides/notesSlide19.xml><?xml version="1.0" encoding="utf-8"?>
+<file path=ppt/notesSlides/notesSlide18.xml><?xml version="1.0" encoding="utf-8"?>
 <p:notes xmlns:a="http://schemas.openxmlformats.org/drawingml/2006/main" xmlns:r="http://schemas.openxmlformats.org/officeDocument/2006/relationships" xmlns:p="http://schemas.openxmlformats.org/presentationml/2006/main">
   <p:cSld>
     <p:spTree>
@@ -19058,7 +18962,7 @@
           <a:p>
             <a:fld id="{32E187F3-9963-44CE-ADE3-39532D8BFE55}" type="slidenum">
               <a:rPr lang="en-GB" smtClean="0"/>
-              <a:t>23</a:t>
+              <a:t>22</a:t>
             </a:fld>
             <a:endParaRPr lang="en-GB"/>
           </a:p>
@@ -19068,6 +18972,90 @@
     <p:extLst>
       <p:ext uri="{BB962C8B-B14F-4D97-AF65-F5344CB8AC3E}">
         <p14:creationId xmlns:p14="http://schemas.microsoft.com/office/powerpoint/2010/main" val="450072655"/>
+      </p:ext>
+    </p:extLst>
+  </p:cSld>
+  <p:clrMapOvr>
+    <a:masterClrMapping/>
+  </p:clrMapOvr>
+</p:notes>
+</file>
+
+<file path=ppt/notesSlides/notesSlide19.xml><?xml version="1.0" encoding="utf-8"?>
+<p:notes xmlns:a="http://schemas.openxmlformats.org/drawingml/2006/main" xmlns:r="http://schemas.openxmlformats.org/officeDocument/2006/relationships" xmlns:p="http://schemas.openxmlformats.org/presentationml/2006/main">
+  <p:cSld>
+    <p:spTree>
+      <p:nvGrpSpPr>
+        <p:cNvPr id="1" name=""/>
+        <p:cNvGrpSpPr/>
+        <p:nvPr/>
+      </p:nvGrpSpPr>
+      <p:grpSpPr>
+        <a:xfrm>
+          <a:off x="0" y="0"/>
+          <a:ext cx="0" cy="0"/>
+          <a:chOff x="0" y="0"/>
+          <a:chExt cx="0" cy="0"/>
+        </a:xfrm>
+      </p:grpSpPr>
+      <p:sp>
+        <p:nvSpPr>
+          <p:cNvPr id="2" name="Slide Image Placeholder 1"/>
+          <p:cNvSpPr>
+            <a:spLocks noGrp="1" noRot="1" noChangeAspect="1"/>
+          </p:cNvSpPr>
+          <p:nvPr>
+            <p:ph type="sldImg"/>
+          </p:nvPr>
+        </p:nvSpPr>
+        <p:spPr/>
+      </p:sp>
+      <p:sp>
+        <p:nvSpPr>
+          <p:cNvPr id="3" name="Notes Placeholder 2"/>
+          <p:cNvSpPr>
+            <a:spLocks noGrp="1"/>
+          </p:cNvSpPr>
+          <p:nvPr>
+            <p:ph type="body" idx="1"/>
+          </p:nvPr>
+        </p:nvSpPr>
+        <p:spPr/>
+        <p:txBody>
+          <a:bodyPr/>
+          <a:lstStyle/>
+          <a:p>
+            <a:endParaRPr lang="en-GB" dirty="0"/>
+          </a:p>
+        </p:txBody>
+      </p:sp>
+      <p:sp>
+        <p:nvSpPr>
+          <p:cNvPr id="4" name="Slide Number Placeholder 3"/>
+          <p:cNvSpPr>
+            <a:spLocks noGrp="1"/>
+          </p:cNvSpPr>
+          <p:nvPr>
+            <p:ph type="sldNum" sz="quarter" idx="5"/>
+          </p:nvPr>
+        </p:nvSpPr>
+        <p:spPr/>
+        <p:txBody>
+          <a:bodyPr/>
+          <a:lstStyle/>
+          <a:p>
+            <a:fld id="{32E187F3-9963-44CE-ADE3-39532D8BFE55}" type="slidenum">
+              <a:rPr lang="en-GB" smtClean="0"/>
+              <a:t>25</a:t>
+            </a:fld>
+            <a:endParaRPr lang="en-GB"/>
+          </a:p>
+        </p:txBody>
+      </p:sp>
+    </p:spTree>
+    <p:extLst>
+      <p:ext uri="{BB962C8B-B14F-4D97-AF65-F5344CB8AC3E}">
+        <p14:creationId xmlns:p14="http://schemas.microsoft.com/office/powerpoint/2010/main" val="3209186613"/>
       </p:ext>
     </p:extLst>
   </p:cSld>
@@ -19229,7 +19217,7 @@
           <a:p>
             <a:fld id="{32E187F3-9963-44CE-ADE3-39532D8BFE55}" type="slidenum">
               <a:rPr lang="en-GB" smtClean="0"/>
-              <a:t>26</a:t>
+              <a:t>27</a:t>
             </a:fld>
             <a:endParaRPr lang="en-GB"/>
           </a:p>
@@ -19238,7 +19226,7 @@
     </p:spTree>
     <p:extLst>
       <p:ext uri="{BB962C8B-B14F-4D97-AF65-F5344CB8AC3E}">
-        <p14:creationId xmlns:p14="http://schemas.microsoft.com/office/powerpoint/2010/main" val="3209186613"/>
+        <p14:creationId xmlns:p14="http://schemas.microsoft.com/office/powerpoint/2010/main" val="3924192786"/>
       </p:ext>
     </p:extLst>
   </p:cSld>
@@ -19322,7 +19310,7 @@
     </p:spTree>
     <p:extLst>
       <p:ext uri="{BB962C8B-B14F-4D97-AF65-F5344CB8AC3E}">
-        <p14:creationId xmlns:p14="http://schemas.microsoft.com/office/powerpoint/2010/main" val="3924192786"/>
+        <p14:creationId xmlns:p14="http://schemas.microsoft.com/office/powerpoint/2010/main" val="696643982"/>
       </p:ext>
     </p:extLst>
   </p:cSld>
@@ -19397,91 +19385,7 @@
           <a:p>
             <a:fld id="{32E187F3-9963-44CE-ADE3-39532D8BFE55}" type="slidenum">
               <a:rPr lang="en-GB" smtClean="0"/>
-              <a:t>29</a:t>
-            </a:fld>
-            <a:endParaRPr lang="en-GB"/>
-          </a:p>
-        </p:txBody>
-      </p:sp>
-    </p:spTree>
-    <p:extLst>
-      <p:ext uri="{BB962C8B-B14F-4D97-AF65-F5344CB8AC3E}">
-        <p14:creationId xmlns:p14="http://schemas.microsoft.com/office/powerpoint/2010/main" val="696643982"/>
-      </p:ext>
-    </p:extLst>
-  </p:cSld>
-  <p:clrMapOvr>
-    <a:masterClrMapping/>
-  </p:clrMapOvr>
-</p:notes>
-</file>
-
-<file path=ppt/notesSlides/notesSlide23.xml><?xml version="1.0" encoding="utf-8"?>
-<p:notes xmlns:a="http://schemas.openxmlformats.org/drawingml/2006/main" xmlns:r="http://schemas.openxmlformats.org/officeDocument/2006/relationships" xmlns:p="http://schemas.openxmlformats.org/presentationml/2006/main">
-  <p:cSld>
-    <p:spTree>
-      <p:nvGrpSpPr>
-        <p:cNvPr id="1" name=""/>
-        <p:cNvGrpSpPr/>
-        <p:nvPr/>
-      </p:nvGrpSpPr>
-      <p:grpSpPr>
-        <a:xfrm>
-          <a:off x="0" y="0"/>
-          <a:ext cx="0" cy="0"/>
-          <a:chOff x="0" y="0"/>
-          <a:chExt cx="0" cy="0"/>
-        </a:xfrm>
-      </p:grpSpPr>
-      <p:sp>
-        <p:nvSpPr>
-          <p:cNvPr id="2" name="Slide Image Placeholder 1"/>
-          <p:cNvSpPr>
-            <a:spLocks noGrp="1" noRot="1" noChangeAspect="1"/>
-          </p:cNvSpPr>
-          <p:nvPr>
-            <p:ph type="sldImg"/>
-          </p:nvPr>
-        </p:nvSpPr>
-        <p:spPr/>
-      </p:sp>
-      <p:sp>
-        <p:nvSpPr>
-          <p:cNvPr id="3" name="Notes Placeholder 2"/>
-          <p:cNvSpPr>
-            <a:spLocks noGrp="1"/>
-          </p:cNvSpPr>
-          <p:nvPr>
-            <p:ph type="body" idx="1"/>
-          </p:nvPr>
-        </p:nvSpPr>
-        <p:spPr/>
-        <p:txBody>
-          <a:bodyPr/>
-          <a:lstStyle/>
-          <a:p>
-            <a:endParaRPr lang="en-GB" dirty="0"/>
-          </a:p>
-        </p:txBody>
-      </p:sp>
-      <p:sp>
-        <p:nvSpPr>
-          <p:cNvPr id="4" name="Slide Number Placeholder 3"/>
-          <p:cNvSpPr>
-            <a:spLocks noGrp="1"/>
-          </p:cNvSpPr>
-          <p:nvPr>
-            <p:ph type="sldNum" sz="quarter" idx="5"/>
-          </p:nvPr>
-        </p:nvSpPr>
-        <p:spPr/>
-        <p:txBody>
-          <a:bodyPr/>
-          <a:lstStyle/>
-          <a:p>
-            <a:fld id="{32E187F3-9963-44CE-ADE3-39532D8BFE55}" type="slidenum">
-              <a:rPr lang="en-GB" smtClean="0"/>
-              <a:t>34</a:t>
+              <a:t>33</a:t>
             </a:fld>
             <a:endParaRPr lang="en-GB"/>
           </a:p>
@@ -19544,9 +19448,38 @@
           <a:bodyPr/>
           <a:lstStyle/>
           <a:p>
+            <a:pPr marL="0" marR="0" lvl="0" indent="0" algn="l" defTabSz="914400" rtl="0" eaLnBrk="1" fontAlgn="auto" latinLnBrk="0" hangingPunct="1">
+              <a:lnSpc>
+                <a:spcPct val="100000"/>
+              </a:lnSpc>
+              <a:spcBef>
+                <a:spcPts val="0"/>
+              </a:spcBef>
+              <a:spcAft>
+                <a:spcPts val="0"/>
+              </a:spcAft>
+              <a:buClrTx/>
+              <a:buSzTx/>
+              <a:buFontTx/>
+              <a:buNone/>
+              <a:tabLst/>
+              <a:defRPr/>
+            </a:pPr>
             <a:r>
               <a:rPr lang="en-GB" dirty="0"/>
               <a:t>So as we can see, on the INPUT chain which is regarding incoming traffic, if any machine tries to make ICMP contact then it should receive REJECT packets. REJECT packets give out messages which can reveal that the host is active and a firewall is in place. This can be done using traceroute and even using Wireshark when targeting specific ports. </a:t>
+            </a:r>
+          </a:p>
+          <a:p>
+            <a:endParaRPr lang="en-GB" dirty="0"/>
+          </a:p>
+          <a:p>
+            <a:endParaRPr lang="en-GB" dirty="0"/>
+          </a:p>
+          <a:p>
+            <a:r>
+              <a:rPr lang="en-GB" dirty="0"/>
+              <a:t>When targeting specific hosts we can see certain ports which are internally listening on a server and behind a firewall can reveal their presence to devices performing queries from the internet. This extract is from a previous engagement in which an internal port is exposed. Although this is not a critical vulnerability, this can help us to be able to discover information on internal hosts. </a:t>
             </a:r>
           </a:p>
         </p:txBody>
@@ -19577,7 +19510,7 @@
     </p:spTree>
     <p:extLst>
       <p:ext uri="{BB962C8B-B14F-4D97-AF65-F5344CB8AC3E}">
-        <p14:creationId xmlns:p14="http://schemas.microsoft.com/office/powerpoint/2010/main" val="3165222138"/>
+        <p14:creationId xmlns:p14="http://schemas.microsoft.com/office/powerpoint/2010/main" val="4124934072"/>
       </p:ext>
     </p:extLst>
   </p:cSld>
@@ -19588,93 +19521,6 @@
 </file>
 
 <file path=ppt/notesSlides/notesSlide4.xml><?xml version="1.0" encoding="utf-8"?>
-<p:notes xmlns:a="http://schemas.openxmlformats.org/drawingml/2006/main" xmlns:r="http://schemas.openxmlformats.org/officeDocument/2006/relationships" xmlns:p="http://schemas.openxmlformats.org/presentationml/2006/main">
-  <p:cSld>
-    <p:spTree>
-      <p:nvGrpSpPr>
-        <p:cNvPr id="1" name=""/>
-        <p:cNvGrpSpPr/>
-        <p:nvPr/>
-      </p:nvGrpSpPr>
-      <p:grpSpPr>
-        <a:xfrm>
-          <a:off x="0" y="0"/>
-          <a:ext cx="0" cy="0"/>
-          <a:chOff x="0" y="0"/>
-          <a:chExt cx="0" cy="0"/>
-        </a:xfrm>
-      </p:grpSpPr>
-      <p:sp>
-        <p:nvSpPr>
-          <p:cNvPr id="2" name="Slide Image Placeholder 1"/>
-          <p:cNvSpPr>
-            <a:spLocks noGrp="1" noRot="1" noChangeAspect="1"/>
-          </p:cNvSpPr>
-          <p:nvPr>
-            <p:ph type="sldImg"/>
-          </p:nvPr>
-        </p:nvSpPr>
-        <p:spPr/>
-      </p:sp>
-      <p:sp>
-        <p:nvSpPr>
-          <p:cNvPr id="3" name="Notes Placeholder 2"/>
-          <p:cNvSpPr>
-            <a:spLocks noGrp="1"/>
-          </p:cNvSpPr>
-          <p:nvPr>
-            <p:ph type="body" idx="1"/>
-          </p:nvPr>
-        </p:nvSpPr>
-        <p:spPr/>
-        <p:txBody>
-          <a:bodyPr/>
-          <a:lstStyle/>
-          <a:p>
-            <a:r>
-              <a:rPr lang="en-GB" dirty="0"/>
-              <a:t>When targeting specific hosts we can see certain ports which are internally listening on a server and behind a firewall can reveal their presence to devices performing queries from the internet. This extract is from a previous engagement in which an internal port is exposed. Although this is not a critical vulnerability, this can help us to be able to discover information on internal hosts. </a:t>
-            </a:r>
-          </a:p>
-        </p:txBody>
-      </p:sp>
-      <p:sp>
-        <p:nvSpPr>
-          <p:cNvPr id="4" name="Slide Number Placeholder 3"/>
-          <p:cNvSpPr>
-            <a:spLocks noGrp="1"/>
-          </p:cNvSpPr>
-          <p:nvPr>
-            <p:ph type="sldNum" sz="quarter" idx="5"/>
-          </p:nvPr>
-        </p:nvSpPr>
-        <p:spPr/>
-        <p:txBody>
-          <a:bodyPr/>
-          <a:lstStyle/>
-          <a:p>
-            <a:fld id="{32E187F3-9963-44CE-ADE3-39532D8BFE55}" type="slidenum">
-              <a:rPr lang="en-GB" smtClean="0"/>
-              <a:t>5</a:t>
-            </a:fld>
-            <a:endParaRPr lang="en-GB"/>
-          </a:p>
-        </p:txBody>
-      </p:sp>
-    </p:spTree>
-    <p:extLst>
-      <p:ext uri="{BB962C8B-B14F-4D97-AF65-F5344CB8AC3E}">
-        <p14:creationId xmlns:p14="http://schemas.microsoft.com/office/powerpoint/2010/main" val="4124934072"/>
-      </p:ext>
-    </p:extLst>
-  </p:cSld>
-  <p:clrMapOvr>
-    <a:masterClrMapping/>
-  </p:clrMapOvr>
-</p:notes>
-</file>
-
-<file path=ppt/notesSlides/notesSlide5.xml><?xml version="1.0" encoding="utf-8"?>
 <p:notes xmlns:a="http://schemas.openxmlformats.org/drawingml/2006/main" xmlns:r="http://schemas.openxmlformats.org/officeDocument/2006/relationships" xmlns:p="http://schemas.openxmlformats.org/presentationml/2006/main">
   <p:cSld>
     <p:spTree>
@@ -19742,7 +19588,7 @@
           <a:p>
             <a:fld id="{32E187F3-9963-44CE-ADE3-39532D8BFE55}" type="slidenum">
               <a:rPr lang="en-GB" smtClean="0"/>
-              <a:t>6</a:t>
+              <a:t>5</a:t>
             </a:fld>
             <a:endParaRPr lang="en-GB"/>
           </a:p>
@@ -19761,7 +19607,7 @@
 </p:notes>
 </file>
 
-<file path=ppt/notesSlides/notesSlide6.xml><?xml version="1.0" encoding="utf-8"?>
+<file path=ppt/notesSlides/notesSlide5.xml><?xml version="1.0" encoding="utf-8"?>
 <p:notes xmlns:a="http://schemas.openxmlformats.org/drawingml/2006/main" xmlns:r="http://schemas.openxmlformats.org/officeDocument/2006/relationships" xmlns:p="http://schemas.openxmlformats.org/presentationml/2006/main">
   <p:cSld>
     <p:spTree>
@@ -19829,7 +19675,7 @@
           <a:p>
             <a:fld id="{32E187F3-9963-44CE-ADE3-39532D8BFE55}" type="slidenum">
               <a:rPr lang="en-GB" smtClean="0"/>
-              <a:t>8</a:t>
+              <a:t>7</a:t>
             </a:fld>
             <a:endParaRPr lang="en-GB"/>
           </a:p>
@@ -19848,7 +19694,7 @@
 </p:notes>
 </file>
 
-<file path=ppt/notesSlides/notesSlide7.xml><?xml version="1.0" encoding="utf-8"?>
+<file path=ppt/notesSlides/notesSlide6.xml><?xml version="1.0" encoding="utf-8"?>
 <p:notes xmlns:a="http://schemas.openxmlformats.org/drawingml/2006/main" xmlns:r="http://schemas.openxmlformats.org/officeDocument/2006/relationships" xmlns:p="http://schemas.openxmlformats.org/presentationml/2006/main">
   <p:cSld>
     <p:spTree>
@@ -19925,7 +19771,7 @@
           <a:p>
             <a:fld id="{32E187F3-9963-44CE-ADE3-39532D8BFE55}" type="slidenum">
               <a:rPr lang="en-GB" smtClean="0"/>
-              <a:t>9</a:t>
+              <a:t>8</a:t>
             </a:fld>
             <a:endParaRPr lang="en-GB"/>
           </a:p>
@@ -19944,7 +19790,7 @@
 </p:notes>
 </file>
 
-<file path=ppt/notesSlides/notesSlide8.xml><?xml version="1.0" encoding="utf-8"?>
+<file path=ppt/notesSlides/notesSlide7.xml><?xml version="1.0" encoding="utf-8"?>
 <p:notes xmlns:a="http://schemas.openxmlformats.org/drawingml/2006/main" xmlns:r="http://schemas.openxmlformats.org/officeDocument/2006/relationships" xmlns:p="http://schemas.openxmlformats.org/presentationml/2006/main">
   <p:cSld>
     <p:spTree>
@@ -20012,7 +19858,7 @@
           <a:p>
             <a:fld id="{32E187F3-9963-44CE-ADE3-39532D8BFE55}" type="slidenum">
               <a:rPr lang="en-GB" smtClean="0"/>
-              <a:t>10</a:t>
+              <a:t>9</a:t>
             </a:fld>
             <a:endParaRPr lang="en-GB"/>
           </a:p>
@@ -20031,7 +19877,7 @@
 </p:notes>
 </file>
 
-<file path=ppt/notesSlides/notesSlide9.xml><?xml version="1.0" encoding="utf-8"?>
+<file path=ppt/notesSlides/notesSlide8.xml><?xml version="1.0" encoding="utf-8"?>
 <p:notes xmlns:a="http://schemas.openxmlformats.org/drawingml/2006/main" xmlns:r="http://schemas.openxmlformats.org/officeDocument/2006/relationships" xmlns:p="http://schemas.openxmlformats.org/presentationml/2006/main">
   <p:cSld>
     <p:spTree>
@@ -20099,6 +19945,93 @@
           <a:p>
             <a:fld id="{32E187F3-9963-44CE-ADE3-39532D8BFE55}" type="slidenum">
               <a:rPr lang="en-GB" smtClean="0"/>
+              <a:t>10</a:t>
+            </a:fld>
+            <a:endParaRPr lang="en-GB"/>
+          </a:p>
+        </p:txBody>
+      </p:sp>
+    </p:spTree>
+    <p:extLst>
+      <p:ext uri="{BB962C8B-B14F-4D97-AF65-F5344CB8AC3E}">
+        <p14:creationId xmlns:p14="http://schemas.microsoft.com/office/powerpoint/2010/main" val="1258473408"/>
+      </p:ext>
+    </p:extLst>
+  </p:cSld>
+  <p:clrMapOvr>
+    <a:masterClrMapping/>
+  </p:clrMapOvr>
+</p:notes>
+</file>
+
+<file path=ppt/notesSlides/notesSlide9.xml><?xml version="1.0" encoding="utf-8"?>
+<p:notes xmlns:a="http://schemas.openxmlformats.org/drawingml/2006/main" xmlns:r="http://schemas.openxmlformats.org/officeDocument/2006/relationships" xmlns:p="http://schemas.openxmlformats.org/presentationml/2006/main">
+  <p:cSld>
+    <p:spTree>
+      <p:nvGrpSpPr>
+        <p:cNvPr id="1" name=""/>
+        <p:cNvGrpSpPr/>
+        <p:nvPr/>
+      </p:nvGrpSpPr>
+      <p:grpSpPr>
+        <a:xfrm>
+          <a:off x="0" y="0"/>
+          <a:ext cx="0" cy="0"/>
+          <a:chOff x="0" y="0"/>
+          <a:chExt cx="0" cy="0"/>
+        </a:xfrm>
+      </p:grpSpPr>
+      <p:sp>
+        <p:nvSpPr>
+          <p:cNvPr id="2" name="Slide Image Placeholder 1"/>
+          <p:cNvSpPr>
+            <a:spLocks noGrp="1" noRot="1" noChangeAspect="1"/>
+          </p:cNvSpPr>
+          <p:nvPr>
+            <p:ph type="sldImg"/>
+          </p:nvPr>
+        </p:nvSpPr>
+        <p:spPr/>
+      </p:sp>
+      <p:sp>
+        <p:nvSpPr>
+          <p:cNvPr id="3" name="Notes Placeholder 2"/>
+          <p:cNvSpPr>
+            <a:spLocks noGrp="1"/>
+          </p:cNvSpPr>
+          <p:nvPr>
+            <p:ph type="body" idx="1"/>
+          </p:nvPr>
+        </p:nvSpPr>
+        <p:spPr/>
+        <p:txBody>
+          <a:bodyPr/>
+          <a:lstStyle/>
+          <a:p>
+            <a:r>
+              <a:rPr lang="en-GB" dirty="0"/>
+              <a:t>So a quick overview of the protocols which were leveraged then. The use of ICMP was firstly used in the first stage of discovery, followed by layer 2 protocols known as ARP and NDP. At the end of the discovery stages the required information was then gathered against the target which led to leveraging IPv6 within the internal network and a pseudo device file in BASH to perform a direct port scan to reveal the status of the port as open. </a:t>
+            </a:r>
+          </a:p>
+        </p:txBody>
+      </p:sp>
+      <p:sp>
+        <p:nvSpPr>
+          <p:cNvPr id="4" name="Slide Number Placeholder 3"/>
+          <p:cNvSpPr>
+            <a:spLocks noGrp="1"/>
+          </p:cNvSpPr>
+          <p:nvPr>
+            <p:ph type="sldNum" sz="quarter" idx="5"/>
+          </p:nvPr>
+        </p:nvSpPr>
+        <p:spPr/>
+        <p:txBody>
+          <a:bodyPr/>
+          <a:lstStyle/>
+          <a:p>
+            <a:fld id="{32E187F3-9963-44CE-ADE3-39532D8BFE55}" type="slidenum">
+              <a:rPr lang="en-GB" smtClean="0"/>
               <a:t>11</a:t>
             </a:fld>
             <a:endParaRPr lang="en-GB"/>
@@ -20108,7 +20041,7 @@
     </p:spTree>
     <p:extLst>
       <p:ext uri="{BB962C8B-B14F-4D97-AF65-F5344CB8AC3E}">
-        <p14:creationId xmlns:p14="http://schemas.microsoft.com/office/powerpoint/2010/main" val="1258473408"/>
+        <p14:creationId xmlns:p14="http://schemas.microsoft.com/office/powerpoint/2010/main" val="1116223740"/>
       </p:ext>
     </p:extLst>
   </p:cSld>
@@ -20274,7 +20207,7 @@
           <a:p>
             <a:fld id="{02AC24A9-CCB6-4F8D-B8DB-C2F3692CFA5A}" type="datetimeFigureOut">
               <a:rPr lang="en-US" smtClean="0"/>
-              <a:t>12/24/2021</a:t>
+              <a:t>4/7/2022</a:t>
             </a:fld>
             <a:endParaRPr lang="en-US" dirty="0"/>
           </a:p>
@@ -20644,7 +20577,7 @@
           <a:p>
             <a:fld id="{02AC24A9-CCB6-4F8D-B8DB-C2F3692CFA5A}" type="datetimeFigureOut">
               <a:rPr lang="en-US" smtClean="0"/>
-              <a:t>12/24/2021</a:t>
+              <a:t>4/7/2022</a:t>
             </a:fld>
             <a:endParaRPr lang="en-US"/>
           </a:p>
@@ -20853,7 +20786,7 @@
           <a:p>
             <a:fld id="{02AC24A9-CCB6-4F8D-B8DB-C2F3692CFA5A}" type="datetimeFigureOut">
               <a:rPr lang="en-US" smtClean="0"/>
-              <a:t>12/24/2021</a:t>
+              <a:t>4/7/2022</a:t>
             </a:fld>
             <a:endParaRPr lang="en-US"/>
           </a:p>
@@ -21323,7 +21256,7 @@
           <a:p>
             <a:fld id="{02AC24A9-CCB6-4F8D-B8DB-C2F3692CFA5A}" type="datetimeFigureOut">
               <a:rPr lang="en-US" smtClean="0"/>
-              <a:t>12/24/2021</a:t>
+              <a:t>4/7/2022</a:t>
             </a:fld>
             <a:endParaRPr lang="en-US"/>
           </a:p>
@@ -21777,7 +21710,7 @@
           <a:p>
             <a:fld id="{02AC24A9-CCB6-4F8D-B8DB-C2F3692CFA5A}" type="datetimeFigureOut">
               <a:rPr lang="en-US" smtClean="0"/>
-              <a:t>12/24/2021</a:t>
+              <a:t>4/7/2022</a:t>
             </a:fld>
             <a:endParaRPr lang="en-US"/>
           </a:p>
@@ -22309,7 +22242,7 @@
           <a:p>
             <a:fld id="{02AC24A9-CCB6-4F8D-B8DB-C2F3692CFA5A}" type="datetimeFigureOut">
               <a:rPr lang="en-US" smtClean="0"/>
-              <a:t>12/24/2021</a:t>
+              <a:t>4/7/2022</a:t>
             </a:fld>
             <a:endParaRPr lang="en-US"/>
           </a:p>
@@ -23008,7 +22941,7 @@
           <a:p>
             <a:fld id="{02AC24A9-CCB6-4F8D-B8DB-C2F3692CFA5A}" type="datetimeFigureOut">
               <a:rPr lang="en-US" smtClean="0"/>
-              <a:t>12/24/2021</a:t>
+              <a:t>4/7/2022</a:t>
             </a:fld>
             <a:endParaRPr lang="en-US"/>
           </a:p>
@@ -23337,7 +23270,7 @@
           <a:p>
             <a:fld id="{02AC24A9-CCB6-4F8D-B8DB-C2F3692CFA5A}" type="datetimeFigureOut">
               <a:rPr lang="en-US" smtClean="0"/>
-              <a:t>12/24/2021</a:t>
+              <a:t>4/7/2022</a:t>
             </a:fld>
             <a:endParaRPr lang="en-US"/>
           </a:p>
@@ -23450,7 +23383,7 @@
           <a:p>
             <a:fld id="{02AC24A9-CCB6-4F8D-B8DB-C2F3692CFA5A}" type="datetimeFigureOut">
               <a:rPr lang="en-US" smtClean="0"/>
-              <a:t>12/24/2021</a:t>
+              <a:t>4/7/2022</a:t>
             </a:fld>
             <a:endParaRPr lang="en-US"/>
           </a:p>
@@ -23945,7 +23878,7 @@
           <a:p>
             <a:fld id="{02AC24A9-CCB6-4F8D-B8DB-C2F3692CFA5A}" type="datetimeFigureOut">
               <a:rPr lang="en-US" smtClean="0"/>
-              <a:t>12/24/2021</a:t>
+              <a:t>4/7/2022</a:t>
             </a:fld>
             <a:endParaRPr lang="en-US" dirty="0"/>
           </a:p>
@@ -24422,7 +24355,7 @@
           <a:p>
             <a:fld id="{02AC24A9-CCB6-4F8D-B8DB-C2F3692CFA5A}" type="datetimeFigureOut">
               <a:rPr lang="en-US" smtClean="0"/>
-              <a:t>12/24/2021</a:t>
+              <a:t>4/7/2022</a:t>
             </a:fld>
             <a:endParaRPr lang="en-US"/>
           </a:p>
@@ -24665,7 +24598,7 @@
           <a:p>
             <a:fld id="{02AC24A9-CCB6-4F8D-B8DB-C2F3692CFA5A}" type="datetimeFigureOut">
               <a:rPr lang="en-US" smtClean="0"/>
-              <a:t>12/24/2021</a:t>
+              <a:t>4/7/2022</a:t>
             </a:fld>
             <a:endParaRPr lang="en-US"/>
           </a:p>
@@ -25538,534 +25471,6 @@
 <file path=ppt/slides/slide10.xml><?xml version="1.0" encoding="utf-8"?>
 <p:sld xmlns:a="http://schemas.openxmlformats.org/drawingml/2006/main" xmlns:r="http://schemas.openxmlformats.org/officeDocument/2006/relationships" xmlns:p="http://schemas.openxmlformats.org/presentationml/2006/main">
   <p:cSld>
-    <p:bg>
-      <p:bgPr>
-        <a:solidFill>
-          <a:schemeClr val="bg1"/>
-        </a:solidFill>
-        <a:effectLst/>
-      </p:bgPr>
-    </p:bg>
-    <p:spTree>
-      <p:nvGrpSpPr>
-        <p:cNvPr id="1" name=""/>
-        <p:cNvGrpSpPr/>
-        <p:nvPr/>
-      </p:nvGrpSpPr>
-      <p:grpSpPr>
-        <a:xfrm>
-          <a:off x="0" y="0"/>
-          <a:ext cx="0" cy="0"/>
-          <a:chOff x="0" y="0"/>
-          <a:chExt cx="0" cy="0"/>
-        </a:xfrm>
-      </p:grpSpPr>
-      <p:sp>
-        <p:nvSpPr>
-          <p:cNvPr id="149" name="Rectangle 86">
-            <a:extLst>
-              <a:ext uri="{FF2B5EF4-FFF2-40B4-BE49-F238E27FC236}">
-                <a16:creationId xmlns:a16="http://schemas.microsoft.com/office/drawing/2014/main" id="{8D06CE56-3881-4ADA-8CEF-D18B02C242A3}"/>
-              </a:ext>
-              <a:ext uri="{C183D7F6-B498-43B3-948B-1728B52AA6E4}">
-                <adec:decorative xmlns:adec="http://schemas.microsoft.com/office/drawing/2017/decorative" val="1"/>
-              </a:ext>
-            </a:extLst>
-          </p:cNvPr>
-          <p:cNvSpPr>
-            <a:spLocks noGrp="1" noRot="1" noChangeAspect="1" noMove="1" noResize="1" noEditPoints="1" noAdjustHandles="1" noChangeArrowheads="1" noChangeShapeType="1" noTextEdit="1"/>
-          </p:cNvSpPr>
-          <p:nvPr>
-            <p:extLst>
-              <p:ext uri="{386F3935-93C4-4BCD-93E2-E3B085C9AB24}">
-                <p16:designElem xmlns:p16="http://schemas.microsoft.com/office/powerpoint/2015/main" val="1"/>
-              </p:ext>
-            </p:extLst>
-          </p:nvPr>
-        </p:nvSpPr>
-        <p:spPr>
-          <a:xfrm rot="5400000">
-            <a:off x="857544" y="346791"/>
-            <a:ext cx="146304" cy="704088"/>
-          </a:xfrm>
-          <a:prstGeom prst="rect">
-            <a:avLst/>
-          </a:prstGeom>
-          <a:solidFill>
-            <a:schemeClr val="accent1"/>
-          </a:solidFill>
-          <a:ln>
-            <a:noFill/>
-          </a:ln>
-        </p:spPr>
-        <p:style>
-          <a:lnRef idx="2">
-            <a:schemeClr val="accent1">
-              <a:shade val="50000"/>
-            </a:schemeClr>
-          </a:lnRef>
-          <a:fillRef idx="1">
-            <a:schemeClr val="accent1"/>
-          </a:fillRef>
-          <a:effectRef idx="0">
-            <a:schemeClr val="accent1"/>
-          </a:effectRef>
-          <a:fontRef idx="minor">
-            <a:schemeClr val="lt1"/>
-          </a:fontRef>
-        </p:style>
-        <p:txBody>
-          <a:bodyPr rtlCol="0" anchor="ctr"/>
-          <a:lstStyle/>
-          <a:p>
-            <a:pPr marL="0" marR="0" lvl="0" indent="0" algn="ctr" defTabSz="914400" rtl="0" eaLnBrk="1" fontAlgn="auto" latinLnBrk="0" hangingPunct="1">
-              <a:lnSpc>
-                <a:spcPct val="100000"/>
-              </a:lnSpc>
-              <a:spcBef>
-                <a:spcPts val="0"/>
-              </a:spcBef>
-              <a:spcAft>
-                <a:spcPts val="0"/>
-              </a:spcAft>
-              <a:buClrTx/>
-              <a:buSzTx/>
-              <a:buFontTx/>
-              <a:buNone/>
-              <a:tabLst/>
-              <a:defRPr/>
-            </a:pPr>
-            <a:endParaRPr kumimoji="0" lang="en-US" sz="1800" b="0" i="0" u="none" strike="noStrike" kern="1200" cap="none" spc="0" normalizeH="0" baseline="0" noProof="0">
-              <a:ln>
-                <a:noFill/>
-              </a:ln>
-              <a:solidFill>
-                <a:prstClr val="white"/>
-              </a:solidFill>
-              <a:effectLst/>
-              <a:uLnTx/>
-              <a:uFillTx/>
-              <a:latin typeface="Calibri" panose="020F0502020204030204"/>
-              <a:ea typeface="+mn-ea"/>
-              <a:cs typeface="+mn-cs"/>
-            </a:endParaRPr>
-          </a:p>
-        </p:txBody>
-      </p:sp>
-      <p:sp>
-        <p:nvSpPr>
-          <p:cNvPr id="150" name="Rectangle 88">
-            <a:extLst>
-              <a:ext uri="{FF2B5EF4-FFF2-40B4-BE49-F238E27FC236}">
-                <a16:creationId xmlns:a16="http://schemas.microsoft.com/office/drawing/2014/main" id="{79F3C543-62EC-4433-9C93-A2CD8764E9B4}"/>
-              </a:ext>
-              <a:ext uri="{C183D7F6-B498-43B3-948B-1728B52AA6E4}">
-                <adec:decorative xmlns:adec="http://schemas.microsoft.com/office/drawing/2017/decorative" val="1"/>
-              </a:ext>
-            </a:extLst>
-          </p:cNvPr>
-          <p:cNvSpPr>
-            <a:spLocks noGrp="1" noRot="1" noChangeAspect="1" noMove="1" noResize="1" noEditPoints="1" noAdjustHandles="1" noChangeArrowheads="1" noChangeShapeType="1" noTextEdit="1"/>
-          </p:cNvSpPr>
-          <p:nvPr>
-            <p:extLst>
-              <p:ext uri="{386F3935-93C4-4BCD-93E2-E3B085C9AB24}">
-                <p16:designElem xmlns:p16="http://schemas.microsoft.com/office/powerpoint/2015/main" val="1"/>
-              </p:ext>
-            </p:extLst>
-          </p:nvPr>
-        </p:nvSpPr>
-        <p:spPr>
-          <a:xfrm flipV="1">
-            <a:off x="578652" y="4501201"/>
-            <a:ext cx="11034696" cy="18288"/>
-          </a:xfrm>
-          <a:prstGeom prst="rect">
-            <a:avLst/>
-          </a:prstGeom>
-          <a:solidFill>
-            <a:schemeClr val="tx2">
-              <a:lumMod val="25000"/>
-              <a:lumOff val="75000"/>
-            </a:schemeClr>
-          </a:solidFill>
-          <a:ln w="3175">
-            <a:noFill/>
-          </a:ln>
-          <a:effectLst/>
-        </p:spPr>
-        <p:style>
-          <a:lnRef idx="2">
-            <a:schemeClr val="accent1">
-              <a:shade val="50000"/>
-            </a:schemeClr>
-          </a:lnRef>
-          <a:fillRef idx="1">
-            <a:schemeClr val="accent1"/>
-          </a:fillRef>
-          <a:effectRef idx="0">
-            <a:schemeClr val="accent1"/>
-          </a:effectRef>
-          <a:fontRef idx="minor">
-            <a:schemeClr val="lt1"/>
-          </a:fontRef>
-        </p:style>
-        <p:txBody>
-          <a:bodyPr rtlCol="0" anchor="ctr"/>
-          <a:lstStyle/>
-          <a:p>
-            <a:pPr marL="0" marR="0" lvl="0" indent="0" algn="ctr" defTabSz="914400" rtl="0" eaLnBrk="1" fontAlgn="auto" latinLnBrk="0" hangingPunct="1">
-              <a:lnSpc>
-                <a:spcPct val="100000"/>
-              </a:lnSpc>
-              <a:spcBef>
-                <a:spcPts val="0"/>
-              </a:spcBef>
-              <a:spcAft>
-                <a:spcPts val="0"/>
-              </a:spcAft>
-              <a:buClrTx/>
-              <a:buSzTx/>
-              <a:buFontTx/>
-              <a:buNone/>
-              <a:tabLst/>
-              <a:defRPr/>
-            </a:pPr>
-            <a:endParaRPr kumimoji="0" lang="en-US" sz="1800" b="0" i="0" u="none" strike="noStrike" kern="1200" cap="none" spc="0" normalizeH="0" baseline="0" noProof="0">
-              <a:ln>
-                <a:noFill/>
-              </a:ln>
-              <a:solidFill>
-                <a:prstClr val="white"/>
-              </a:solidFill>
-              <a:effectLst/>
-              <a:uLnTx/>
-              <a:uFillTx/>
-              <a:latin typeface="Calibri" panose="020F0502020204030204"/>
-              <a:ea typeface="+mn-ea"/>
-              <a:cs typeface="+mn-cs"/>
-            </a:endParaRPr>
-          </a:p>
-        </p:txBody>
-      </p:sp>
-      <p:sp useBgFill="1">
-        <p:nvSpPr>
-          <p:cNvPr id="151" name="Rectangle 90">
-            <a:extLst>
-              <a:ext uri="{FF2B5EF4-FFF2-40B4-BE49-F238E27FC236}">
-                <a16:creationId xmlns:a16="http://schemas.microsoft.com/office/drawing/2014/main" id="{2FB82883-1DC0-4BE1-A607-009095F3355A}"/>
-              </a:ext>
-              <a:ext uri="{C183D7F6-B498-43B3-948B-1728B52AA6E4}">
-                <adec:decorative xmlns:adec="http://schemas.microsoft.com/office/drawing/2017/decorative" val="1"/>
-              </a:ext>
-            </a:extLst>
-          </p:cNvPr>
-          <p:cNvSpPr>
-            <a:spLocks noGrp="1" noRot="1" noChangeAspect="1" noMove="1" noResize="1" noEditPoints="1" noAdjustHandles="1" noChangeArrowheads="1" noChangeShapeType="1" noTextEdit="1"/>
-          </p:cNvSpPr>
-          <p:nvPr>
-            <p:extLst>
-              <p:ext uri="{386F3935-93C4-4BCD-93E2-E3B085C9AB24}">
-                <p16:designElem xmlns:p16="http://schemas.microsoft.com/office/powerpoint/2015/main" val="1"/>
-              </p:ext>
-            </p:extLst>
-          </p:nvPr>
-        </p:nvSpPr>
-        <p:spPr>
-          <a:xfrm>
-            <a:off x="0" y="0"/>
-            <a:ext cx="12192000" cy="6858000"/>
-          </a:xfrm>
-          <a:prstGeom prst="rect">
-            <a:avLst/>
-          </a:prstGeom>
-          <a:ln>
-            <a:noFill/>
-          </a:ln>
-        </p:spPr>
-        <p:style>
-          <a:lnRef idx="2">
-            <a:schemeClr val="accent1">
-              <a:shade val="50000"/>
-            </a:schemeClr>
-          </a:lnRef>
-          <a:fillRef idx="1">
-            <a:schemeClr val="accent1"/>
-          </a:fillRef>
-          <a:effectRef idx="0">
-            <a:schemeClr val="accent1"/>
-          </a:effectRef>
-          <a:fontRef idx="minor">
-            <a:schemeClr val="lt1"/>
-          </a:fontRef>
-        </p:style>
-        <p:txBody>
-          <a:bodyPr rtlCol="0" anchor="ctr"/>
-          <a:lstStyle/>
-          <a:p>
-            <a:pPr algn="ctr"/>
-            <a:endParaRPr lang="en-US"/>
-          </a:p>
-        </p:txBody>
-      </p:sp>
-      <p:pic>
-        <p:nvPicPr>
-          <p:cNvPr id="152" name="Picture 146" descr="Padlock on computer motherboard">
-            <a:extLst>
-              <a:ext uri="{FF2B5EF4-FFF2-40B4-BE49-F238E27FC236}">
-                <a16:creationId xmlns:a16="http://schemas.microsoft.com/office/drawing/2014/main" id="{1DD2A500-CAFA-4CF7-A1C9-4C417C1F866D}"/>
-              </a:ext>
-            </a:extLst>
-          </p:cNvPr>
-          <p:cNvPicPr>
-            <a:picLocks noChangeAspect="1"/>
-          </p:cNvPicPr>
-          <p:nvPr/>
-        </p:nvPicPr>
-        <p:blipFill rotWithShape="1">
-          <a:blip r:embed="rId3"/>
-          <a:srcRect b="15730"/>
-          <a:stretch/>
-        </p:blipFill>
-        <p:spPr>
-          <a:xfrm>
-            <a:off x="20" y="10"/>
-            <a:ext cx="12191980" cy="6857990"/>
-          </a:xfrm>
-          <a:prstGeom prst="rect">
-            <a:avLst/>
-          </a:prstGeom>
-        </p:spPr>
-      </p:pic>
-      <p:sp>
-        <p:nvSpPr>
-          <p:cNvPr id="153" name="Rectangle 92">
-            <a:extLst>
-              <a:ext uri="{FF2B5EF4-FFF2-40B4-BE49-F238E27FC236}">
-                <a16:creationId xmlns:a16="http://schemas.microsoft.com/office/drawing/2014/main" id="{9FA98EAA-A866-4C95-A2A8-44E46FBAD5A0}"/>
-              </a:ext>
-              <a:ext uri="{C183D7F6-B498-43B3-948B-1728B52AA6E4}">
-                <adec:decorative xmlns:adec="http://schemas.microsoft.com/office/drawing/2017/decorative" val="1"/>
-              </a:ext>
-            </a:extLst>
-          </p:cNvPr>
-          <p:cNvSpPr>
-            <a:spLocks noGrp="1" noRot="1" noChangeAspect="1" noMove="1" noResize="1" noEditPoints="1" noAdjustHandles="1" noChangeArrowheads="1" noChangeShapeType="1" noTextEdit="1"/>
-          </p:cNvSpPr>
-          <p:nvPr>
-            <p:extLst>
-              <p:ext uri="{386F3935-93C4-4BCD-93E2-E3B085C9AB24}">
-                <p16:designElem xmlns:p16="http://schemas.microsoft.com/office/powerpoint/2015/main" val="1"/>
-              </p:ext>
-            </p:extLst>
-          </p:nvPr>
-        </p:nvSpPr>
-        <p:spPr>
-          <a:xfrm rot="10800000">
-            <a:off x="-3" y="4530071"/>
-            <a:ext cx="12191999" cy="2327926"/>
-          </a:xfrm>
-          <a:prstGeom prst="rect">
-            <a:avLst/>
-          </a:prstGeom>
-          <a:gradFill flip="none" rotWithShape="1">
-            <a:gsLst>
-              <a:gs pos="56000">
-                <a:schemeClr val="tx1">
-                  <a:alpha val="40000"/>
-                </a:schemeClr>
-              </a:gs>
-              <a:gs pos="100000">
-                <a:schemeClr val="tx1">
-                  <a:alpha val="85000"/>
-                </a:schemeClr>
-              </a:gs>
-              <a:gs pos="0">
-                <a:schemeClr val="tx1">
-                  <a:alpha val="0"/>
-                </a:schemeClr>
-              </a:gs>
-            </a:gsLst>
-            <a:lin ang="16200000" scaled="1"/>
-            <a:tileRect/>
-          </a:gradFill>
-          <a:ln>
-            <a:noFill/>
-          </a:ln>
-        </p:spPr>
-        <p:style>
-          <a:lnRef idx="2">
-            <a:schemeClr val="accent1">
-              <a:shade val="50000"/>
-            </a:schemeClr>
-          </a:lnRef>
-          <a:fillRef idx="1">
-            <a:schemeClr val="accent1"/>
-          </a:fillRef>
-          <a:effectRef idx="0">
-            <a:schemeClr val="accent1"/>
-          </a:effectRef>
-          <a:fontRef idx="minor">
-            <a:schemeClr val="lt1"/>
-          </a:fontRef>
-        </p:style>
-        <p:txBody>
-          <a:bodyPr rtlCol="0" anchor="ctr"/>
-          <a:lstStyle/>
-          <a:p>
-            <a:pPr algn="ctr"/>
-            <a:endParaRPr lang="en-US"/>
-          </a:p>
-        </p:txBody>
-      </p:sp>
-      <p:sp>
-        <p:nvSpPr>
-          <p:cNvPr id="2" name="Title 1">
-            <a:extLst>
-              <a:ext uri="{FF2B5EF4-FFF2-40B4-BE49-F238E27FC236}">
-                <a16:creationId xmlns:a16="http://schemas.microsoft.com/office/drawing/2014/main" id="{5FE7C14D-D706-4E2C-A573-B8280E86ED99}"/>
-              </a:ext>
-            </a:extLst>
-          </p:cNvPr>
-          <p:cNvSpPr>
-            <a:spLocks noGrp="1"/>
-          </p:cNvSpPr>
-          <p:nvPr>
-            <p:ph type="title"/>
-          </p:nvPr>
-        </p:nvSpPr>
-        <p:spPr>
-          <a:xfrm>
-            <a:off x="2103121" y="4727173"/>
-            <a:ext cx="7985759" cy="868823"/>
-          </a:xfrm>
-        </p:spPr>
-        <p:txBody>
-          <a:bodyPr vert="horz" lIns="91440" tIns="45720" rIns="91440" bIns="45720" rtlCol="0" anchor="b">
-            <a:normAutofit/>
-          </a:bodyPr>
-          <a:lstStyle/>
-          <a:p>
-            <a:pPr algn="ctr"/>
-            <a:r>
-              <a:rPr lang="en-US" dirty="0">
-                <a:solidFill>
-                  <a:schemeClr val="bg1"/>
-                </a:solidFill>
-              </a:rPr>
-              <a:t>Offensive Security</a:t>
-            </a:r>
-          </a:p>
-        </p:txBody>
-      </p:sp>
-    </p:spTree>
-    <p:extLst>
-      <p:ext uri="{BB962C8B-B14F-4D97-AF65-F5344CB8AC3E}">
-        <p14:creationId xmlns:p14="http://schemas.microsoft.com/office/powerpoint/2010/main" val="3463199737"/>
-      </p:ext>
-    </p:extLst>
-  </p:cSld>
-  <p:clrMapOvr>
-    <a:masterClrMapping/>
-  </p:clrMapOvr>
-  <p:timing>
-    <p:tnLst>
-      <p:par>
-        <p:cTn id="1" dur="indefinite" restart="never" nodeType="tmRoot">
-          <p:childTnLst>
-            <p:seq concurrent="1" nextAc="seek">
-              <p:cTn id="2" dur="indefinite" nodeType="mainSeq">
-                <p:childTnLst>
-                  <p:par>
-                    <p:cTn id="3" fill="hold">
-                      <p:stCondLst>
-                        <p:cond delay="indefinite"/>
-                        <p:cond evt="onBegin" delay="0">
-                          <p:tn val="2"/>
-                        </p:cond>
-                      </p:stCondLst>
-                      <p:childTnLst>
-                        <p:par>
-                          <p:cTn id="4" fill="hold">
-                            <p:stCondLst>
-                              <p:cond delay="0"/>
-                            </p:stCondLst>
-                            <p:childTnLst>
-                              <p:par>
-                                <p:cTn id="5" presetID="10" presetClass="entr" presetSubtype="0" fill="hold" grpId="0" nodeType="withEffect">
-                                  <p:stCondLst>
-                                    <p:cond delay="1000"/>
-                                  </p:stCondLst>
-                                  <p:iterate type="lt">
-                                    <p:tmPct val="10000"/>
-                                  </p:iterate>
-                                  <p:childTnLst>
-                                    <p:set>
-                                      <p:cBhvr>
-                                        <p:cTn id="6" dur="1" fill="hold">
-                                          <p:stCondLst>
-                                            <p:cond delay="0"/>
-                                          </p:stCondLst>
-                                        </p:cTn>
-                                        <p:tgtEl>
-                                          <p:spTgt spid="2"/>
-                                        </p:tgtEl>
-                                        <p:attrNameLst>
-                                          <p:attrName>style.visibility</p:attrName>
-                                        </p:attrNameLst>
-                                      </p:cBhvr>
-                                      <p:to>
-                                        <p:strVal val="visible"/>
-                                      </p:to>
-                                    </p:set>
-                                    <p:animEffect transition="in" filter="fade">
-                                      <p:cBhvr>
-                                        <p:cTn id="7" dur="400"/>
-                                        <p:tgtEl>
-                                          <p:spTgt spid="2"/>
-                                        </p:tgtEl>
-                                      </p:cBhvr>
-                                    </p:animEffect>
-                                  </p:childTnLst>
-                                </p:cTn>
-                              </p:par>
-                            </p:childTnLst>
-                          </p:cTn>
-                        </p:par>
-                      </p:childTnLst>
-                    </p:cTn>
-                  </p:par>
-                </p:childTnLst>
-              </p:cTn>
-              <p:prevCondLst>
-                <p:cond evt="onPrev" delay="0">
-                  <p:tgtEl>
-                    <p:sldTgt/>
-                  </p:tgtEl>
-                </p:cond>
-              </p:prevCondLst>
-              <p:nextCondLst>
-                <p:cond evt="onNext" delay="0">
-                  <p:tgtEl>
-                    <p:sldTgt/>
-                  </p:tgtEl>
-                </p:cond>
-              </p:nextCondLst>
-            </p:seq>
-          </p:childTnLst>
-        </p:cTn>
-      </p:par>
-    </p:tnLst>
-    <p:bldLst>
-      <p:bldP spid="2" grpId="0"/>
-    </p:bldLst>
-  </p:timing>
-</p:sld>
-</file>
-
-<file path=ppt/slides/slide11.xml><?xml version="1.0" encoding="utf-8"?>
-<p:sld xmlns:a="http://schemas.openxmlformats.org/drawingml/2006/main" xmlns:r="http://schemas.openxmlformats.org/officeDocument/2006/relationships" xmlns:p="http://schemas.openxmlformats.org/presentationml/2006/main">
-  <p:cSld>
     <p:spTree>
       <p:nvGrpSpPr>
         <p:cNvPr id="1" name=""/>
@@ -26180,7 +25585,7 @@
 </p:sld>
 </file>
 
-<file path=ppt/slides/slide12.xml><?xml version="1.0" encoding="utf-8"?>
+<file path=ppt/slides/slide11.xml><?xml version="1.0" encoding="utf-8"?>
 <p:sld xmlns:a="http://schemas.openxmlformats.org/drawingml/2006/main" xmlns:r="http://schemas.openxmlformats.org/officeDocument/2006/relationships" xmlns:p="http://schemas.openxmlformats.org/presentationml/2006/main">
   <p:cSld>
     <p:bg>
@@ -26533,7 +25938,7 @@
 </p:sld>
 </file>
 
-<file path=ppt/slides/slide13.xml><?xml version="1.0" encoding="utf-8"?>
+<file path=ppt/slides/slide12.xml><?xml version="1.0" encoding="utf-8"?>
 <p:sld xmlns:a="http://schemas.openxmlformats.org/drawingml/2006/main" xmlns:r="http://schemas.openxmlformats.org/officeDocument/2006/relationships" xmlns:p="http://schemas.openxmlformats.org/presentationml/2006/main">
   <p:cSld>
     <p:bg>
@@ -27123,7 +26528,7 @@
 </p:sld>
 </file>
 
-<file path=ppt/slides/slide14.xml><?xml version="1.0" encoding="utf-8"?>
+<file path=ppt/slides/slide13.xml><?xml version="1.0" encoding="utf-8"?>
 <p:sld xmlns:a="http://schemas.openxmlformats.org/drawingml/2006/main" xmlns:r="http://schemas.openxmlformats.org/officeDocument/2006/relationships" xmlns:p="http://schemas.openxmlformats.org/presentationml/2006/main">
   <p:cSld>
     <p:spTree>
@@ -27542,7 +26947,7 @@
 </p:sld>
 </file>
 
-<file path=ppt/slides/slide15.xml><?xml version="1.0" encoding="utf-8"?>
+<file path=ppt/slides/slide14.xml><?xml version="1.0" encoding="utf-8"?>
 <p:sld xmlns:a="http://schemas.openxmlformats.org/drawingml/2006/main" xmlns:r="http://schemas.openxmlformats.org/officeDocument/2006/relationships" xmlns:p="http://schemas.openxmlformats.org/presentationml/2006/main">
   <p:cSld>
     <p:bg>
@@ -28029,7 +27434,7 @@
 </p:sld>
 </file>
 
-<file path=ppt/slides/slide16.xml><?xml version="1.0" encoding="utf-8"?>
+<file path=ppt/slides/slide15.xml><?xml version="1.0" encoding="utf-8"?>
 <p:sld xmlns:a="http://schemas.openxmlformats.org/drawingml/2006/main" xmlns:r="http://schemas.openxmlformats.org/officeDocument/2006/relationships" xmlns:p="http://schemas.openxmlformats.org/presentationml/2006/main">
   <p:cSld>
     <p:spTree>
@@ -28136,7 +27541,7 @@
 </p:sld>
 </file>
 
-<file path=ppt/slides/slide17.xml><?xml version="1.0" encoding="utf-8"?>
+<file path=ppt/slides/slide16.xml><?xml version="1.0" encoding="utf-8"?>
 <p:sld xmlns:a="http://schemas.openxmlformats.org/drawingml/2006/main" xmlns:r="http://schemas.openxmlformats.org/officeDocument/2006/relationships" xmlns:p="http://schemas.openxmlformats.org/presentationml/2006/main">
   <p:cSld>
     <p:bg>
@@ -28675,7 +28080,7 @@
 </p:sld>
 </file>
 
-<file path=ppt/slides/slide18.xml><?xml version="1.0" encoding="utf-8"?>
+<file path=ppt/slides/slide17.xml><?xml version="1.0" encoding="utf-8"?>
 <p:sld xmlns:a="http://schemas.openxmlformats.org/drawingml/2006/main" xmlns:r="http://schemas.openxmlformats.org/officeDocument/2006/relationships" xmlns:p="http://schemas.openxmlformats.org/presentationml/2006/main">
   <p:cSld>
     <p:bg>
@@ -29521,7 +28926,7 @@
 </p:sld>
 </file>
 
-<file path=ppt/slides/slide19.xml><?xml version="1.0" encoding="utf-8"?>
+<file path=ppt/slides/slide18.xml><?xml version="1.0" encoding="utf-8"?>
 <p:sld xmlns:a="http://schemas.openxmlformats.org/drawingml/2006/main" xmlns:r="http://schemas.openxmlformats.org/officeDocument/2006/relationships" xmlns:p="http://schemas.openxmlformats.org/presentationml/2006/main">
   <p:cSld>
     <p:spTree>
@@ -29725,360 +29130,7 @@
 </p:sld>
 </file>
 
-<file path=ppt/slides/slide2.xml><?xml version="1.0" encoding="utf-8"?>
-<p:sld xmlns:a="http://schemas.openxmlformats.org/drawingml/2006/main" xmlns:r="http://schemas.openxmlformats.org/officeDocument/2006/relationships" xmlns:p="http://schemas.openxmlformats.org/presentationml/2006/main">
-  <p:cSld>
-    <p:bg>
-      <p:bgPr>
-        <a:solidFill>
-          <a:schemeClr val="bg1"/>
-        </a:solidFill>
-        <a:effectLst/>
-      </p:bgPr>
-    </p:bg>
-    <p:spTree>
-      <p:nvGrpSpPr>
-        <p:cNvPr id="1" name=""/>
-        <p:cNvGrpSpPr/>
-        <p:nvPr/>
-      </p:nvGrpSpPr>
-      <p:grpSpPr>
-        <a:xfrm>
-          <a:off x="0" y="0"/>
-          <a:ext cx="0" cy="0"/>
-          <a:chOff x="0" y="0"/>
-          <a:chExt cx="0" cy="0"/>
-        </a:xfrm>
-      </p:grpSpPr>
-      <p:sp useBgFill="1">
-        <p:nvSpPr>
-          <p:cNvPr id="23" name="Rectangle 22">
-            <a:extLst>
-              <a:ext uri="{FF2B5EF4-FFF2-40B4-BE49-F238E27FC236}">
-                <a16:creationId xmlns:a16="http://schemas.microsoft.com/office/drawing/2014/main" id="{7301F447-EEF7-48F5-AF73-7566EE7F64AD}"/>
-              </a:ext>
-              <a:ext uri="{C183D7F6-B498-43B3-948B-1728B52AA6E4}">
-                <adec:decorative xmlns:adec="http://schemas.microsoft.com/office/drawing/2017/decorative" val="1"/>
-              </a:ext>
-            </a:extLst>
-          </p:cNvPr>
-          <p:cNvSpPr>
-            <a:spLocks noGrp="1" noRot="1" noChangeAspect="1" noMove="1" noResize="1" noEditPoints="1" noAdjustHandles="1" noChangeArrowheads="1" noChangeShapeType="1" noTextEdit="1"/>
-          </p:cNvSpPr>
-          <p:nvPr>
-            <p:extLst>
-              <p:ext uri="{386F3935-93C4-4BCD-93E2-E3B085C9AB24}">
-                <p16:designElem xmlns:p16="http://schemas.microsoft.com/office/powerpoint/2015/main" val="1"/>
-              </p:ext>
-            </p:extLst>
-          </p:nvPr>
-        </p:nvSpPr>
-        <p:spPr>
-          <a:xfrm>
-            <a:off x="0" y="0"/>
-            <a:ext cx="12192000" cy="6858000"/>
-          </a:xfrm>
-          <a:prstGeom prst="rect">
-            <a:avLst/>
-          </a:prstGeom>
-          <a:ln>
-            <a:noFill/>
-          </a:ln>
-        </p:spPr>
-        <p:style>
-          <a:lnRef idx="2">
-            <a:schemeClr val="accent1">
-              <a:shade val="50000"/>
-            </a:schemeClr>
-          </a:lnRef>
-          <a:fillRef idx="1">
-            <a:schemeClr val="accent1"/>
-          </a:fillRef>
-          <a:effectRef idx="0">
-            <a:schemeClr val="accent1"/>
-          </a:effectRef>
-          <a:fontRef idx="minor">
-            <a:schemeClr val="lt1"/>
-          </a:fontRef>
-        </p:style>
-        <p:txBody>
-          <a:bodyPr rtlCol="0" anchor="ctr"/>
-          <a:lstStyle/>
-          <a:p>
-            <a:pPr algn="ctr"/>
-            <a:endParaRPr lang="en-US"/>
-          </a:p>
-        </p:txBody>
-      </p:sp>
-      <p:sp>
-        <p:nvSpPr>
-          <p:cNvPr id="2" name="Title 1">
-            <a:extLst>
-              <a:ext uri="{FF2B5EF4-FFF2-40B4-BE49-F238E27FC236}">
-                <a16:creationId xmlns:a16="http://schemas.microsoft.com/office/drawing/2014/main" id="{4A0B06F8-B6A3-4A9F-B682-08F5E6290233}"/>
-              </a:ext>
-            </a:extLst>
-          </p:cNvPr>
-          <p:cNvSpPr>
-            <a:spLocks noGrp="1"/>
-          </p:cNvSpPr>
-          <p:nvPr>
-            <p:ph type="title"/>
-          </p:nvPr>
-        </p:nvSpPr>
-        <p:spPr>
-          <a:xfrm>
-            <a:off x="841248" y="334644"/>
-            <a:ext cx="10509504" cy="1076914"/>
-          </a:xfrm>
-        </p:spPr>
-        <p:txBody>
-          <a:bodyPr anchor="ctr">
-            <a:normAutofit/>
-          </a:bodyPr>
-          <a:lstStyle/>
-          <a:p>
-            <a:r>
-              <a:rPr lang="en-GB" dirty="0"/>
-              <a:t>Agenda</a:t>
-            </a:r>
-            <a:endParaRPr lang="en-GB"/>
-          </a:p>
-        </p:txBody>
-      </p:sp>
-      <p:sp>
-        <p:nvSpPr>
-          <p:cNvPr id="25" name="Rectangle 24">
-            <a:extLst>
-              <a:ext uri="{FF2B5EF4-FFF2-40B4-BE49-F238E27FC236}">
-                <a16:creationId xmlns:a16="http://schemas.microsoft.com/office/drawing/2014/main" id="{F7117410-A2A4-4085-9ADC-46744551DBDE}"/>
-              </a:ext>
-              <a:ext uri="{C183D7F6-B498-43B3-948B-1728B52AA6E4}">
-                <adec:decorative xmlns:adec="http://schemas.microsoft.com/office/drawing/2017/decorative" val="1"/>
-              </a:ext>
-            </a:extLst>
-          </p:cNvPr>
-          <p:cNvSpPr>
-            <a:spLocks noGrp="1" noRot="1" noChangeAspect="1" noMove="1" noResize="1" noEditPoints="1" noAdjustHandles="1" noChangeArrowheads="1" noChangeShapeType="1" noTextEdit="1"/>
-          </p:cNvSpPr>
-          <p:nvPr>
-            <p:extLst>
-              <p:ext uri="{386F3935-93C4-4BCD-93E2-E3B085C9AB24}">
-                <p16:designElem xmlns:p16="http://schemas.microsoft.com/office/powerpoint/2015/main" val="1"/>
-              </p:ext>
-            </p:extLst>
-          </p:nvPr>
-        </p:nvSpPr>
-        <p:spPr>
-          <a:xfrm>
-            <a:off x="842772" y="0"/>
-            <a:ext cx="10506456" cy="191386"/>
-          </a:xfrm>
-          <a:prstGeom prst="rect">
-            <a:avLst/>
-          </a:prstGeom>
-          <a:solidFill>
-            <a:schemeClr val="accent1"/>
-          </a:solidFill>
-          <a:ln>
-            <a:noFill/>
-          </a:ln>
-        </p:spPr>
-        <p:style>
-          <a:lnRef idx="2">
-            <a:schemeClr val="accent1">
-              <a:shade val="50000"/>
-            </a:schemeClr>
-          </a:lnRef>
-          <a:fillRef idx="1">
-            <a:schemeClr val="accent1"/>
-          </a:fillRef>
-          <a:effectRef idx="0">
-            <a:schemeClr val="accent1"/>
-          </a:effectRef>
-          <a:fontRef idx="minor">
-            <a:schemeClr val="lt1"/>
-          </a:fontRef>
-        </p:style>
-        <p:txBody>
-          <a:bodyPr rtlCol="0" anchor="ctr"/>
-          <a:lstStyle/>
-          <a:p>
-            <a:pPr marL="0" marR="0" lvl="0" indent="0" algn="ctr" defTabSz="914400" rtl="0" eaLnBrk="1" fontAlgn="auto" latinLnBrk="0" hangingPunct="1">
-              <a:lnSpc>
-                <a:spcPct val="100000"/>
-              </a:lnSpc>
-              <a:spcBef>
-                <a:spcPts val="0"/>
-              </a:spcBef>
-              <a:spcAft>
-                <a:spcPts val="0"/>
-              </a:spcAft>
-              <a:buClrTx/>
-              <a:buSzTx/>
-              <a:buFontTx/>
-              <a:buNone/>
-              <a:tabLst/>
-              <a:defRPr/>
-            </a:pPr>
-            <a:endParaRPr kumimoji="0" lang="en-US" sz="1800" b="0" i="0" u="none" strike="noStrike" kern="1200" cap="none" spc="0" normalizeH="0" baseline="0" noProof="0">
-              <a:ln>
-                <a:noFill/>
-              </a:ln>
-              <a:solidFill>
-                <a:prstClr val="white"/>
-              </a:solidFill>
-              <a:effectLst/>
-              <a:uLnTx/>
-              <a:uFillTx/>
-              <a:latin typeface="Calibri" panose="020F0502020204030204"/>
-              <a:ea typeface="+mn-ea"/>
-              <a:cs typeface="+mn-cs"/>
-            </a:endParaRPr>
-          </a:p>
-        </p:txBody>
-      </p:sp>
-      <p:sp>
-        <p:nvSpPr>
-          <p:cNvPr id="27" name="Rectangle 26">
-            <a:extLst>
-              <a:ext uri="{FF2B5EF4-FFF2-40B4-BE49-F238E27FC236}">
-                <a16:creationId xmlns:a16="http://schemas.microsoft.com/office/drawing/2014/main" id="{99F74EB5-E547-4FB4-95F5-BCC788F3C4A0}"/>
-              </a:ext>
-              <a:ext uri="{C183D7F6-B498-43B3-948B-1728B52AA6E4}">
-                <adec:decorative xmlns:adec="http://schemas.microsoft.com/office/drawing/2017/decorative" val="1"/>
-              </a:ext>
-            </a:extLst>
-          </p:cNvPr>
-          <p:cNvSpPr>
-            <a:spLocks noGrp="1" noRot="1" noChangeAspect="1" noMove="1" noResize="1" noEditPoints="1" noAdjustHandles="1" noChangeArrowheads="1" noChangeShapeType="1" noTextEdit="1"/>
-          </p:cNvSpPr>
-          <p:nvPr>
-            <p:extLst>
-              <p:ext uri="{386F3935-93C4-4BCD-93E2-E3B085C9AB24}">
-                <p16:designElem xmlns:p16="http://schemas.microsoft.com/office/powerpoint/2015/main" val="1"/>
-              </p:ext>
-            </p:extLst>
-          </p:nvPr>
-        </p:nvSpPr>
-        <p:spPr>
-          <a:xfrm>
-            <a:off x="841248" y="1512994"/>
-            <a:ext cx="10506456" cy="18288"/>
-          </a:xfrm>
-          <a:prstGeom prst="rect">
-            <a:avLst/>
-          </a:prstGeom>
-          <a:solidFill>
-            <a:schemeClr val="tx2">
-              <a:lumMod val="25000"/>
-              <a:lumOff val="75000"/>
-            </a:schemeClr>
-          </a:solidFill>
-          <a:ln w="3175">
-            <a:noFill/>
-          </a:ln>
-          <a:effectLst/>
-        </p:spPr>
-        <p:style>
-          <a:lnRef idx="2">
-            <a:schemeClr val="accent1">
-              <a:shade val="50000"/>
-            </a:schemeClr>
-          </a:lnRef>
-          <a:fillRef idx="1">
-            <a:schemeClr val="accent1"/>
-          </a:fillRef>
-          <a:effectRef idx="0">
-            <a:schemeClr val="accent1"/>
-          </a:effectRef>
-          <a:fontRef idx="minor">
-            <a:schemeClr val="lt1"/>
-          </a:fontRef>
-        </p:style>
-        <p:txBody>
-          <a:bodyPr rtlCol="0" anchor="ctr"/>
-          <a:lstStyle/>
-          <a:p>
-            <a:pPr marL="0" marR="0" lvl="0" indent="0" algn="ctr" defTabSz="914400" rtl="0" eaLnBrk="1" fontAlgn="auto" latinLnBrk="0" hangingPunct="1">
-              <a:lnSpc>
-                <a:spcPct val="100000"/>
-              </a:lnSpc>
-              <a:spcBef>
-                <a:spcPts val="0"/>
-              </a:spcBef>
-              <a:spcAft>
-                <a:spcPts val="0"/>
-              </a:spcAft>
-              <a:buClrTx/>
-              <a:buSzTx/>
-              <a:buFontTx/>
-              <a:buNone/>
-              <a:tabLst/>
-              <a:defRPr/>
-            </a:pPr>
-            <a:endParaRPr kumimoji="0" lang="en-US" sz="1800" b="0" i="0" u="none" strike="noStrike" kern="1200" cap="none" spc="0" normalizeH="0" baseline="0" noProof="0">
-              <a:ln>
-                <a:noFill/>
-              </a:ln>
-              <a:solidFill>
-                <a:prstClr val="white"/>
-              </a:solidFill>
-              <a:effectLst/>
-              <a:uLnTx/>
-              <a:uFillTx/>
-              <a:latin typeface="Calibri" panose="020F0502020204030204"/>
-              <a:ea typeface="+mn-ea"/>
-              <a:cs typeface="+mn-cs"/>
-            </a:endParaRPr>
-          </a:p>
-        </p:txBody>
-      </p:sp>
-      <p:graphicFrame>
-        <p:nvGraphicFramePr>
-          <p:cNvPr id="18" name="Content Placeholder 2">
-            <a:extLst>
-              <a:ext uri="{FF2B5EF4-FFF2-40B4-BE49-F238E27FC236}">
-                <a16:creationId xmlns:a16="http://schemas.microsoft.com/office/drawing/2014/main" id="{7922B4ED-B42B-4C5F-AEFF-4C997725D3FF}"/>
-              </a:ext>
-            </a:extLst>
-          </p:cNvPr>
-          <p:cNvGraphicFramePr>
-            <a:graphicFrameLocks noGrp="1"/>
-          </p:cNvGraphicFramePr>
-          <p:nvPr>
-            <p:ph idx="1"/>
-            <p:extLst>
-              <p:ext uri="{D42A27DB-BD31-4B8C-83A1-F6EECF244321}">
-                <p14:modId xmlns:p14="http://schemas.microsoft.com/office/powerpoint/2010/main" val="3344003449"/>
-              </p:ext>
-            </p:extLst>
-          </p:nvPr>
-        </p:nvGraphicFramePr>
-        <p:xfrm>
-          <a:off x="838200" y="1737360"/>
-          <a:ext cx="10506456" cy="4535424"/>
-        </p:xfrm>
-        <a:graphic>
-          <a:graphicData uri="http://schemas.openxmlformats.org/drawingml/2006/diagram">
-            <dgm:relIds xmlns:dgm="http://schemas.openxmlformats.org/drawingml/2006/diagram" xmlns:r="http://schemas.openxmlformats.org/officeDocument/2006/relationships" r:dm="rId3" r:lo="rId4" r:qs="rId5" r:cs="rId6"/>
-          </a:graphicData>
-        </a:graphic>
-      </p:graphicFrame>
-    </p:spTree>
-    <p:extLst>
-      <p:ext uri="{BB962C8B-B14F-4D97-AF65-F5344CB8AC3E}">
-        <p14:creationId xmlns:p14="http://schemas.microsoft.com/office/powerpoint/2010/main" val="1671620659"/>
-      </p:ext>
-    </p:extLst>
-  </p:cSld>
-  <p:clrMapOvr>
-    <a:masterClrMapping/>
-  </p:clrMapOvr>
-</p:sld>
-</file>
-
-<file path=ppt/slides/slide20.xml><?xml version="1.0" encoding="utf-8"?>
+<file path=ppt/slides/slide19.xml><?xml version="1.0" encoding="utf-8"?>
 <p:sld xmlns:a="http://schemas.openxmlformats.org/drawingml/2006/main" xmlns:r="http://schemas.openxmlformats.org/officeDocument/2006/relationships" xmlns:p="http://schemas.openxmlformats.org/presentationml/2006/main">
   <p:cSld>
     <p:bg>
@@ -30716,7 +29768,360 @@
 </p:sld>
 </file>
 
-<file path=ppt/slides/slide21.xml><?xml version="1.0" encoding="utf-8"?>
+<file path=ppt/slides/slide2.xml><?xml version="1.0" encoding="utf-8"?>
+<p:sld xmlns:a="http://schemas.openxmlformats.org/drawingml/2006/main" xmlns:r="http://schemas.openxmlformats.org/officeDocument/2006/relationships" xmlns:p="http://schemas.openxmlformats.org/presentationml/2006/main">
+  <p:cSld>
+    <p:bg>
+      <p:bgPr>
+        <a:solidFill>
+          <a:schemeClr val="bg1"/>
+        </a:solidFill>
+        <a:effectLst/>
+      </p:bgPr>
+    </p:bg>
+    <p:spTree>
+      <p:nvGrpSpPr>
+        <p:cNvPr id="1" name=""/>
+        <p:cNvGrpSpPr/>
+        <p:nvPr/>
+      </p:nvGrpSpPr>
+      <p:grpSpPr>
+        <a:xfrm>
+          <a:off x="0" y="0"/>
+          <a:ext cx="0" cy="0"/>
+          <a:chOff x="0" y="0"/>
+          <a:chExt cx="0" cy="0"/>
+        </a:xfrm>
+      </p:grpSpPr>
+      <p:sp useBgFill="1">
+        <p:nvSpPr>
+          <p:cNvPr id="23" name="Rectangle 22">
+            <a:extLst>
+              <a:ext uri="{FF2B5EF4-FFF2-40B4-BE49-F238E27FC236}">
+                <a16:creationId xmlns:a16="http://schemas.microsoft.com/office/drawing/2014/main" id="{7301F447-EEF7-48F5-AF73-7566EE7F64AD}"/>
+              </a:ext>
+              <a:ext uri="{C183D7F6-B498-43B3-948B-1728B52AA6E4}">
+                <adec:decorative xmlns:adec="http://schemas.microsoft.com/office/drawing/2017/decorative" val="1"/>
+              </a:ext>
+            </a:extLst>
+          </p:cNvPr>
+          <p:cNvSpPr>
+            <a:spLocks noGrp="1" noRot="1" noChangeAspect="1" noMove="1" noResize="1" noEditPoints="1" noAdjustHandles="1" noChangeArrowheads="1" noChangeShapeType="1" noTextEdit="1"/>
+          </p:cNvSpPr>
+          <p:nvPr>
+            <p:extLst>
+              <p:ext uri="{386F3935-93C4-4BCD-93E2-E3B085C9AB24}">
+                <p16:designElem xmlns:p16="http://schemas.microsoft.com/office/powerpoint/2015/main" val="1"/>
+              </p:ext>
+            </p:extLst>
+          </p:nvPr>
+        </p:nvSpPr>
+        <p:spPr>
+          <a:xfrm>
+            <a:off x="0" y="0"/>
+            <a:ext cx="12192000" cy="6858000"/>
+          </a:xfrm>
+          <a:prstGeom prst="rect">
+            <a:avLst/>
+          </a:prstGeom>
+          <a:ln>
+            <a:noFill/>
+          </a:ln>
+        </p:spPr>
+        <p:style>
+          <a:lnRef idx="2">
+            <a:schemeClr val="accent1">
+              <a:shade val="50000"/>
+            </a:schemeClr>
+          </a:lnRef>
+          <a:fillRef idx="1">
+            <a:schemeClr val="accent1"/>
+          </a:fillRef>
+          <a:effectRef idx="0">
+            <a:schemeClr val="accent1"/>
+          </a:effectRef>
+          <a:fontRef idx="minor">
+            <a:schemeClr val="lt1"/>
+          </a:fontRef>
+        </p:style>
+        <p:txBody>
+          <a:bodyPr rtlCol="0" anchor="ctr"/>
+          <a:lstStyle/>
+          <a:p>
+            <a:pPr algn="ctr"/>
+            <a:endParaRPr lang="en-US"/>
+          </a:p>
+        </p:txBody>
+      </p:sp>
+      <p:sp>
+        <p:nvSpPr>
+          <p:cNvPr id="2" name="Title 1">
+            <a:extLst>
+              <a:ext uri="{FF2B5EF4-FFF2-40B4-BE49-F238E27FC236}">
+                <a16:creationId xmlns:a16="http://schemas.microsoft.com/office/drawing/2014/main" id="{4A0B06F8-B6A3-4A9F-B682-08F5E6290233}"/>
+              </a:ext>
+            </a:extLst>
+          </p:cNvPr>
+          <p:cNvSpPr>
+            <a:spLocks noGrp="1"/>
+          </p:cNvSpPr>
+          <p:nvPr>
+            <p:ph type="title"/>
+          </p:nvPr>
+        </p:nvSpPr>
+        <p:spPr>
+          <a:xfrm>
+            <a:off x="841248" y="334644"/>
+            <a:ext cx="10509504" cy="1076914"/>
+          </a:xfrm>
+        </p:spPr>
+        <p:txBody>
+          <a:bodyPr anchor="ctr">
+            <a:normAutofit/>
+          </a:bodyPr>
+          <a:lstStyle/>
+          <a:p>
+            <a:r>
+              <a:rPr lang="en-GB" dirty="0"/>
+              <a:t>Agenda</a:t>
+            </a:r>
+            <a:endParaRPr lang="en-GB"/>
+          </a:p>
+        </p:txBody>
+      </p:sp>
+      <p:sp>
+        <p:nvSpPr>
+          <p:cNvPr id="25" name="Rectangle 24">
+            <a:extLst>
+              <a:ext uri="{FF2B5EF4-FFF2-40B4-BE49-F238E27FC236}">
+                <a16:creationId xmlns:a16="http://schemas.microsoft.com/office/drawing/2014/main" id="{F7117410-A2A4-4085-9ADC-46744551DBDE}"/>
+              </a:ext>
+              <a:ext uri="{C183D7F6-B498-43B3-948B-1728B52AA6E4}">
+                <adec:decorative xmlns:adec="http://schemas.microsoft.com/office/drawing/2017/decorative" val="1"/>
+              </a:ext>
+            </a:extLst>
+          </p:cNvPr>
+          <p:cNvSpPr>
+            <a:spLocks noGrp="1" noRot="1" noChangeAspect="1" noMove="1" noResize="1" noEditPoints="1" noAdjustHandles="1" noChangeArrowheads="1" noChangeShapeType="1" noTextEdit="1"/>
+          </p:cNvSpPr>
+          <p:nvPr>
+            <p:extLst>
+              <p:ext uri="{386F3935-93C4-4BCD-93E2-E3B085C9AB24}">
+                <p16:designElem xmlns:p16="http://schemas.microsoft.com/office/powerpoint/2015/main" val="1"/>
+              </p:ext>
+            </p:extLst>
+          </p:nvPr>
+        </p:nvSpPr>
+        <p:spPr>
+          <a:xfrm>
+            <a:off x="842772" y="0"/>
+            <a:ext cx="10506456" cy="191386"/>
+          </a:xfrm>
+          <a:prstGeom prst="rect">
+            <a:avLst/>
+          </a:prstGeom>
+          <a:solidFill>
+            <a:schemeClr val="accent1"/>
+          </a:solidFill>
+          <a:ln>
+            <a:noFill/>
+          </a:ln>
+        </p:spPr>
+        <p:style>
+          <a:lnRef idx="2">
+            <a:schemeClr val="accent1">
+              <a:shade val="50000"/>
+            </a:schemeClr>
+          </a:lnRef>
+          <a:fillRef idx="1">
+            <a:schemeClr val="accent1"/>
+          </a:fillRef>
+          <a:effectRef idx="0">
+            <a:schemeClr val="accent1"/>
+          </a:effectRef>
+          <a:fontRef idx="minor">
+            <a:schemeClr val="lt1"/>
+          </a:fontRef>
+        </p:style>
+        <p:txBody>
+          <a:bodyPr rtlCol="0" anchor="ctr"/>
+          <a:lstStyle/>
+          <a:p>
+            <a:pPr marL="0" marR="0" lvl="0" indent="0" algn="ctr" defTabSz="914400" rtl="0" eaLnBrk="1" fontAlgn="auto" latinLnBrk="0" hangingPunct="1">
+              <a:lnSpc>
+                <a:spcPct val="100000"/>
+              </a:lnSpc>
+              <a:spcBef>
+                <a:spcPts val="0"/>
+              </a:spcBef>
+              <a:spcAft>
+                <a:spcPts val="0"/>
+              </a:spcAft>
+              <a:buClrTx/>
+              <a:buSzTx/>
+              <a:buFontTx/>
+              <a:buNone/>
+              <a:tabLst/>
+              <a:defRPr/>
+            </a:pPr>
+            <a:endParaRPr kumimoji="0" lang="en-US" sz="1800" b="0" i="0" u="none" strike="noStrike" kern="1200" cap="none" spc="0" normalizeH="0" baseline="0" noProof="0">
+              <a:ln>
+                <a:noFill/>
+              </a:ln>
+              <a:solidFill>
+                <a:prstClr val="white"/>
+              </a:solidFill>
+              <a:effectLst/>
+              <a:uLnTx/>
+              <a:uFillTx/>
+              <a:latin typeface="Calibri" panose="020F0502020204030204"/>
+              <a:ea typeface="+mn-ea"/>
+              <a:cs typeface="+mn-cs"/>
+            </a:endParaRPr>
+          </a:p>
+        </p:txBody>
+      </p:sp>
+      <p:sp>
+        <p:nvSpPr>
+          <p:cNvPr id="27" name="Rectangle 26">
+            <a:extLst>
+              <a:ext uri="{FF2B5EF4-FFF2-40B4-BE49-F238E27FC236}">
+                <a16:creationId xmlns:a16="http://schemas.microsoft.com/office/drawing/2014/main" id="{99F74EB5-E547-4FB4-95F5-BCC788F3C4A0}"/>
+              </a:ext>
+              <a:ext uri="{C183D7F6-B498-43B3-948B-1728B52AA6E4}">
+                <adec:decorative xmlns:adec="http://schemas.microsoft.com/office/drawing/2017/decorative" val="1"/>
+              </a:ext>
+            </a:extLst>
+          </p:cNvPr>
+          <p:cNvSpPr>
+            <a:spLocks noGrp="1" noRot="1" noChangeAspect="1" noMove="1" noResize="1" noEditPoints="1" noAdjustHandles="1" noChangeArrowheads="1" noChangeShapeType="1" noTextEdit="1"/>
+          </p:cNvSpPr>
+          <p:nvPr>
+            <p:extLst>
+              <p:ext uri="{386F3935-93C4-4BCD-93E2-E3B085C9AB24}">
+                <p16:designElem xmlns:p16="http://schemas.microsoft.com/office/powerpoint/2015/main" val="1"/>
+              </p:ext>
+            </p:extLst>
+          </p:nvPr>
+        </p:nvSpPr>
+        <p:spPr>
+          <a:xfrm>
+            <a:off x="841248" y="1512994"/>
+            <a:ext cx="10506456" cy="18288"/>
+          </a:xfrm>
+          <a:prstGeom prst="rect">
+            <a:avLst/>
+          </a:prstGeom>
+          <a:solidFill>
+            <a:schemeClr val="tx2">
+              <a:lumMod val="25000"/>
+              <a:lumOff val="75000"/>
+            </a:schemeClr>
+          </a:solidFill>
+          <a:ln w="3175">
+            <a:noFill/>
+          </a:ln>
+          <a:effectLst/>
+        </p:spPr>
+        <p:style>
+          <a:lnRef idx="2">
+            <a:schemeClr val="accent1">
+              <a:shade val="50000"/>
+            </a:schemeClr>
+          </a:lnRef>
+          <a:fillRef idx="1">
+            <a:schemeClr val="accent1"/>
+          </a:fillRef>
+          <a:effectRef idx="0">
+            <a:schemeClr val="accent1"/>
+          </a:effectRef>
+          <a:fontRef idx="minor">
+            <a:schemeClr val="lt1"/>
+          </a:fontRef>
+        </p:style>
+        <p:txBody>
+          <a:bodyPr rtlCol="0" anchor="ctr"/>
+          <a:lstStyle/>
+          <a:p>
+            <a:pPr marL="0" marR="0" lvl="0" indent="0" algn="ctr" defTabSz="914400" rtl="0" eaLnBrk="1" fontAlgn="auto" latinLnBrk="0" hangingPunct="1">
+              <a:lnSpc>
+                <a:spcPct val="100000"/>
+              </a:lnSpc>
+              <a:spcBef>
+                <a:spcPts val="0"/>
+              </a:spcBef>
+              <a:spcAft>
+                <a:spcPts val="0"/>
+              </a:spcAft>
+              <a:buClrTx/>
+              <a:buSzTx/>
+              <a:buFontTx/>
+              <a:buNone/>
+              <a:tabLst/>
+              <a:defRPr/>
+            </a:pPr>
+            <a:endParaRPr kumimoji="0" lang="en-US" sz="1800" b="0" i="0" u="none" strike="noStrike" kern="1200" cap="none" spc="0" normalizeH="0" baseline="0" noProof="0">
+              <a:ln>
+                <a:noFill/>
+              </a:ln>
+              <a:solidFill>
+                <a:prstClr val="white"/>
+              </a:solidFill>
+              <a:effectLst/>
+              <a:uLnTx/>
+              <a:uFillTx/>
+              <a:latin typeface="Calibri" panose="020F0502020204030204"/>
+              <a:ea typeface="+mn-ea"/>
+              <a:cs typeface="+mn-cs"/>
+            </a:endParaRPr>
+          </a:p>
+        </p:txBody>
+      </p:sp>
+      <p:graphicFrame>
+        <p:nvGraphicFramePr>
+          <p:cNvPr id="18" name="Content Placeholder 2">
+            <a:extLst>
+              <a:ext uri="{FF2B5EF4-FFF2-40B4-BE49-F238E27FC236}">
+                <a16:creationId xmlns:a16="http://schemas.microsoft.com/office/drawing/2014/main" id="{7922B4ED-B42B-4C5F-AEFF-4C997725D3FF}"/>
+              </a:ext>
+            </a:extLst>
+          </p:cNvPr>
+          <p:cNvGraphicFramePr>
+            <a:graphicFrameLocks noGrp="1"/>
+          </p:cNvGraphicFramePr>
+          <p:nvPr>
+            <p:ph idx="1"/>
+            <p:extLst>
+              <p:ext uri="{D42A27DB-BD31-4B8C-83A1-F6EECF244321}">
+                <p14:modId xmlns:p14="http://schemas.microsoft.com/office/powerpoint/2010/main" val="3344003449"/>
+              </p:ext>
+            </p:extLst>
+          </p:nvPr>
+        </p:nvGraphicFramePr>
+        <p:xfrm>
+          <a:off x="838200" y="1737360"/>
+          <a:ext cx="10506456" cy="4535424"/>
+        </p:xfrm>
+        <a:graphic>
+          <a:graphicData uri="http://schemas.openxmlformats.org/drawingml/2006/diagram">
+            <dgm:relIds xmlns:dgm="http://schemas.openxmlformats.org/drawingml/2006/diagram" xmlns:r="http://schemas.openxmlformats.org/officeDocument/2006/relationships" r:dm="rId3" r:lo="rId4" r:qs="rId5" r:cs="rId6"/>
+          </a:graphicData>
+        </a:graphic>
+      </p:graphicFrame>
+    </p:spTree>
+    <p:extLst>
+      <p:ext uri="{BB962C8B-B14F-4D97-AF65-F5344CB8AC3E}">
+        <p14:creationId xmlns:p14="http://schemas.microsoft.com/office/powerpoint/2010/main" val="1671620659"/>
+      </p:ext>
+    </p:extLst>
+  </p:cSld>
+  <p:clrMapOvr>
+    <a:masterClrMapping/>
+  </p:clrMapOvr>
+</p:sld>
+</file>
+
+<file path=ppt/slides/slide20.xml><?xml version="1.0" encoding="utf-8"?>
 <p:sld xmlns:a="http://schemas.openxmlformats.org/drawingml/2006/main" xmlns:r="http://schemas.openxmlformats.org/officeDocument/2006/relationships" xmlns:p="http://schemas.openxmlformats.org/presentationml/2006/main">
   <p:cSld>
     <p:spTree>
@@ -30821,7 +30226,7 @@
 </p:sld>
 </file>
 
-<file path=ppt/slides/slide22.xml><?xml version="1.0" encoding="utf-8"?>
+<file path=ppt/slides/slide21.xml><?xml version="1.0" encoding="utf-8"?>
 <p:sld xmlns:a="http://schemas.openxmlformats.org/drawingml/2006/main" xmlns:r="http://schemas.openxmlformats.org/officeDocument/2006/relationships" xmlns:p="http://schemas.openxmlformats.org/presentationml/2006/main">
   <p:cSld>
     <p:bg>
@@ -31608,7 +31013,7 @@
 </p:sld>
 </file>
 
-<file path=ppt/slides/slide23.xml><?xml version="1.0" encoding="utf-8"?>
+<file path=ppt/slides/slide22.xml><?xml version="1.0" encoding="utf-8"?>
 <p:sld xmlns:a="http://schemas.openxmlformats.org/drawingml/2006/main" xmlns:r="http://schemas.openxmlformats.org/officeDocument/2006/relationships" xmlns:p="http://schemas.openxmlformats.org/presentationml/2006/main">
   <p:cSld>
     <p:bg>
@@ -31968,7 +31373,7 @@
 </p:sld>
 </file>
 
-<file path=ppt/slides/slide24.xml><?xml version="1.0" encoding="utf-8"?>
+<file path=ppt/slides/slide23.xml><?xml version="1.0" encoding="utf-8"?>
 <p:sld xmlns:a="http://schemas.openxmlformats.org/drawingml/2006/main" xmlns:r="http://schemas.openxmlformats.org/officeDocument/2006/relationships" xmlns:p="http://schemas.openxmlformats.org/presentationml/2006/main">
   <p:cSld>
     <p:bg>
@@ -32516,7 +31921,7 @@
 </p:sld>
 </file>
 
-<file path=ppt/slides/slide25.xml><?xml version="1.0" encoding="utf-8"?>
+<file path=ppt/slides/slide24.xml><?xml version="1.0" encoding="utf-8"?>
 <p:sld xmlns:a="http://schemas.openxmlformats.org/drawingml/2006/main" xmlns:r="http://schemas.openxmlformats.org/officeDocument/2006/relationships" xmlns:p="http://schemas.openxmlformats.org/presentationml/2006/main">
   <p:cSld>
     <p:bg>
@@ -33604,7 +33009,7 @@
 </p:sld>
 </file>
 
-<file path=ppt/slides/slide26.xml><?xml version="1.0" encoding="utf-8"?>
+<file path=ppt/slides/slide25.xml><?xml version="1.0" encoding="utf-8"?>
 <p:sld xmlns:a="http://schemas.openxmlformats.org/drawingml/2006/main" xmlns:r="http://schemas.openxmlformats.org/officeDocument/2006/relationships" xmlns:p="http://schemas.openxmlformats.org/presentationml/2006/main">
   <p:cSld>
     <p:bg>
@@ -34244,7 +33649,7 @@
 </p:sld>
 </file>
 
-<file path=ppt/slides/slide27.xml><?xml version="1.0" encoding="utf-8"?>
+<file path=ppt/slides/slide26.xml><?xml version="1.0" encoding="utf-8"?>
 <p:sld xmlns:a="http://schemas.openxmlformats.org/drawingml/2006/main" xmlns:r="http://schemas.openxmlformats.org/officeDocument/2006/relationships" xmlns:p="http://schemas.openxmlformats.org/presentationml/2006/main">
   <p:cSld>
     <p:spTree>
@@ -34415,7 +33820,7 @@
 </p:sld>
 </file>
 
-<file path=ppt/slides/slide28.xml><?xml version="1.0" encoding="utf-8"?>
+<file path=ppt/slides/slide27.xml><?xml version="1.0" encoding="utf-8"?>
 <p:sld xmlns:a="http://schemas.openxmlformats.org/drawingml/2006/main" xmlns:r="http://schemas.openxmlformats.org/officeDocument/2006/relationships" xmlns:p="http://schemas.openxmlformats.org/presentationml/2006/main">
   <p:cSld>
     <p:bg>
@@ -35066,7 +34471,7 @@
 </p:sld>
 </file>
 
-<file path=ppt/slides/slide29.xml><?xml version="1.0" encoding="utf-8"?>
+<file path=ppt/slides/slide28.xml><?xml version="1.0" encoding="utf-8"?>
 <p:sld xmlns:a="http://schemas.openxmlformats.org/drawingml/2006/main" xmlns:r="http://schemas.openxmlformats.org/officeDocument/2006/relationships" xmlns:p="http://schemas.openxmlformats.org/presentationml/2006/main">
   <p:cSld>
     <p:bg>
@@ -35502,97 +34907,7 @@
 </p:sld>
 </file>
 
-<file path=ppt/slides/slide3.xml><?xml version="1.0" encoding="utf-8"?>
-<p:sld xmlns:a="http://schemas.openxmlformats.org/drawingml/2006/main" xmlns:r="http://schemas.openxmlformats.org/officeDocument/2006/relationships" xmlns:p="http://schemas.openxmlformats.org/presentationml/2006/main">
-  <p:cSld>
-    <p:spTree>
-      <p:nvGrpSpPr>
-        <p:cNvPr id="1" name=""/>
-        <p:cNvGrpSpPr/>
-        <p:nvPr/>
-      </p:nvGrpSpPr>
-      <p:grpSpPr>
-        <a:xfrm>
-          <a:off x="0" y="0"/>
-          <a:ext cx="0" cy="0"/>
-          <a:chOff x="0" y="0"/>
-          <a:chExt cx="0" cy="0"/>
-        </a:xfrm>
-      </p:grpSpPr>
-      <p:sp>
-        <p:nvSpPr>
-          <p:cNvPr id="2" name="Title 1">
-            <a:extLst>
-              <a:ext uri="{FF2B5EF4-FFF2-40B4-BE49-F238E27FC236}">
-                <a16:creationId xmlns:a16="http://schemas.microsoft.com/office/drawing/2014/main" id="{EE4669FF-C45A-4144-905B-668468F01A86}"/>
-              </a:ext>
-            </a:extLst>
-          </p:cNvPr>
-          <p:cNvSpPr>
-            <a:spLocks noGrp="1"/>
-          </p:cNvSpPr>
-          <p:nvPr>
-            <p:ph type="title"/>
-          </p:nvPr>
-        </p:nvSpPr>
-        <p:spPr/>
-        <p:txBody>
-          <a:bodyPr/>
-          <a:lstStyle/>
-          <a:p>
-            <a:pPr algn="ctr"/>
-            <a:r>
-              <a:rPr lang="en-GB" dirty="0"/>
-              <a:t>IPTables?</a:t>
-            </a:r>
-          </a:p>
-        </p:txBody>
-      </p:sp>
-      <p:graphicFrame>
-        <p:nvGraphicFramePr>
-          <p:cNvPr id="5" name="Content Placeholder 2">
-            <a:extLst>
-              <a:ext uri="{FF2B5EF4-FFF2-40B4-BE49-F238E27FC236}">
-                <a16:creationId xmlns:a16="http://schemas.microsoft.com/office/drawing/2014/main" id="{CB15E9F8-76F7-4622-BDF6-96CB7F3983C5}"/>
-              </a:ext>
-            </a:extLst>
-          </p:cNvPr>
-          <p:cNvGraphicFramePr>
-            <a:graphicFrameLocks noGrp="1"/>
-          </p:cNvGraphicFramePr>
-          <p:nvPr>
-            <p:ph idx="1"/>
-            <p:extLst>
-              <p:ext uri="{D42A27DB-BD31-4B8C-83A1-F6EECF244321}">
-                <p14:modId xmlns:p14="http://schemas.microsoft.com/office/powerpoint/2010/main" val="684148912"/>
-              </p:ext>
-            </p:extLst>
-          </p:nvPr>
-        </p:nvGraphicFramePr>
-        <p:xfrm>
-          <a:off x="1115568" y="2046913"/>
-          <a:ext cx="10168128" cy="4496499"/>
-        </p:xfrm>
-        <a:graphic>
-          <a:graphicData uri="http://schemas.openxmlformats.org/drawingml/2006/diagram">
-            <dgm:relIds xmlns:dgm="http://schemas.openxmlformats.org/drawingml/2006/diagram" xmlns:r="http://schemas.openxmlformats.org/officeDocument/2006/relationships" r:dm="rId2" r:lo="rId3" r:qs="rId4" r:cs="rId5"/>
-          </a:graphicData>
-        </a:graphic>
-      </p:graphicFrame>
-    </p:spTree>
-    <p:extLst>
-      <p:ext uri="{BB962C8B-B14F-4D97-AF65-F5344CB8AC3E}">
-        <p14:creationId xmlns:p14="http://schemas.microsoft.com/office/powerpoint/2010/main" val="3636722221"/>
-      </p:ext>
-    </p:extLst>
-  </p:cSld>
-  <p:clrMapOvr>
-    <a:masterClrMapping/>
-  </p:clrMapOvr>
-</p:sld>
-</file>
-
-<file path=ppt/slides/slide30.xml><?xml version="1.0" encoding="utf-8"?>
+<file path=ppt/slides/slide29.xml><?xml version="1.0" encoding="utf-8"?>
 <p:sld xmlns:a="http://schemas.openxmlformats.org/drawingml/2006/main" xmlns:r="http://schemas.openxmlformats.org/officeDocument/2006/relationships" xmlns:p="http://schemas.openxmlformats.org/presentationml/2006/main">
   <p:cSld>
     <p:bg>
@@ -36044,7 +35359,97 @@
 </p:sld>
 </file>
 
-<file path=ppt/slides/slide31.xml><?xml version="1.0" encoding="utf-8"?>
+<file path=ppt/slides/slide3.xml><?xml version="1.0" encoding="utf-8"?>
+<p:sld xmlns:a="http://schemas.openxmlformats.org/drawingml/2006/main" xmlns:r="http://schemas.openxmlformats.org/officeDocument/2006/relationships" xmlns:p="http://schemas.openxmlformats.org/presentationml/2006/main">
+  <p:cSld>
+    <p:spTree>
+      <p:nvGrpSpPr>
+        <p:cNvPr id="1" name=""/>
+        <p:cNvGrpSpPr/>
+        <p:nvPr/>
+      </p:nvGrpSpPr>
+      <p:grpSpPr>
+        <a:xfrm>
+          <a:off x="0" y="0"/>
+          <a:ext cx="0" cy="0"/>
+          <a:chOff x="0" y="0"/>
+          <a:chExt cx="0" cy="0"/>
+        </a:xfrm>
+      </p:grpSpPr>
+      <p:sp>
+        <p:nvSpPr>
+          <p:cNvPr id="2" name="Title 1">
+            <a:extLst>
+              <a:ext uri="{FF2B5EF4-FFF2-40B4-BE49-F238E27FC236}">
+                <a16:creationId xmlns:a16="http://schemas.microsoft.com/office/drawing/2014/main" id="{EE4669FF-C45A-4144-905B-668468F01A86}"/>
+              </a:ext>
+            </a:extLst>
+          </p:cNvPr>
+          <p:cNvSpPr>
+            <a:spLocks noGrp="1"/>
+          </p:cNvSpPr>
+          <p:nvPr>
+            <p:ph type="title"/>
+          </p:nvPr>
+        </p:nvSpPr>
+        <p:spPr/>
+        <p:txBody>
+          <a:bodyPr/>
+          <a:lstStyle/>
+          <a:p>
+            <a:pPr algn="ctr"/>
+            <a:r>
+              <a:rPr lang="en-GB" dirty="0"/>
+              <a:t>IPTables?</a:t>
+            </a:r>
+          </a:p>
+        </p:txBody>
+      </p:sp>
+      <p:graphicFrame>
+        <p:nvGraphicFramePr>
+          <p:cNvPr id="5" name="Content Placeholder 2">
+            <a:extLst>
+              <a:ext uri="{FF2B5EF4-FFF2-40B4-BE49-F238E27FC236}">
+                <a16:creationId xmlns:a16="http://schemas.microsoft.com/office/drawing/2014/main" id="{CB15E9F8-76F7-4622-BDF6-96CB7F3983C5}"/>
+              </a:ext>
+            </a:extLst>
+          </p:cNvPr>
+          <p:cNvGraphicFramePr>
+            <a:graphicFrameLocks noGrp="1"/>
+          </p:cNvGraphicFramePr>
+          <p:nvPr>
+            <p:ph idx="1"/>
+            <p:extLst>
+              <p:ext uri="{D42A27DB-BD31-4B8C-83A1-F6EECF244321}">
+                <p14:modId xmlns:p14="http://schemas.microsoft.com/office/powerpoint/2010/main" val="684148912"/>
+              </p:ext>
+            </p:extLst>
+          </p:nvPr>
+        </p:nvGraphicFramePr>
+        <p:xfrm>
+          <a:off x="1115568" y="2046913"/>
+          <a:ext cx="10168128" cy="4496499"/>
+        </p:xfrm>
+        <a:graphic>
+          <a:graphicData uri="http://schemas.openxmlformats.org/drawingml/2006/diagram">
+            <dgm:relIds xmlns:dgm="http://schemas.openxmlformats.org/drawingml/2006/diagram" xmlns:r="http://schemas.openxmlformats.org/officeDocument/2006/relationships" r:dm="rId2" r:lo="rId3" r:qs="rId4" r:cs="rId5"/>
+          </a:graphicData>
+        </a:graphic>
+      </p:graphicFrame>
+    </p:spTree>
+    <p:extLst>
+      <p:ext uri="{BB962C8B-B14F-4D97-AF65-F5344CB8AC3E}">
+        <p14:creationId xmlns:p14="http://schemas.microsoft.com/office/powerpoint/2010/main" val="3636722221"/>
+      </p:ext>
+    </p:extLst>
+  </p:cSld>
+  <p:clrMapOvr>
+    <a:masterClrMapping/>
+  </p:clrMapOvr>
+</p:sld>
+</file>
+
+<file path=ppt/slides/slide30.xml><?xml version="1.0" encoding="utf-8"?>
 <p:sld xmlns:a="http://schemas.openxmlformats.org/drawingml/2006/main" xmlns:r="http://schemas.openxmlformats.org/officeDocument/2006/relationships" xmlns:p="http://schemas.openxmlformats.org/presentationml/2006/main">
   <p:cSld>
     <p:bg>
@@ -36402,7 +35807,7 @@
 </p:sld>
 </file>
 
-<file path=ppt/slides/slide32.xml><?xml version="1.0" encoding="utf-8"?>
+<file path=ppt/slides/slide31.xml><?xml version="1.0" encoding="utf-8"?>
 <p:sld xmlns:a="http://schemas.openxmlformats.org/drawingml/2006/main" xmlns:r="http://schemas.openxmlformats.org/officeDocument/2006/relationships" xmlns:p="http://schemas.openxmlformats.org/presentationml/2006/main">
   <p:cSld>
     <p:bg>
@@ -36754,7 +36159,7 @@
 </p:sld>
 </file>
 
-<file path=ppt/slides/slide33.xml><?xml version="1.0" encoding="utf-8"?>
+<file path=ppt/slides/slide32.xml><?xml version="1.0" encoding="utf-8"?>
 <p:sld xmlns:a="http://schemas.openxmlformats.org/drawingml/2006/main" xmlns:r="http://schemas.openxmlformats.org/officeDocument/2006/relationships" xmlns:p="http://schemas.openxmlformats.org/presentationml/2006/main">
   <p:cSld>
     <p:bg>
@@ -37664,7 +37069,7 @@
 </p:sld>
 </file>
 
-<file path=ppt/slides/slide34.xml><?xml version="1.0" encoding="utf-8"?>
+<file path=ppt/slides/slide33.xml><?xml version="1.0" encoding="utf-8"?>
 <p:sld xmlns:a="http://schemas.openxmlformats.org/drawingml/2006/main" xmlns:r="http://schemas.openxmlformats.org/officeDocument/2006/relationships" xmlns:p="http://schemas.openxmlformats.org/presentationml/2006/main">
   <p:cSld>
     <p:bg>
@@ -38578,571 +37983,6 @@
       </p:grpSpPr>
       <p:sp>
         <p:nvSpPr>
-          <p:cNvPr id="2052" name="Rectangle 134">
-            <a:extLst>
-              <a:ext uri="{FF2B5EF4-FFF2-40B4-BE49-F238E27FC236}">
-                <a16:creationId xmlns:a16="http://schemas.microsoft.com/office/drawing/2014/main" id="{8D06CE56-3881-4ADA-8CEF-D18B02C242A3}"/>
-              </a:ext>
-              <a:ext uri="{C183D7F6-B498-43B3-948B-1728B52AA6E4}">
-                <adec:decorative xmlns:adec="http://schemas.microsoft.com/office/drawing/2017/decorative" val="1"/>
-              </a:ext>
-            </a:extLst>
-          </p:cNvPr>
-          <p:cNvSpPr>
-            <a:spLocks noGrp="1" noRot="1" noChangeAspect="1" noMove="1" noResize="1" noEditPoints="1" noAdjustHandles="1" noChangeArrowheads="1" noChangeShapeType="1" noTextEdit="1"/>
-          </p:cNvSpPr>
-          <p:nvPr>
-            <p:extLst>
-              <p:ext uri="{386F3935-93C4-4BCD-93E2-E3B085C9AB24}">
-                <p16:designElem xmlns:p16="http://schemas.microsoft.com/office/powerpoint/2015/main" val="1"/>
-              </p:ext>
-            </p:extLst>
-          </p:nvPr>
-        </p:nvSpPr>
-        <p:spPr>
-          <a:xfrm rot="5400000">
-            <a:off x="857544" y="346791"/>
-            <a:ext cx="146304" cy="704088"/>
-          </a:xfrm>
-          <a:prstGeom prst="rect">
-            <a:avLst/>
-          </a:prstGeom>
-          <a:solidFill>
-            <a:schemeClr val="accent1"/>
-          </a:solidFill>
-          <a:ln>
-            <a:noFill/>
-          </a:ln>
-        </p:spPr>
-        <p:style>
-          <a:lnRef idx="2">
-            <a:schemeClr val="accent1">
-              <a:shade val="50000"/>
-            </a:schemeClr>
-          </a:lnRef>
-          <a:fillRef idx="1">
-            <a:schemeClr val="accent1"/>
-          </a:fillRef>
-          <a:effectRef idx="0">
-            <a:schemeClr val="accent1"/>
-          </a:effectRef>
-          <a:fontRef idx="minor">
-            <a:schemeClr val="lt1"/>
-          </a:fontRef>
-        </p:style>
-        <p:txBody>
-          <a:bodyPr rtlCol="0" anchor="ctr"/>
-          <a:lstStyle/>
-          <a:p>
-            <a:pPr marL="0" marR="0" lvl="0" indent="0" algn="ctr" defTabSz="914400" rtl="0" eaLnBrk="1" fontAlgn="auto" latinLnBrk="0" hangingPunct="1">
-              <a:lnSpc>
-                <a:spcPct val="100000"/>
-              </a:lnSpc>
-              <a:spcBef>
-                <a:spcPts val="0"/>
-              </a:spcBef>
-              <a:spcAft>
-                <a:spcPts val="0"/>
-              </a:spcAft>
-              <a:buClrTx/>
-              <a:buSzTx/>
-              <a:buFontTx/>
-              <a:buNone/>
-              <a:tabLst/>
-              <a:defRPr/>
-            </a:pPr>
-            <a:endParaRPr kumimoji="0" lang="en-US" sz="1800" b="0" i="0" u="none" strike="noStrike" kern="1200" cap="none" spc="0" normalizeH="0" baseline="0" noProof="0">
-              <a:ln>
-                <a:noFill/>
-              </a:ln>
-              <a:solidFill>
-                <a:prstClr val="white"/>
-              </a:solidFill>
-              <a:effectLst/>
-              <a:uLnTx/>
-              <a:uFillTx/>
-              <a:latin typeface="Calibri" panose="020F0502020204030204"/>
-              <a:ea typeface="+mn-ea"/>
-              <a:cs typeface="+mn-cs"/>
-            </a:endParaRPr>
-          </a:p>
-        </p:txBody>
-      </p:sp>
-      <p:sp>
-        <p:nvSpPr>
-          <p:cNvPr id="2053" name="Rectangle 136">
-            <a:extLst>
-              <a:ext uri="{FF2B5EF4-FFF2-40B4-BE49-F238E27FC236}">
-                <a16:creationId xmlns:a16="http://schemas.microsoft.com/office/drawing/2014/main" id="{79F3C543-62EC-4433-9C93-A2CD8764E9B4}"/>
-              </a:ext>
-              <a:ext uri="{C183D7F6-B498-43B3-948B-1728B52AA6E4}">
-                <adec:decorative xmlns:adec="http://schemas.microsoft.com/office/drawing/2017/decorative" val="1"/>
-              </a:ext>
-            </a:extLst>
-          </p:cNvPr>
-          <p:cNvSpPr>
-            <a:spLocks noGrp="1" noRot="1" noChangeAspect="1" noMove="1" noResize="1" noEditPoints="1" noAdjustHandles="1" noChangeArrowheads="1" noChangeShapeType="1" noTextEdit="1"/>
-          </p:cNvSpPr>
-          <p:nvPr>
-            <p:extLst>
-              <p:ext uri="{386F3935-93C4-4BCD-93E2-E3B085C9AB24}">
-                <p16:designElem xmlns:p16="http://schemas.microsoft.com/office/powerpoint/2015/main" val="1"/>
-              </p:ext>
-            </p:extLst>
-          </p:nvPr>
-        </p:nvSpPr>
-        <p:spPr>
-          <a:xfrm flipV="1">
-            <a:off x="578652" y="4501201"/>
-            <a:ext cx="11034696" cy="18288"/>
-          </a:xfrm>
-          <a:prstGeom prst="rect">
-            <a:avLst/>
-          </a:prstGeom>
-          <a:solidFill>
-            <a:schemeClr val="tx2">
-              <a:lumMod val="25000"/>
-              <a:lumOff val="75000"/>
-            </a:schemeClr>
-          </a:solidFill>
-          <a:ln w="3175">
-            <a:noFill/>
-          </a:ln>
-          <a:effectLst/>
-        </p:spPr>
-        <p:style>
-          <a:lnRef idx="2">
-            <a:schemeClr val="accent1">
-              <a:shade val="50000"/>
-            </a:schemeClr>
-          </a:lnRef>
-          <a:fillRef idx="1">
-            <a:schemeClr val="accent1"/>
-          </a:fillRef>
-          <a:effectRef idx="0">
-            <a:schemeClr val="accent1"/>
-          </a:effectRef>
-          <a:fontRef idx="minor">
-            <a:schemeClr val="lt1"/>
-          </a:fontRef>
-        </p:style>
-        <p:txBody>
-          <a:bodyPr rtlCol="0" anchor="ctr"/>
-          <a:lstStyle/>
-          <a:p>
-            <a:pPr marL="0" marR="0" lvl="0" indent="0" algn="ctr" defTabSz="914400" rtl="0" eaLnBrk="1" fontAlgn="auto" latinLnBrk="0" hangingPunct="1">
-              <a:lnSpc>
-                <a:spcPct val="100000"/>
-              </a:lnSpc>
-              <a:spcBef>
-                <a:spcPts val="0"/>
-              </a:spcBef>
-              <a:spcAft>
-                <a:spcPts val="0"/>
-              </a:spcAft>
-              <a:buClrTx/>
-              <a:buSzTx/>
-              <a:buFontTx/>
-              <a:buNone/>
-              <a:tabLst/>
-              <a:defRPr/>
-            </a:pPr>
-            <a:endParaRPr kumimoji="0" lang="en-US" sz="1800" b="0" i="0" u="none" strike="noStrike" kern="1200" cap="none" spc="0" normalizeH="0" baseline="0" noProof="0">
-              <a:ln>
-                <a:noFill/>
-              </a:ln>
-              <a:solidFill>
-                <a:prstClr val="white"/>
-              </a:solidFill>
-              <a:effectLst/>
-              <a:uLnTx/>
-              <a:uFillTx/>
-              <a:latin typeface="Calibri" panose="020F0502020204030204"/>
-              <a:ea typeface="+mn-ea"/>
-              <a:cs typeface="+mn-cs"/>
-            </a:endParaRPr>
-          </a:p>
-        </p:txBody>
-      </p:sp>
-      <p:sp useBgFill="1">
-        <p:nvSpPr>
-          <p:cNvPr id="2054" name="Rectangle 138">
-            <a:extLst>
-              <a:ext uri="{FF2B5EF4-FFF2-40B4-BE49-F238E27FC236}">
-                <a16:creationId xmlns:a16="http://schemas.microsoft.com/office/drawing/2014/main" id="{C1A1C5D3-C053-4EE9-BE1A-419B6E27CCAE}"/>
-              </a:ext>
-              <a:ext uri="{C183D7F6-B498-43B3-948B-1728B52AA6E4}">
-                <adec:decorative xmlns:adec="http://schemas.microsoft.com/office/drawing/2017/decorative" val="1"/>
-              </a:ext>
-            </a:extLst>
-          </p:cNvPr>
-          <p:cNvSpPr>
-            <a:spLocks noGrp="1" noRot="1" noChangeAspect="1" noMove="1" noResize="1" noEditPoints="1" noAdjustHandles="1" noChangeArrowheads="1" noChangeShapeType="1" noTextEdit="1"/>
-          </p:cNvSpPr>
-          <p:nvPr>
-            <p:extLst>
-              <p:ext uri="{386F3935-93C4-4BCD-93E2-E3B085C9AB24}">
-                <p16:designElem xmlns:p16="http://schemas.microsoft.com/office/powerpoint/2015/main" val="1"/>
-              </p:ext>
-            </p:extLst>
-          </p:nvPr>
-        </p:nvSpPr>
-        <p:spPr>
-          <a:xfrm>
-            <a:off x="0" y="0"/>
-            <a:ext cx="12192000" cy="6858000"/>
-          </a:xfrm>
-          <a:prstGeom prst="rect">
-            <a:avLst/>
-          </a:prstGeom>
-          <a:ln>
-            <a:noFill/>
-          </a:ln>
-        </p:spPr>
-        <p:style>
-          <a:lnRef idx="2">
-            <a:schemeClr val="accent1">
-              <a:shade val="50000"/>
-            </a:schemeClr>
-          </a:lnRef>
-          <a:fillRef idx="1">
-            <a:schemeClr val="accent1"/>
-          </a:fillRef>
-          <a:effectRef idx="0">
-            <a:schemeClr val="accent1"/>
-          </a:effectRef>
-          <a:fontRef idx="minor">
-            <a:schemeClr val="lt1"/>
-          </a:fontRef>
-        </p:style>
-        <p:txBody>
-          <a:bodyPr rtlCol="0" anchor="ctr"/>
-          <a:lstStyle/>
-          <a:p>
-            <a:pPr algn="ctr"/>
-            <a:endParaRPr lang="en-US"/>
-          </a:p>
-        </p:txBody>
-      </p:sp>
-      <p:sp useBgFill="1">
-        <p:nvSpPr>
-          <p:cNvPr id="2055" name="Rectangle 140">
-            <a:extLst>
-              <a:ext uri="{FF2B5EF4-FFF2-40B4-BE49-F238E27FC236}">
-                <a16:creationId xmlns:a16="http://schemas.microsoft.com/office/drawing/2014/main" id="{A3473CF9-37EB-43E7-89EF-D2D1C53D1DAC}"/>
-              </a:ext>
-              <a:ext uri="{C183D7F6-B498-43B3-948B-1728B52AA6E4}">
-                <adec:decorative xmlns:adec="http://schemas.microsoft.com/office/drawing/2017/decorative" val="1"/>
-              </a:ext>
-            </a:extLst>
-          </p:cNvPr>
-          <p:cNvSpPr>
-            <a:spLocks noGrp="1" noRot="1" noChangeAspect="1" noMove="1" noResize="1" noEditPoints="1" noAdjustHandles="1" noChangeArrowheads="1" noChangeShapeType="1" noTextEdit="1"/>
-          </p:cNvSpPr>
-          <p:nvPr>
-            <p:extLst>
-              <p:ext uri="{386F3935-93C4-4BCD-93E2-E3B085C9AB24}">
-                <p16:designElem xmlns:p16="http://schemas.microsoft.com/office/powerpoint/2015/main" val="1"/>
-              </p:ext>
-            </p:extLst>
-          </p:nvPr>
-        </p:nvSpPr>
-        <p:spPr>
-          <a:xfrm>
-            <a:off x="1903615" y="221673"/>
-            <a:ext cx="8384770" cy="1332634"/>
-          </a:xfrm>
-          <a:prstGeom prst="rect">
-            <a:avLst/>
-          </a:prstGeom>
-          <a:ln w="12700">
-            <a:solidFill>
-              <a:schemeClr val="tx2">
-                <a:lumMod val="10000"/>
-                <a:lumOff val="90000"/>
-              </a:schemeClr>
-            </a:solidFill>
-          </a:ln>
-          <a:effectLst>
-            <a:outerShdw blurRad="50800" dist="38100" dir="2700000" algn="tl" rotWithShape="0">
-              <a:schemeClr val="bg2">
-                <a:lumMod val="85000"/>
-                <a:alpha val="30000"/>
-              </a:schemeClr>
-            </a:outerShdw>
-          </a:effectLst>
-        </p:spPr>
-        <p:style>
-          <a:lnRef idx="2">
-            <a:schemeClr val="accent1">
-              <a:shade val="50000"/>
-            </a:schemeClr>
-          </a:lnRef>
-          <a:fillRef idx="1">
-            <a:schemeClr val="accent1"/>
-          </a:fillRef>
-          <a:effectRef idx="0">
-            <a:schemeClr val="accent1"/>
-          </a:effectRef>
-          <a:fontRef idx="minor">
-            <a:schemeClr val="lt1"/>
-          </a:fontRef>
-        </p:style>
-        <p:txBody>
-          <a:bodyPr rtlCol="0" anchor="ctr"/>
-          <a:lstStyle/>
-          <a:p>
-            <a:pPr marL="0" marR="0" lvl="0" indent="0" algn="ctr" defTabSz="914400" rtl="0" eaLnBrk="1" fontAlgn="auto" latinLnBrk="0" hangingPunct="1">
-              <a:lnSpc>
-                <a:spcPct val="100000"/>
-              </a:lnSpc>
-              <a:spcBef>
-                <a:spcPts val="0"/>
-              </a:spcBef>
-              <a:spcAft>
-                <a:spcPts val="0"/>
-              </a:spcAft>
-              <a:buClrTx/>
-              <a:buSzTx/>
-              <a:buFontTx/>
-              <a:buNone/>
-              <a:tabLst/>
-              <a:defRPr/>
-            </a:pPr>
-            <a:endParaRPr kumimoji="0" lang="en-US" sz="1800" b="0" i="0" u="none" strike="noStrike" kern="1200" cap="none" spc="0" normalizeH="0" baseline="0" noProof="0">
-              <a:ln>
-                <a:noFill/>
-              </a:ln>
-              <a:solidFill>
-                <a:prstClr val="white"/>
-              </a:solidFill>
-              <a:effectLst/>
-              <a:uLnTx/>
-              <a:uFillTx/>
-              <a:latin typeface="Calibri" panose="020F0502020204030204"/>
-              <a:ea typeface="+mn-ea"/>
-              <a:cs typeface="+mn-cs"/>
-            </a:endParaRPr>
-          </a:p>
-        </p:txBody>
-      </p:sp>
-      <p:sp>
-        <p:nvSpPr>
-          <p:cNvPr id="2" name="Title 1">
-            <a:extLst>
-              <a:ext uri="{FF2B5EF4-FFF2-40B4-BE49-F238E27FC236}">
-                <a16:creationId xmlns:a16="http://schemas.microsoft.com/office/drawing/2014/main" id="{452752B4-99C6-4A9F-96CD-A6F3913FECBF}"/>
-              </a:ext>
-            </a:extLst>
-          </p:cNvPr>
-          <p:cNvSpPr>
-            <a:spLocks noGrp="1"/>
-          </p:cNvSpPr>
-          <p:nvPr>
-            <p:ph type="title"/>
-          </p:nvPr>
-        </p:nvSpPr>
-        <p:spPr>
-          <a:xfrm>
-            <a:off x="2103121" y="310343"/>
-            <a:ext cx="7985759" cy="868823"/>
-          </a:xfrm>
-        </p:spPr>
-        <p:txBody>
-          <a:bodyPr vert="horz" lIns="91440" tIns="45720" rIns="91440" bIns="45720" rtlCol="0" anchor="ctr">
-            <a:normAutofit/>
-          </a:bodyPr>
-          <a:lstStyle/>
-          <a:p>
-            <a:pPr algn="ctr"/>
-            <a:r>
-              <a:rPr lang="en-US" dirty="0"/>
-              <a:t>REJECT vs DROP</a:t>
-            </a:r>
-            <a:endParaRPr lang="en-US"/>
-          </a:p>
-        </p:txBody>
-      </p:sp>
-      <p:sp>
-        <p:nvSpPr>
-          <p:cNvPr id="2056" name="Rectangle: Rounded Corners 142">
-            <a:extLst>
-              <a:ext uri="{FF2B5EF4-FFF2-40B4-BE49-F238E27FC236}">
-                <a16:creationId xmlns:a16="http://schemas.microsoft.com/office/drawing/2014/main" id="{586B4EF9-43BA-4655-A6FF-1D8E21574C95}"/>
-              </a:ext>
-              <a:ext uri="{C183D7F6-B498-43B3-948B-1728B52AA6E4}">
-                <adec:decorative xmlns:adec="http://schemas.microsoft.com/office/drawing/2017/decorative" val="1"/>
-              </a:ext>
-            </a:extLst>
-          </p:cNvPr>
-          <p:cNvSpPr>
-            <a:spLocks noGrp="1" noRot="1" noChangeAspect="1" noMove="1" noResize="1" noEditPoints="1" noAdjustHandles="1" noChangeArrowheads="1" noChangeShapeType="1" noTextEdit="1"/>
-          </p:cNvSpPr>
-          <p:nvPr>
-            <p:extLst>
-              <p:ext uri="{386F3935-93C4-4BCD-93E2-E3B085C9AB24}">
-                <p16:designElem xmlns:p16="http://schemas.microsoft.com/office/powerpoint/2015/main" val="1"/>
-              </p:ext>
-            </p:extLst>
-          </p:nvPr>
-        </p:nvSpPr>
-        <p:spPr>
-          <a:xfrm>
-            <a:off x="2483110" y="1211407"/>
-            <a:ext cx="7225780" cy="685800"/>
-          </a:xfrm>
-          <a:prstGeom prst="roundRect">
-            <a:avLst>
-              <a:gd name="adj" fmla="val 0"/>
-            </a:avLst>
-          </a:prstGeom>
-          <a:solidFill>
-            <a:schemeClr val="accent1"/>
-          </a:solidFill>
-          <a:ln>
-            <a:noFill/>
-          </a:ln>
-        </p:spPr>
-        <p:style>
-          <a:lnRef idx="2">
-            <a:schemeClr val="accent1">
-              <a:shade val="50000"/>
-            </a:schemeClr>
-          </a:lnRef>
-          <a:fillRef idx="1">
-            <a:schemeClr val="accent1"/>
-          </a:fillRef>
-          <a:effectRef idx="0">
-            <a:schemeClr val="accent1"/>
-          </a:effectRef>
-          <a:fontRef idx="minor">
-            <a:schemeClr val="lt1"/>
-          </a:fontRef>
-        </p:style>
-        <p:txBody>
-          <a:bodyPr rtlCol="0" anchor="ctr"/>
-          <a:lstStyle/>
-          <a:p>
-            <a:pPr marL="0" marR="0" lvl="0" indent="0" algn="ctr" defTabSz="914400" rtl="0" eaLnBrk="1" fontAlgn="auto" latinLnBrk="0" hangingPunct="1">
-              <a:lnSpc>
-                <a:spcPct val="100000"/>
-              </a:lnSpc>
-              <a:spcBef>
-                <a:spcPts val="0"/>
-              </a:spcBef>
-              <a:spcAft>
-                <a:spcPts val="0"/>
-              </a:spcAft>
-              <a:buClrTx/>
-              <a:buSzTx/>
-              <a:buFontTx/>
-              <a:buNone/>
-              <a:tabLst/>
-              <a:defRPr/>
-            </a:pPr>
-            <a:endParaRPr kumimoji="0" lang="en-US" sz="1800" b="0" i="0" u="none" strike="noStrike" kern="1200" cap="none" spc="0" normalizeH="0" baseline="0" noProof="0">
-              <a:ln>
-                <a:noFill/>
-              </a:ln>
-              <a:solidFill>
-                <a:prstClr val="white"/>
-              </a:solidFill>
-              <a:effectLst/>
-              <a:uLnTx/>
-              <a:uFillTx/>
-              <a:latin typeface="Avenir Next LT Pro"/>
-              <a:ea typeface="+mn-ea"/>
-              <a:cs typeface="+mn-cs"/>
-            </a:endParaRPr>
-          </a:p>
-        </p:txBody>
-      </p:sp>
-      <p:pic>
-        <p:nvPicPr>
-          <p:cNvPr id="2050" name="Picture 2" descr="Reject ICMP Ping Request in Linux">
-            <a:extLst>
-              <a:ext uri="{FF2B5EF4-FFF2-40B4-BE49-F238E27FC236}">
-                <a16:creationId xmlns:a16="http://schemas.microsoft.com/office/drawing/2014/main" id="{298A371B-798B-4464-9C38-CAD0F2396D98}"/>
-              </a:ext>
-            </a:extLst>
-          </p:cNvPr>
-          <p:cNvPicPr>
-            <a:picLocks noChangeAspect="1" noChangeArrowheads="1"/>
-          </p:cNvPicPr>
-          <p:nvPr/>
-        </p:nvPicPr>
-        <p:blipFill>
-          <a:blip r:embed="rId3">
-            <a:extLst>
-              <a:ext uri="{28A0092B-C50C-407E-A947-70E740481C1C}">
-                <a14:useLocalDpi xmlns:a14="http://schemas.microsoft.com/office/drawing/2010/main" val="0"/>
-              </a:ext>
-            </a:extLst>
-          </a:blip>
-          <a:stretch>
-            <a:fillRect/>
-          </a:stretch>
-        </p:blipFill>
-        <p:spPr bwMode="auto">
-          <a:xfrm>
-            <a:off x="1903615" y="2186679"/>
-            <a:ext cx="8624234" cy="4096512"/>
-          </a:xfrm>
-          <a:prstGeom prst="rect">
-            <a:avLst/>
-          </a:prstGeom>
-          <a:noFill/>
-          <a:extLst>
-            <a:ext uri="{909E8E84-426E-40DD-AFC4-6F175D3DCCD1}">
-              <a14:hiddenFill xmlns:a14="http://schemas.microsoft.com/office/drawing/2010/main">
-                <a:solidFill>
-                  <a:srgbClr val="FFFFFF"/>
-                </a:solidFill>
-              </a14:hiddenFill>
-            </a:ext>
-          </a:extLst>
-        </p:spPr>
-      </p:pic>
-    </p:spTree>
-    <p:extLst>
-      <p:ext uri="{BB962C8B-B14F-4D97-AF65-F5344CB8AC3E}">
-        <p14:creationId xmlns:p14="http://schemas.microsoft.com/office/powerpoint/2010/main" val="3065374709"/>
-      </p:ext>
-    </p:extLst>
-  </p:cSld>
-  <p:clrMapOvr>
-    <a:masterClrMapping/>
-  </p:clrMapOvr>
-</p:sld>
-</file>
-
-<file path=ppt/slides/slide5.xml><?xml version="1.0" encoding="utf-8"?>
-<p:sld xmlns:a="http://schemas.openxmlformats.org/drawingml/2006/main" xmlns:r="http://schemas.openxmlformats.org/officeDocument/2006/relationships" xmlns:p="http://schemas.openxmlformats.org/presentationml/2006/main">
-  <p:cSld>
-    <p:bg>
-      <p:bgPr>
-        <a:solidFill>
-          <a:schemeClr val="bg1"/>
-        </a:solidFill>
-        <a:effectLst/>
-      </p:bgPr>
-    </p:bg>
-    <p:spTree>
-      <p:nvGrpSpPr>
-        <p:cNvPr id="1" name=""/>
-        <p:cNvGrpSpPr/>
-        <p:nvPr/>
-      </p:nvGrpSpPr>
-      <p:grpSpPr>
-        <a:xfrm>
-          <a:off x="0" y="0"/>
-          <a:ext cx="0" cy="0"/>
-          <a:chOff x="0" y="0"/>
-          <a:chExt cx="0" cy="0"/>
-        </a:xfrm>
-      </p:grpSpPr>
-      <p:sp>
-        <p:nvSpPr>
           <p:cNvPr id="77" name="Rectangle 76">
             <a:extLst>
               <a:ext uri="{FF2B5EF4-FFF2-40B4-BE49-F238E27FC236}">
@@ -39991,7 +38831,7 @@
 </p:sld>
 </file>
 
-<file path=ppt/slides/slide6.xml><?xml version="1.0" encoding="utf-8"?>
+<file path=ppt/slides/slide5.xml><?xml version="1.0" encoding="utf-8"?>
 <p:sld xmlns:a="http://schemas.openxmlformats.org/drawingml/2006/main" xmlns:r="http://schemas.openxmlformats.org/officeDocument/2006/relationships" xmlns:p="http://schemas.openxmlformats.org/presentationml/2006/main">
   <p:cSld>
     <p:spTree>
@@ -40242,7 +39082,7 @@
 </p:sld>
 </file>
 
-<file path=ppt/slides/slide7.xml><?xml version="1.0" encoding="utf-8"?>
+<file path=ppt/slides/slide6.xml><?xml version="1.0" encoding="utf-8"?>
 <p:sld xmlns:a="http://schemas.openxmlformats.org/drawingml/2006/main" xmlns:r="http://schemas.openxmlformats.org/officeDocument/2006/relationships" xmlns:p="http://schemas.openxmlformats.org/presentationml/2006/main">
   <p:cSld>
     <p:bg>
@@ -40790,7 +39630,7 @@
 </p:sld>
 </file>
 
-<file path=ppt/slides/slide8.xml><?xml version="1.0" encoding="utf-8"?>
+<file path=ppt/slides/slide7.xml><?xml version="1.0" encoding="utf-8"?>
 <p:sld xmlns:a="http://schemas.openxmlformats.org/drawingml/2006/main" xmlns:r="http://schemas.openxmlformats.org/officeDocument/2006/relationships" xmlns:p="http://schemas.openxmlformats.org/presentationml/2006/main">
   <p:cSld>
     <p:bg>
@@ -41338,7 +40178,7 @@
 </p:sld>
 </file>
 
-<file path=ppt/slides/slide9.xml><?xml version="1.0" encoding="utf-8"?>
+<file path=ppt/slides/slide8.xml><?xml version="1.0" encoding="utf-8"?>
 <p:sld xmlns:a="http://schemas.openxmlformats.org/drawingml/2006/main" xmlns:r="http://schemas.openxmlformats.org/officeDocument/2006/relationships" xmlns:p="http://schemas.openxmlformats.org/presentationml/2006/main">
   <p:cSld>
     <p:bg>
@@ -41883,6 +40723,534 @@
   <p:clrMapOvr>
     <a:masterClrMapping/>
   </p:clrMapOvr>
+</p:sld>
+</file>
+
+<file path=ppt/slides/slide9.xml><?xml version="1.0" encoding="utf-8"?>
+<p:sld xmlns:a="http://schemas.openxmlformats.org/drawingml/2006/main" xmlns:r="http://schemas.openxmlformats.org/officeDocument/2006/relationships" xmlns:p="http://schemas.openxmlformats.org/presentationml/2006/main">
+  <p:cSld>
+    <p:bg>
+      <p:bgPr>
+        <a:solidFill>
+          <a:schemeClr val="bg1"/>
+        </a:solidFill>
+        <a:effectLst/>
+      </p:bgPr>
+    </p:bg>
+    <p:spTree>
+      <p:nvGrpSpPr>
+        <p:cNvPr id="1" name=""/>
+        <p:cNvGrpSpPr/>
+        <p:nvPr/>
+      </p:nvGrpSpPr>
+      <p:grpSpPr>
+        <a:xfrm>
+          <a:off x="0" y="0"/>
+          <a:ext cx="0" cy="0"/>
+          <a:chOff x="0" y="0"/>
+          <a:chExt cx="0" cy="0"/>
+        </a:xfrm>
+      </p:grpSpPr>
+      <p:sp>
+        <p:nvSpPr>
+          <p:cNvPr id="149" name="Rectangle 86">
+            <a:extLst>
+              <a:ext uri="{FF2B5EF4-FFF2-40B4-BE49-F238E27FC236}">
+                <a16:creationId xmlns:a16="http://schemas.microsoft.com/office/drawing/2014/main" id="{8D06CE56-3881-4ADA-8CEF-D18B02C242A3}"/>
+              </a:ext>
+              <a:ext uri="{C183D7F6-B498-43B3-948B-1728B52AA6E4}">
+                <adec:decorative xmlns:adec="http://schemas.microsoft.com/office/drawing/2017/decorative" val="1"/>
+              </a:ext>
+            </a:extLst>
+          </p:cNvPr>
+          <p:cNvSpPr>
+            <a:spLocks noGrp="1" noRot="1" noChangeAspect="1" noMove="1" noResize="1" noEditPoints="1" noAdjustHandles="1" noChangeArrowheads="1" noChangeShapeType="1" noTextEdit="1"/>
+          </p:cNvSpPr>
+          <p:nvPr>
+            <p:extLst>
+              <p:ext uri="{386F3935-93C4-4BCD-93E2-E3B085C9AB24}">
+                <p16:designElem xmlns:p16="http://schemas.microsoft.com/office/powerpoint/2015/main" val="1"/>
+              </p:ext>
+            </p:extLst>
+          </p:nvPr>
+        </p:nvSpPr>
+        <p:spPr>
+          <a:xfrm rot="5400000">
+            <a:off x="857544" y="346791"/>
+            <a:ext cx="146304" cy="704088"/>
+          </a:xfrm>
+          <a:prstGeom prst="rect">
+            <a:avLst/>
+          </a:prstGeom>
+          <a:solidFill>
+            <a:schemeClr val="accent1"/>
+          </a:solidFill>
+          <a:ln>
+            <a:noFill/>
+          </a:ln>
+        </p:spPr>
+        <p:style>
+          <a:lnRef idx="2">
+            <a:schemeClr val="accent1">
+              <a:shade val="50000"/>
+            </a:schemeClr>
+          </a:lnRef>
+          <a:fillRef idx="1">
+            <a:schemeClr val="accent1"/>
+          </a:fillRef>
+          <a:effectRef idx="0">
+            <a:schemeClr val="accent1"/>
+          </a:effectRef>
+          <a:fontRef idx="minor">
+            <a:schemeClr val="lt1"/>
+          </a:fontRef>
+        </p:style>
+        <p:txBody>
+          <a:bodyPr rtlCol="0" anchor="ctr"/>
+          <a:lstStyle/>
+          <a:p>
+            <a:pPr marL="0" marR="0" lvl="0" indent="0" algn="ctr" defTabSz="914400" rtl="0" eaLnBrk="1" fontAlgn="auto" latinLnBrk="0" hangingPunct="1">
+              <a:lnSpc>
+                <a:spcPct val="100000"/>
+              </a:lnSpc>
+              <a:spcBef>
+                <a:spcPts val="0"/>
+              </a:spcBef>
+              <a:spcAft>
+                <a:spcPts val="0"/>
+              </a:spcAft>
+              <a:buClrTx/>
+              <a:buSzTx/>
+              <a:buFontTx/>
+              <a:buNone/>
+              <a:tabLst/>
+              <a:defRPr/>
+            </a:pPr>
+            <a:endParaRPr kumimoji="0" lang="en-US" sz="1800" b="0" i="0" u="none" strike="noStrike" kern="1200" cap="none" spc="0" normalizeH="0" baseline="0" noProof="0">
+              <a:ln>
+                <a:noFill/>
+              </a:ln>
+              <a:solidFill>
+                <a:prstClr val="white"/>
+              </a:solidFill>
+              <a:effectLst/>
+              <a:uLnTx/>
+              <a:uFillTx/>
+              <a:latin typeface="Calibri" panose="020F0502020204030204"/>
+              <a:ea typeface="+mn-ea"/>
+              <a:cs typeface="+mn-cs"/>
+            </a:endParaRPr>
+          </a:p>
+        </p:txBody>
+      </p:sp>
+      <p:sp>
+        <p:nvSpPr>
+          <p:cNvPr id="150" name="Rectangle 88">
+            <a:extLst>
+              <a:ext uri="{FF2B5EF4-FFF2-40B4-BE49-F238E27FC236}">
+                <a16:creationId xmlns:a16="http://schemas.microsoft.com/office/drawing/2014/main" id="{79F3C543-62EC-4433-9C93-A2CD8764E9B4}"/>
+              </a:ext>
+              <a:ext uri="{C183D7F6-B498-43B3-948B-1728B52AA6E4}">
+                <adec:decorative xmlns:adec="http://schemas.microsoft.com/office/drawing/2017/decorative" val="1"/>
+              </a:ext>
+            </a:extLst>
+          </p:cNvPr>
+          <p:cNvSpPr>
+            <a:spLocks noGrp="1" noRot="1" noChangeAspect="1" noMove="1" noResize="1" noEditPoints="1" noAdjustHandles="1" noChangeArrowheads="1" noChangeShapeType="1" noTextEdit="1"/>
+          </p:cNvSpPr>
+          <p:nvPr>
+            <p:extLst>
+              <p:ext uri="{386F3935-93C4-4BCD-93E2-E3B085C9AB24}">
+                <p16:designElem xmlns:p16="http://schemas.microsoft.com/office/powerpoint/2015/main" val="1"/>
+              </p:ext>
+            </p:extLst>
+          </p:nvPr>
+        </p:nvSpPr>
+        <p:spPr>
+          <a:xfrm flipV="1">
+            <a:off x="578652" y="4501201"/>
+            <a:ext cx="11034696" cy="18288"/>
+          </a:xfrm>
+          <a:prstGeom prst="rect">
+            <a:avLst/>
+          </a:prstGeom>
+          <a:solidFill>
+            <a:schemeClr val="tx2">
+              <a:lumMod val="25000"/>
+              <a:lumOff val="75000"/>
+            </a:schemeClr>
+          </a:solidFill>
+          <a:ln w="3175">
+            <a:noFill/>
+          </a:ln>
+          <a:effectLst/>
+        </p:spPr>
+        <p:style>
+          <a:lnRef idx="2">
+            <a:schemeClr val="accent1">
+              <a:shade val="50000"/>
+            </a:schemeClr>
+          </a:lnRef>
+          <a:fillRef idx="1">
+            <a:schemeClr val="accent1"/>
+          </a:fillRef>
+          <a:effectRef idx="0">
+            <a:schemeClr val="accent1"/>
+          </a:effectRef>
+          <a:fontRef idx="minor">
+            <a:schemeClr val="lt1"/>
+          </a:fontRef>
+        </p:style>
+        <p:txBody>
+          <a:bodyPr rtlCol="0" anchor="ctr"/>
+          <a:lstStyle/>
+          <a:p>
+            <a:pPr marL="0" marR="0" lvl="0" indent="0" algn="ctr" defTabSz="914400" rtl="0" eaLnBrk="1" fontAlgn="auto" latinLnBrk="0" hangingPunct="1">
+              <a:lnSpc>
+                <a:spcPct val="100000"/>
+              </a:lnSpc>
+              <a:spcBef>
+                <a:spcPts val="0"/>
+              </a:spcBef>
+              <a:spcAft>
+                <a:spcPts val="0"/>
+              </a:spcAft>
+              <a:buClrTx/>
+              <a:buSzTx/>
+              <a:buFontTx/>
+              <a:buNone/>
+              <a:tabLst/>
+              <a:defRPr/>
+            </a:pPr>
+            <a:endParaRPr kumimoji="0" lang="en-US" sz="1800" b="0" i="0" u="none" strike="noStrike" kern="1200" cap="none" spc="0" normalizeH="0" baseline="0" noProof="0">
+              <a:ln>
+                <a:noFill/>
+              </a:ln>
+              <a:solidFill>
+                <a:prstClr val="white"/>
+              </a:solidFill>
+              <a:effectLst/>
+              <a:uLnTx/>
+              <a:uFillTx/>
+              <a:latin typeface="Calibri" panose="020F0502020204030204"/>
+              <a:ea typeface="+mn-ea"/>
+              <a:cs typeface="+mn-cs"/>
+            </a:endParaRPr>
+          </a:p>
+        </p:txBody>
+      </p:sp>
+      <p:sp useBgFill="1">
+        <p:nvSpPr>
+          <p:cNvPr id="151" name="Rectangle 90">
+            <a:extLst>
+              <a:ext uri="{FF2B5EF4-FFF2-40B4-BE49-F238E27FC236}">
+                <a16:creationId xmlns:a16="http://schemas.microsoft.com/office/drawing/2014/main" id="{2FB82883-1DC0-4BE1-A607-009095F3355A}"/>
+              </a:ext>
+              <a:ext uri="{C183D7F6-B498-43B3-948B-1728B52AA6E4}">
+                <adec:decorative xmlns:adec="http://schemas.microsoft.com/office/drawing/2017/decorative" val="1"/>
+              </a:ext>
+            </a:extLst>
+          </p:cNvPr>
+          <p:cNvSpPr>
+            <a:spLocks noGrp="1" noRot="1" noChangeAspect="1" noMove="1" noResize="1" noEditPoints="1" noAdjustHandles="1" noChangeArrowheads="1" noChangeShapeType="1" noTextEdit="1"/>
+          </p:cNvSpPr>
+          <p:nvPr>
+            <p:extLst>
+              <p:ext uri="{386F3935-93C4-4BCD-93E2-E3B085C9AB24}">
+                <p16:designElem xmlns:p16="http://schemas.microsoft.com/office/powerpoint/2015/main" val="1"/>
+              </p:ext>
+            </p:extLst>
+          </p:nvPr>
+        </p:nvSpPr>
+        <p:spPr>
+          <a:xfrm>
+            <a:off x="0" y="0"/>
+            <a:ext cx="12192000" cy="6858000"/>
+          </a:xfrm>
+          <a:prstGeom prst="rect">
+            <a:avLst/>
+          </a:prstGeom>
+          <a:ln>
+            <a:noFill/>
+          </a:ln>
+        </p:spPr>
+        <p:style>
+          <a:lnRef idx="2">
+            <a:schemeClr val="accent1">
+              <a:shade val="50000"/>
+            </a:schemeClr>
+          </a:lnRef>
+          <a:fillRef idx="1">
+            <a:schemeClr val="accent1"/>
+          </a:fillRef>
+          <a:effectRef idx="0">
+            <a:schemeClr val="accent1"/>
+          </a:effectRef>
+          <a:fontRef idx="minor">
+            <a:schemeClr val="lt1"/>
+          </a:fontRef>
+        </p:style>
+        <p:txBody>
+          <a:bodyPr rtlCol="0" anchor="ctr"/>
+          <a:lstStyle/>
+          <a:p>
+            <a:pPr algn="ctr"/>
+            <a:endParaRPr lang="en-US"/>
+          </a:p>
+        </p:txBody>
+      </p:sp>
+      <p:pic>
+        <p:nvPicPr>
+          <p:cNvPr id="152" name="Picture 146" descr="Padlock on computer motherboard">
+            <a:extLst>
+              <a:ext uri="{FF2B5EF4-FFF2-40B4-BE49-F238E27FC236}">
+                <a16:creationId xmlns:a16="http://schemas.microsoft.com/office/drawing/2014/main" id="{1DD2A500-CAFA-4CF7-A1C9-4C417C1F866D}"/>
+              </a:ext>
+            </a:extLst>
+          </p:cNvPr>
+          <p:cNvPicPr>
+            <a:picLocks noChangeAspect="1"/>
+          </p:cNvPicPr>
+          <p:nvPr/>
+        </p:nvPicPr>
+        <p:blipFill rotWithShape="1">
+          <a:blip r:embed="rId3"/>
+          <a:srcRect b="15730"/>
+          <a:stretch/>
+        </p:blipFill>
+        <p:spPr>
+          <a:xfrm>
+            <a:off x="20" y="10"/>
+            <a:ext cx="12191980" cy="6857990"/>
+          </a:xfrm>
+          <a:prstGeom prst="rect">
+            <a:avLst/>
+          </a:prstGeom>
+        </p:spPr>
+      </p:pic>
+      <p:sp>
+        <p:nvSpPr>
+          <p:cNvPr id="153" name="Rectangle 92">
+            <a:extLst>
+              <a:ext uri="{FF2B5EF4-FFF2-40B4-BE49-F238E27FC236}">
+                <a16:creationId xmlns:a16="http://schemas.microsoft.com/office/drawing/2014/main" id="{9FA98EAA-A866-4C95-A2A8-44E46FBAD5A0}"/>
+              </a:ext>
+              <a:ext uri="{C183D7F6-B498-43B3-948B-1728B52AA6E4}">
+                <adec:decorative xmlns:adec="http://schemas.microsoft.com/office/drawing/2017/decorative" val="1"/>
+              </a:ext>
+            </a:extLst>
+          </p:cNvPr>
+          <p:cNvSpPr>
+            <a:spLocks noGrp="1" noRot="1" noChangeAspect="1" noMove="1" noResize="1" noEditPoints="1" noAdjustHandles="1" noChangeArrowheads="1" noChangeShapeType="1" noTextEdit="1"/>
+          </p:cNvSpPr>
+          <p:nvPr>
+            <p:extLst>
+              <p:ext uri="{386F3935-93C4-4BCD-93E2-E3B085C9AB24}">
+                <p16:designElem xmlns:p16="http://schemas.microsoft.com/office/powerpoint/2015/main" val="1"/>
+              </p:ext>
+            </p:extLst>
+          </p:nvPr>
+        </p:nvSpPr>
+        <p:spPr>
+          <a:xfrm rot="10800000">
+            <a:off x="-3" y="4530071"/>
+            <a:ext cx="12191999" cy="2327926"/>
+          </a:xfrm>
+          <a:prstGeom prst="rect">
+            <a:avLst/>
+          </a:prstGeom>
+          <a:gradFill flip="none" rotWithShape="1">
+            <a:gsLst>
+              <a:gs pos="56000">
+                <a:schemeClr val="tx1">
+                  <a:alpha val="40000"/>
+                </a:schemeClr>
+              </a:gs>
+              <a:gs pos="100000">
+                <a:schemeClr val="tx1">
+                  <a:alpha val="85000"/>
+                </a:schemeClr>
+              </a:gs>
+              <a:gs pos="0">
+                <a:schemeClr val="tx1">
+                  <a:alpha val="0"/>
+                </a:schemeClr>
+              </a:gs>
+            </a:gsLst>
+            <a:lin ang="16200000" scaled="1"/>
+            <a:tileRect/>
+          </a:gradFill>
+          <a:ln>
+            <a:noFill/>
+          </a:ln>
+        </p:spPr>
+        <p:style>
+          <a:lnRef idx="2">
+            <a:schemeClr val="accent1">
+              <a:shade val="50000"/>
+            </a:schemeClr>
+          </a:lnRef>
+          <a:fillRef idx="1">
+            <a:schemeClr val="accent1"/>
+          </a:fillRef>
+          <a:effectRef idx="0">
+            <a:schemeClr val="accent1"/>
+          </a:effectRef>
+          <a:fontRef idx="minor">
+            <a:schemeClr val="lt1"/>
+          </a:fontRef>
+        </p:style>
+        <p:txBody>
+          <a:bodyPr rtlCol="0" anchor="ctr"/>
+          <a:lstStyle/>
+          <a:p>
+            <a:pPr algn="ctr"/>
+            <a:endParaRPr lang="en-US"/>
+          </a:p>
+        </p:txBody>
+      </p:sp>
+      <p:sp>
+        <p:nvSpPr>
+          <p:cNvPr id="2" name="Title 1">
+            <a:extLst>
+              <a:ext uri="{FF2B5EF4-FFF2-40B4-BE49-F238E27FC236}">
+                <a16:creationId xmlns:a16="http://schemas.microsoft.com/office/drawing/2014/main" id="{5FE7C14D-D706-4E2C-A573-B8280E86ED99}"/>
+              </a:ext>
+            </a:extLst>
+          </p:cNvPr>
+          <p:cNvSpPr>
+            <a:spLocks noGrp="1"/>
+          </p:cNvSpPr>
+          <p:nvPr>
+            <p:ph type="title"/>
+          </p:nvPr>
+        </p:nvSpPr>
+        <p:spPr>
+          <a:xfrm>
+            <a:off x="2103121" y="4727173"/>
+            <a:ext cx="7985759" cy="868823"/>
+          </a:xfrm>
+        </p:spPr>
+        <p:txBody>
+          <a:bodyPr vert="horz" lIns="91440" tIns="45720" rIns="91440" bIns="45720" rtlCol="0" anchor="b">
+            <a:normAutofit/>
+          </a:bodyPr>
+          <a:lstStyle/>
+          <a:p>
+            <a:pPr algn="ctr"/>
+            <a:r>
+              <a:rPr lang="en-US" dirty="0">
+                <a:solidFill>
+                  <a:schemeClr val="bg1"/>
+                </a:solidFill>
+              </a:rPr>
+              <a:t>Offensive Security</a:t>
+            </a:r>
+          </a:p>
+        </p:txBody>
+      </p:sp>
+    </p:spTree>
+    <p:extLst>
+      <p:ext uri="{BB962C8B-B14F-4D97-AF65-F5344CB8AC3E}">
+        <p14:creationId xmlns:p14="http://schemas.microsoft.com/office/powerpoint/2010/main" val="3463199737"/>
+      </p:ext>
+    </p:extLst>
+  </p:cSld>
+  <p:clrMapOvr>
+    <a:masterClrMapping/>
+  </p:clrMapOvr>
+  <p:timing>
+    <p:tnLst>
+      <p:par>
+        <p:cTn id="1" dur="indefinite" restart="never" nodeType="tmRoot">
+          <p:childTnLst>
+            <p:seq concurrent="1" nextAc="seek">
+              <p:cTn id="2" dur="indefinite" nodeType="mainSeq">
+                <p:childTnLst>
+                  <p:par>
+                    <p:cTn id="3" fill="hold">
+                      <p:stCondLst>
+                        <p:cond delay="indefinite"/>
+                        <p:cond evt="onBegin" delay="0">
+                          <p:tn val="2"/>
+                        </p:cond>
+                      </p:stCondLst>
+                      <p:childTnLst>
+                        <p:par>
+                          <p:cTn id="4" fill="hold">
+                            <p:stCondLst>
+                              <p:cond delay="0"/>
+                            </p:stCondLst>
+                            <p:childTnLst>
+                              <p:par>
+                                <p:cTn id="5" presetID="10" presetClass="entr" presetSubtype="0" fill="hold" grpId="0" nodeType="withEffect">
+                                  <p:stCondLst>
+                                    <p:cond delay="1000"/>
+                                  </p:stCondLst>
+                                  <p:iterate type="lt">
+                                    <p:tmPct val="10000"/>
+                                  </p:iterate>
+                                  <p:childTnLst>
+                                    <p:set>
+                                      <p:cBhvr>
+                                        <p:cTn id="6" dur="1" fill="hold">
+                                          <p:stCondLst>
+                                            <p:cond delay="0"/>
+                                          </p:stCondLst>
+                                        </p:cTn>
+                                        <p:tgtEl>
+                                          <p:spTgt spid="2"/>
+                                        </p:tgtEl>
+                                        <p:attrNameLst>
+                                          <p:attrName>style.visibility</p:attrName>
+                                        </p:attrNameLst>
+                                      </p:cBhvr>
+                                      <p:to>
+                                        <p:strVal val="visible"/>
+                                      </p:to>
+                                    </p:set>
+                                    <p:animEffect transition="in" filter="fade">
+                                      <p:cBhvr>
+                                        <p:cTn id="7" dur="400"/>
+                                        <p:tgtEl>
+                                          <p:spTgt spid="2"/>
+                                        </p:tgtEl>
+                                      </p:cBhvr>
+                                    </p:animEffect>
+                                  </p:childTnLst>
+                                </p:cTn>
+                              </p:par>
+                            </p:childTnLst>
+                          </p:cTn>
+                        </p:par>
+                      </p:childTnLst>
+                    </p:cTn>
+                  </p:par>
+                </p:childTnLst>
+              </p:cTn>
+              <p:prevCondLst>
+                <p:cond evt="onPrev" delay="0">
+                  <p:tgtEl>
+                    <p:sldTgt/>
+                  </p:tgtEl>
+                </p:cond>
+              </p:prevCondLst>
+              <p:nextCondLst>
+                <p:cond evt="onNext" delay="0">
+                  <p:tgtEl>
+                    <p:sldTgt/>
+                  </p:tgtEl>
+                </p:cond>
+              </p:nextCondLst>
+            </p:seq>
+          </p:childTnLst>
+        </p:cTn>
+      </p:par>
+    </p:tnLst>
+    <p:bldLst>
+      <p:bldP spid="2" grpId="0"/>
+    </p:bldLst>
+  </p:timing>
 </p:sld>
 </file>
 
